--- a/liferay-modularity-devcon2013/LiferayModularity-2013DEVCON.pptx
+++ b/liferay-modularity-devcon2013/LiferayModularity-2013DEVCON.pptx
@@ -20,13 +20,14 @@
     <p:sldId id="263" r:id="rId13"/>
     <p:sldId id="264" r:id="rId14"/>
     <p:sldId id="265" r:id="rId15"/>
+    <p:sldId id="266" r:id="rId16"/>
   </p:sldIdLst>
   <p:sldSz cx="9144000" cy="6858000"/>
   <p:notesSz cx="7559675" cy="10691812"/>
 </p:presentation>
 </file>
 
-<file path=ppt/charts/chart24.xml><?xml version="1.0" encoding="utf-8"?>
+<file path=ppt/charts/chart3.xml><?xml version="1.0" encoding="utf-8"?>
 <c:chartSpace xmlns:a="http://schemas.openxmlformats.org/drawingml/2006/main" xmlns:c="http://schemas.openxmlformats.org/drawingml/2006/chart" xmlns:r="http://schemas.openxmlformats.org/officeDocument/2006/relationships">
   <c:lang val="en-US"/>
   <c:chart>
@@ -170,11 +171,11 @@
           </c:val>
         </c:ser>
         <c:marker val="0"/>
-        <c:axId val="4969761"/>
-        <c:axId val="41840088"/>
+        <c:axId val="59704990"/>
+        <c:axId val="1627754"/>
       </c:lineChart>
       <c:catAx>
-        <c:axId val="4969761"/>
+        <c:axId val="59704990"/>
         <c:scaling>
           <c:orientation val="minMax"/>
         </c:scaling>
@@ -182,7 +183,7 @@
         <c:majorTickMark val="out"/>
         <c:minorTickMark val="none"/>
         <c:tickLblPos val="nextTo"/>
-        <c:crossAx val="41840088"/>
+        <c:crossAx val="1627754"/>
         <c:crossesAt val="0"/>
         <c:lblAlgn val="ctr"/>
         <c:auto val="1"/>
@@ -197,7 +198,7 @@
         </c:spPr>
       </c:catAx>
       <c:valAx>
-        <c:axId val="41840088"/>
+        <c:axId val="1627754"/>
         <c:scaling>
           <c:orientation val="minMax"/>
         </c:scaling>
@@ -215,7 +216,7 @@
         <c:majorTickMark val="out"/>
         <c:minorTickMark val="none"/>
         <c:tickLblPos val="none"/>
-        <c:crossAx val="4969761"/>
+        <c:crossAx val="59704990"/>
         <c:crossesAt val="1"/>
         <c:spPr>
           <a:ln w="9360">
@@ -403,7 +404,7 @@
           <a:bodyPr anchor="b" bIns="0" lIns="0" rIns="0" tIns="0" wrap="none"/>
           <a:p>
             <a:pPr algn="r"/>
-            <a:fld id="{F3879425-E44B-4898-A71F-F38352B8E391}" type="slidenum">
+            <a:fld id="{7FBE9272-9B92-437A-A9FB-0075C11C4A1E}" type="slidenum">
               <a:rPr lang="en-GB"/>
               <a:t>&lt;number&gt;</a:t>
             </a:fld>
@@ -415,6 +416,78 @@
   </p:cSld>
   <p:clrMap accent1="accent1" accent2="accent2" accent3="accent3" accent4="accent4" accent5="accent5" accent6="accent6" bg1="lt1" bg2="lt2" folHlink="folHlink" hlink="hlink" tx1="dk1" tx2="dk2"/>
 </p:notesMaster>
+</file>
+
+<file path=ppt/notesSlides/notesSlide10.xml><?xml version="1.0" encoding="utf-8"?>
+<p:notes xmlns:a="http://schemas.openxmlformats.org/drawingml/2006/main" xmlns:p="http://schemas.openxmlformats.org/presentationml/2006/main" xmlns:r="http://schemas.openxmlformats.org/officeDocument/2006/relationships">
+  <p:cSld>
+    <p:spTree>
+      <p:nvGrpSpPr>
+        <p:cNvPr id="1" name=""/>
+        <p:cNvGrpSpPr/>
+        <p:nvPr/>
+      </p:nvGrpSpPr>
+      <p:grpSpPr>
+        <a:xfrm>
+          <a:off x="0" y="0"/>
+          <a:ext cx="0" cy="0"/>
+          <a:chOff x="0" y="0"/>
+          <a:chExt cx="0" cy="0"/>
+        </a:xfrm>
+      </p:grpSpPr>
+      <p:sp>
+        <p:nvSpPr>
+          <p:cNvPr id="128" name="PlaceHolder 1"/>
+          <p:cNvSpPr>
+            <a:spLocks noGrp="1"/>
+          </p:cNvSpPr>
+          <p:nvPr>
+            <p:ph type="body"/>
+          </p:nvPr>
+        </p:nvSpPr>
+        <p:spPr>
+          <a:xfrm>
+            <a:off x="648720" y="360000"/>
+            <a:ext cx="6046920" cy="9791640"/>
+          </a:xfrm>
+          <a:prstGeom prst="rect">
+            <a:avLst/>
+          </a:prstGeom>
+        </p:spPr>
+        <p:txBody>
+          <a:bodyPr bIns="0" lIns="0" rIns="0" tIns="0" wrap="none"/>
+          <a:p>
+            <a:r>
+              <a:rPr lang="en-GB"/>
+              <a:t>Hands-on on how to write some example applications:</a:t>
+            </a:r>
+            <a:endParaRPr/>
+          </a:p>
+          <a:p>
+            <a:endParaRPr/>
+          </a:p>
+          <a:p>
+            <a:r>
+              <a:rPr lang="en-GB"/>
+              <a:t>We can use some of the apps we have already builtin since, IMHO, they can be used for teaching purposes.</a:t>
+            </a:r>
+            <a:endParaRPr/>
+          </a:p>
+          <a:p>
+            <a:endParaRPr/>
+          </a:p>
+          <a:p>
+            <a:r>
+              <a:rPr lang="en-GB"/>
+              <a:t>This will help us not only to show how write the apps but to show the current abilities of the Plugins SDK related with all this new stuff</a:t>
+            </a:r>
+            <a:endParaRPr/>
+          </a:p>
+        </p:txBody>
+      </p:sp>
+    </p:spTree>
+  </p:cSld>
+</p:notes>
 </file>
 
 <file path=ppt/notesSlides/notesSlide2.xml><?xml version="1.0" encoding="utf-8"?>
@@ -436,7 +509,7 @@
       </p:grpSpPr>
       <p:sp>
         <p:nvSpPr>
-          <p:cNvPr id="165" name="PlaceHolder 1"/>
+          <p:cNvPr id="120" name="PlaceHolder 1"/>
           <p:cNvSpPr>
             <a:spLocks noGrp="1"/>
           </p:cNvSpPr>
@@ -447,7 +520,7 @@
         <p:spPr>
           <a:xfrm>
             <a:off x="756000" y="5078520"/>
-            <a:ext cx="6047280" cy="4811040"/>
+            <a:ext cx="6046920" cy="4810680"/>
           </a:xfrm>
           <a:prstGeom prst="rect">
             <a:avLst/>
@@ -737,7 +810,7 @@
       </p:grpSpPr>
       <p:sp>
         <p:nvSpPr>
-          <p:cNvPr id="166" name="PlaceHolder 1"/>
+          <p:cNvPr id="121" name="PlaceHolder 1"/>
           <p:cNvSpPr>
             <a:spLocks noGrp="1"/>
           </p:cNvSpPr>
@@ -748,7 +821,7 @@
         <p:spPr>
           <a:xfrm>
             <a:off x="756000" y="5078520"/>
-            <a:ext cx="6047280" cy="4810680"/>
+            <a:ext cx="6046920" cy="4810320"/>
           </a:xfrm>
           <a:prstGeom prst="rect">
             <a:avLst/>
@@ -789,7 +862,7 @@
       </p:grpSpPr>
       <p:sp>
         <p:nvSpPr>
-          <p:cNvPr id="167" name="PlaceHolder 1"/>
+          <p:cNvPr id="122" name="PlaceHolder 1"/>
           <p:cNvSpPr>
             <a:spLocks noGrp="1"/>
           </p:cNvSpPr>
@@ -800,7 +873,7 @@
         <p:spPr>
           <a:xfrm>
             <a:off x="756000" y="5078520"/>
-            <a:ext cx="6047280" cy="4811040"/>
+            <a:ext cx="6046920" cy="4810680"/>
           </a:xfrm>
           <a:prstGeom prst="rect">
             <a:avLst/>
@@ -1220,7 +1293,7 @@
       </p:grpSpPr>
       <p:sp>
         <p:nvSpPr>
-          <p:cNvPr id="168" name="PlaceHolder 1"/>
+          <p:cNvPr id="123" name="PlaceHolder 1"/>
           <p:cNvSpPr>
             <a:spLocks noGrp="1"/>
           </p:cNvSpPr>
@@ -1231,7 +1304,7 @@
         <p:spPr>
           <a:xfrm>
             <a:off x="756000" y="5078520"/>
-            <a:ext cx="6047280" cy="4810680"/>
+            <a:ext cx="6046920" cy="4810320"/>
           </a:xfrm>
           <a:prstGeom prst="rect">
             <a:avLst/>
@@ -1437,7 +1510,7 @@
       </p:grpSpPr>
       <p:sp>
         <p:nvSpPr>
-          <p:cNvPr id="169" name="PlaceHolder 1"/>
+          <p:cNvPr id="124" name="PlaceHolder 1"/>
           <p:cNvSpPr>
             <a:spLocks noGrp="1"/>
           </p:cNvSpPr>
@@ -1448,7 +1521,7 @@
         <p:spPr>
           <a:xfrm>
             <a:off x="756000" y="5078520"/>
-            <a:ext cx="6047280" cy="4810680"/>
+            <a:ext cx="6046920" cy="4810320"/>
           </a:xfrm>
           <a:prstGeom prst="rect">
             <a:avLst/>
@@ -1614,7 +1687,7 @@
       </p:grpSpPr>
       <p:sp>
         <p:nvSpPr>
-          <p:cNvPr id="170" name="PlaceHolder 1"/>
+          <p:cNvPr id="125" name="PlaceHolder 1"/>
           <p:cNvSpPr>
             <a:spLocks noGrp="1"/>
           </p:cNvSpPr>
@@ -1625,7 +1698,7 @@
         <p:spPr>
           <a:xfrm>
             <a:off x="756000" y="5078520"/>
-            <a:ext cx="6047280" cy="4810680"/>
+            <a:ext cx="6046920" cy="4810320"/>
           </a:xfrm>
           <a:prstGeom prst="rect">
             <a:avLst/>
@@ -1666,7 +1739,7 @@
       </p:grpSpPr>
       <p:sp>
         <p:nvSpPr>
-          <p:cNvPr id="171" name="PlaceHolder 1"/>
+          <p:cNvPr id="126" name="PlaceHolder 1"/>
           <p:cNvSpPr>
             <a:spLocks noGrp="1"/>
           </p:cNvSpPr>
@@ -1677,7 +1750,7 @@
         <p:spPr>
           <a:xfrm>
             <a:off x="648720" y="360000"/>
-            <a:ext cx="6047280" cy="9792000"/>
+            <a:ext cx="6046920" cy="9791640"/>
           </a:xfrm>
           <a:prstGeom prst="rect">
             <a:avLst/>
@@ -1697,45 +1770,65 @@
           </a:p>
           <a:p>
             <a:r>
-              <a:rPr lang="en-US"/>
-              <a:t>Embedded OSGI framework Ideally should be </a:t>
-            </a:r>
-            <a:r>
-              <a:rPr lang="en-US"/>
-              <a:t>“agnostic”: Felix and Equinox are supported</a:t>
-            </a:r>
-            <a:endParaRPr/>
-          </a:p>
-          <a:p>
-            <a:pPr lvl="2"/>
-            <a:endParaRPr/>
-          </a:p>
-          <a:p>
-            <a:pPr lvl="1"/>
-            <a:r>
-              <a:rPr lang="en-US"/>
+              <a:rPr lang="en-GB"/>
+              <a:t>Embedded OSGI framework Ideally should be “agnostic”: Felix and Equinox are supported</a:t>
+            </a:r>
+            <a:endParaRPr/>
+          </a:p>
+          <a:p>
+            <a:pPr>
+              <a:lnSpc>
+                <a:spcPct val="100000"/>
+              </a:lnSpc>
+            </a:pPr>
+            <a:endParaRPr/>
+          </a:p>
+          <a:p>
+            <a:pPr>
+              <a:lnSpc>
+                <a:spcPct val="100000"/>
+              </a:lnSpc>
+            </a:pPr>
+            <a:r>
+              <a:rPr lang="en-GB"/>
               <a:t>HTTP Service implementation</a:t>
             </a:r>
             <a:endParaRPr/>
           </a:p>
           <a:p>
-            <a:pPr lvl="1"/>
-            <a:endParaRPr/>
-          </a:p>
-          <a:p>
-            <a:pPr lvl="1"/>
-            <a:r>
-              <a:rPr lang="en-US"/>
+            <a:pPr>
+              <a:lnSpc>
+                <a:spcPct val="100000"/>
+              </a:lnSpc>
+            </a:pPr>
+            <a:endParaRPr/>
+          </a:p>
+          <a:p>
+            <a:pPr>
+              <a:lnSpc>
+                <a:spcPct val="100000"/>
+              </a:lnSpc>
+            </a:pPr>
+            <a:r>
+              <a:rPr lang="en-GB"/>
               <a:t>Backwards compatible</a:t>
             </a:r>
             <a:endParaRPr/>
           </a:p>
           <a:p>
-            <a:pPr lvl="1"/>
-            <a:endParaRPr/>
-          </a:p>
-          <a:p>
-            <a:pPr lvl="1"/>
+            <a:pPr>
+              <a:lnSpc>
+                <a:spcPct val="100000"/>
+              </a:lnSpc>
+            </a:pPr>
+            <a:endParaRPr/>
+          </a:p>
+          <a:p>
+            <a:pPr>
+              <a:lnSpc>
+                <a:spcPct val="100000"/>
+              </a:lnSpc>
+            </a:pPr>
             <a:r>
               <a:rPr lang="en-GB"/>
               <a:t>Always enabled</a:t>
@@ -1743,11 +1836,19 @@
             <a:endParaRPr/>
           </a:p>
           <a:p>
-            <a:pPr lvl="1"/>
-            <a:endParaRPr/>
-          </a:p>
-          <a:p>
-            <a:pPr lvl="1"/>
+            <a:pPr>
+              <a:lnSpc>
+                <a:spcPct val="100000"/>
+              </a:lnSpc>
+            </a:pPr>
+            <a:endParaRPr/>
+          </a:p>
+          <a:p>
+            <a:pPr>
+              <a:lnSpc>
+                <a:spcPct val="100000"/>
+              </a:lnSpc>
+            </a:pPr>
             <a:r>
               <a:rPr lang="en-GB"/>
               <a:t>The idea of this slide is to present the overall of the architecture built-in inside Liferay but without going too much deep in the stack (I tend to think most of the people gets bored when you go too deeper)</a:t>
@@ -1755,13 +1856,27 @@
             <a:endParaRPr/>
           </a:p>
           <a:p>
-            <a:pPr lvl="1"/>
-            <a:endParaRPr/>
-          </a:p>
-          <a:p>
-            <a:endParaRPr/>
-          </a:p>
-          <a:p>
+            <a:pPr>
+              <a:lnSpc>
+                <a:spcPct val="100000"/>
+              </a:lnSpc>
+            </a:pPr>
+            <a:endParaRPr/>
+          </a:p>
+          <a:p>
+            <a:pPr>
+              <a:lnSpc>
+                <a:spcPct val="100000"/>
+              </a:lnSpc>
+            </a:pPr>
+            <a:endParaRPr/>
+          </a:p>
+          <a:p>
+            <a:pPr>
+              <a:lnSpc>
+                <a:spcPct val="100000"/>
+              </a:lnSpc>
+            </a:pPr>
             <a:endParaRPr/>
           </a:p>
         </p:txBody>
@@ -1790,7 +1905,7 @@
       </p:grpSpPr>
       <p:sp>
         <p:nvSpPr>
-          <p:cNvPr id="172" name="PlaceHolder 1"/>
+          <p:cNvPr id="127" name="PlaceHolder 1"/>
           <p:cNvSpPr>
             <a:spLocks noGrp="1"/>
           </p:cNvSpPr>
@@ -1801,7 +1916,7 @@
         <p:spPr>
           <a:xfrm>
             <a:off x="648720" y="360000"/>
-            <a:ext cx="6047280" cy="9792000"/>
+            <a:ext cx="6046920" cy="9791640"/>
           </a:xfrm>
           <a:prstGeom prst="rect">
             <a:avLst/>
@@ -1812,7 +1927,7 @@
           <a:p>
             <a:r>
               <a:rPr lang="en-GB"/>
-              <a:t>Hands-on on how to write some example applications:</a:t>
+              <a:t>This is something Ray and I should discuss: I think many of the stuff mentioned have already been discussed but we should agree anyway :)</a:t>
             </a:r>
             <a:endParaRPr/>
           </a:p>
@@ -1822,18 +1937,159 @@
           <a:p>
             <a:r>
               <a:rPr lang="en-GB"/>
-              <a:t>We can use some of the apps we have already builtin since, IMHO, they can be used for teaching purposes.</a:t>
-            </a:r>
-            <a:endParaRPr/>
-          </a:p>
-          <a:p>
-            <a:endParaRPr/>
-          </a:p>
-          <a:p>
+              <a:t>– </a:t>
+            </a:r>
             <a:r>
               <a:rPr lang="en-GB"/>
-              <a:t>This will help us not only to show how write the apps but to show the current abilities of the Plugins SDK related with all this new stuff</a:t>
-            </a:r>
+              <a:t>Put in place the JSP support once we have already done it. This will allow you to write</a:t>
+            </a:r>
+            <a:endParaRPr/>
+          </a:p>
+          <a:p>
+            <a:endParaRPr/>
+          </a:p>
+          <a:p>
+            <a:r>
+              <a:rPr lang="en-GB"/>
+              <a:t>– </a:t>
+            </a:r>
+            <a:r>
+              <a:rPr lang="en-GB"/>
+              <a:t>Trying to apply some of the concepts previously shown in the Liferay Core: </a:t>
+            </a:r>
+            <a:endParaRPr/>
+          </a:p>
+          <a:p>
+            <a:r>
+              <a:rPr lang="en-GB"/>
+              <a:t>    – </a:t>
+            </a:r>
+            <a:r>
+              <a:rPr lang="en-GB"/>
+              <a:t>Powerful registry mechanism;</a:t>
+            </a:r>
+            <a:endParaRPr/>
+          </a:p>
+          <a:p>
+            <a:r>
+              <a:rPr lang="en-GB"/>
+              <a:t>    – </a:t>
+            </a:r>
+            <a:r>
+              <a:rPr lang="en-GB"/>
+              <a:t>Easier extensibility and reuse of components</a:t>
+            </a:r>
+            <a:endParaRPr/>
+          </a:p>
+          <a:p>
+            <a:r>
+              <a:rPr lang="en-GB"/>
+              <a:t>    – </a:t>
+            </a:r>
+            <a:r>
+              <a:rPr lang="en-GB"/>
+              <a:t>Get all the benefits from having smaller components like: less bugs, easier to maintain/rewrite, focus, distributed teams, …</a:t>
+            </a:r>
+            <a:endParaRPr/>
+          </a:p>
+          <a:p>
+            <a:endParaRPr/>
+          </a:p>
+          <a:p>
+            <a:r>
+              <a:rPr lang="en-GB"/>
+              <a:t>Some of the features I would like to have:</a:t>
+            </a:r>
+            <a:endParaRPr/>
+          </a:p>
+          <a:p>
+            <a:r>
+              <a:rPr lang="en-GB"/>
+              <a:t>  </a:t>
+            </a:r>
+            <a:endParaRPr/>
+          </a:p>
+          <a:p>
+            <a:r>
+              <a:rPr lang="en-GB"/>
+              <a:t>– </a:t>
+            </a:r>
+            <a:r>
+              <a:rPr lang="en-GB"/>
+              <a:t>Small self-contained modules, so you can remove dependencies with the traditional big application servers</a:t>
+            </a:r>
+            <a:endParaRPr/>
+          </a:p>
+          <a:p>
+            <a:endParaRPr/>
+          </a:p>
+          <a:p>
+            <a:r>
+              <a:rPr lang="en-GB"/>
+              <a:t>– </a:t>
+            </a:r>
+            <a:r>
+              <a:rPr lang="en-GB"/>
+              <a:t>Previous point will allow us to get a huge increase of our architecture's versatility</a:t>
+            </a:r>
+            <a:endParaRPr/>
+          </a:p>
+          <a:p>
+            <a:endParaRPr/>
+          </a:p>
+          <a:p>
+            <a:r>
+              <a:rPr lang="en-GB"/>
+              <a:t>– </a:t>
+            </a:r>
+            <a:r>
+              <a:rPr lang="en-GB"/>
+              <a:t>The previous point will allow us to move Liferay's resiliency and scaling to the next point: horizontal scaling (distribution), applying some of the Hystrix concepts to our services, …</a:t>
+            </a:r>
+            <a:endParaRPr/>
+          </a:p>
+          <a:p>
+            <a:endParaRPr/>
+          </a:p>
+          <a:p>
+            <a:r>
+              <a:rPr lang="en-GB"/>
+              <a:t>– </a:t>
+            </a:r>
+            <a:r>
+              <a:rPr lang="en-GB"/>
+              <a:t>Many more … we</a:t>
+            </a:r>
+            <a:endParaRPr/>
+          </a:p>
+          <a:p>
+            <a:endParaRPr/>
+          </a:p>
+          <a:p>
+            <a:endParaRPr/>
+          </a:p>
+          <a:p>
+            <a:pPr>
+              <a:lnSpc>
+                <a:spcPct val="100000"/>
+              </a:lnSpc>
+            </a:pPr>
+            <a:endParaRPr/>
+          </a:p>
+          <a:p>
+            <a:pPr>
+              <a:lnSpc>
+                <a:spcPct val="100000"/>
+              </a:lnSpc>
+            </a:pPr>
+            <a:endParaRPr/>
+          </a:p>
+          <a:p>
+            <a:pPr>
+              <a:lnSpc>
+                <a:spcPct val="100000"/>
+              </a:lnSpc>
+            </a:pPr>
             <a:endParaRPr/>
           </a:p>
         </p:txBody>
@@ -5206,7 +5462,7 @@
         <p:spPr>
           <a:xfrm>
             <a:off x="0" y="0"/>
-            <a:ext cx="9142920" cy="6856920"/>
+            <a:ext cx="9142560" cy="6856560"/>
           </a:xfrm>
           <a:prstGeom prst="rect">
             <a:avLst/>
@@ -5585,7 +5841,7 @@
         <p:spPr>
           <a:xfrm>
             <a:off x="0" y="0"/>
-            <a:ext cx="9142920" cy="6856920"/>
+            <a:ext cx="9142560" cy="6856560"/>
           </a:xfrm>
           <a:prstGeom prst="rect">
             <a:avLst/>
@@ -5776,7 +6032,7 @@
         <p:spPr>
           <a:xfrm>
             <a:off x="914400" y="2057400"/>
-            <a:ext cx="7619040" cy="684720"/>
+            <a:ext cx="7618680" cy="684360"/>
           </a:xfrm>
           <a:prstGeom prst="rect">
             <a:avLst/>
@@ -5813,7 +6069,7 @@
         <p:spPr>
           <a:xfrm>
             <a:off x="914400" y="3733920"/>
-            <a:ext cx="4723200" cy="303840"/>
+            <a:ext cx="4722840" cy="303480"/>
           </a:xfrm>
           <a:prstGeom prst="rect">
             <a:avLst/>
@@ -5849,7 +6105,7 @@
         <p:spPr>
           <a:xfrm>
             <a:off x="914400" y="2666880"/>
-            <a:ext cx="5852880" cy="608400"/>
+            <a:ext cx="5852520" cy="608040"/>
           </a:xfrm>
           <a:prstGeom prst="rect">
             <a:avLst/>
@@ -5885,7 +6141,7 @@
         <p:spPr>
           <a:xfrm>
             <a:off x="914400" y="3429000"/>
-            <a:ext cx="4723200" cy="303840"/>
+            <a:ext cx="4722840" cy="303480"/>
           </a:xfrm>
           <a:prstGeom prst="rect">
             <a:avLst/>
@@ -5980,6 +6236,65 @@
           <p:childTnLst>
             <p:seq>
               <p:cTn id="20" nodeType="mainSeq"/>
+              <p:prevCondLst>
+                <p:cond delay="0" evt="onPrev">
+                  <p:tgtEl>
+                    <p:sldTgt/>
+                  </p:tgtEl>
+                </p:cond>
+              </p:prevCondLst>
+              <p:nextCondLst>
+                <p:cond delay="0" evt="onNext">
+                  <p:tgtEl>
+                    <p:sldTgt/>
+                  </p:tgtEl>
+                </p:cond>
+              </p:nextCondLst>
+            </p:seq>
+          </p:childTnLst>
+        </p:cTn>
+      </p:par>
+    </p:tnLst>
+  </p:timing>
+</p:sld>
+</file>
+
+<file path=ppt/slides/slide11.xml><?xml version="1.0" encoding="utf-8"?>
+<p:sld xmlns:a="http://schemas.openxmlformats.org/drawingml/2006/main" xmlns:p="http://schemas.openxmlformats.org/presentationml/2006/main" xmlns:r="http://schemas.openxmlformats.org/officeDocument/2006/relationships">
+  <p:cSld>
+    <p:bg>
+      <p:bgPr>
+        <a:blipFill>
+          <a:blip r:embed="rId1"/>
+          <a:stretch>
+            <a:fillRect/>
+          </a:stretch>
+        </a:blipFill>
+      </p:bgPr>
+    </p:bg>
+    <p:spTree>
+      <p:nvGrpSpPr>
+        <p:cNvPr id="1" name=""/>
+        <p:cNvGrpSpPr/>
+        <p:nvPr/>
+      </p:nvGrpSpPr>
+      <p:grpSpPr>
+        <a:xfrm>
+          <a:off x="0" y="0"/>
+          <a:ext cx="0" cy="0"/>
+          <a:chOff x="0" y="0"/>
+          <a:chExt cx="0" cy="0"/>
+        </a:xfrm>
+      </p:grpSpPr>
+    </p:spTree>
+  </p:cSld>
+  <p:timing>
+    <p:tnLst>
+      <p:par>
+        <p:cTn dur="indefinite" id="21" nodeType="tmRoot" restart="never">
+          <p:childTnLst>
+            <p:seq>
+              <p:cTn id="22" nodeType="mainSeq"/>
               <p:prevCondLst>
                 <p:cond delay="0" evt="onPrev">
                   <p:tgtEl>
@@ -6087,7 +6402,7 @@
         </p:nvGraphicFramePr>
         <p:xfrm>
           <a:off x="648000" y="432000"/>
-          <a:ext cx="7703280" cy="5039280"/>
+          <a:ext cx="7702920" cy="5038920"/>
         </p:xfrm>
         <a:graphic>
           <a:graphicData uri="http://schemas.openxmlformats.org/drawingml/2006/chart">
@@ -6104,7 +6419,7 @@
         <p:spPr>
           <a:xfrm>
             <a:off x="612000" y="972000"/>
-            <a:ext cx="575280" cy="245160"/>
+            <a:ext cx="574920" cy="244800"/>
           </a:xfrm>
           <a:prstGeom prst="rect">
             <a:avLst/>
@@ -6130,7 +6445,7 @@
         <p:spPr>
           <a:xfrm>
             <a:off x="6480000" y="4932000"/>
-            <a:ext cx="935280" cy="400680"/>
+            <a:ext cx="934920" cy="400320"/>
           </a:xfrm>
           <a:prstGeom prst="rect">
             <a:avLst/>
@@ -6179,7 +6494,7 @@
         <p:spPr>
           <a:xfrm>
             <a:off x="5184000" y="1800000"/>
-            <a:ext cx="1223280" cy="245160"/>
+            <a:ext cx="1222920" cy="244800"/>
           </a:xfrm>
           <a:prstGeom prst="rect">
             <a:avLst/>
@@ -6363,612 +6678,28 @@
           <a:chExt cx="0" cy="0"/>
         </a:xfrm>
       </p:grpSpPr>
-      <p:sp>
-        <p:nvSpPr>
-          <p:cNvPr id="118" name="CustomShape 1"/>
-          <p:cNvSpPr/>
+      <p:pic>
+        <p:nvPicPr>
+          <p:cNvPr descr="" id="118" name=""/>
+          <p:cNvPicPr/>
           <p:nvPr/>
-        </p:nvSpPr>
-        <p:spPr>
-          <a:xfrm>
-            <a:off x="2069280" y="4472640"/>
-            <a:ext cx="5562720" cy="495360"/>
-          </a:xfrm>
-          <a:prstGeom prst="roundRect">
-            <a:avLst>
-              <a:gd fmla="val 8307" name="adj"/>
-            </a:avLst>
-          </a:prstGeom>
-          <a:solidFill>
-            <a:srgbClr val="676767"/>
-          </a:solidFill>
-          <a:ln w="25560">
-            <a:solidFill>
-              <a:srgbClr val="000000"/>
-            </a:solidFill>
-            <a:miter/>
-          </a:ln>
-        </p:spPr>
-      </p:sp>
-      <p:sp>
-        <p:nvSpPr>
-          <p:cNvPr id="119" name="CustomShape 2"/>
-          <p:cNvSpPr/>
-          <p:nvPr/>
-        </p:nvSpPr>
-        <p:spPr>
-          <a:xfrm>
-            <a:off x="6221520" y="4599720"/>
-            <a:ext cx="1410480" cy="167760"/>
-          </a:xfrm>
-          <a:prstGeom prst="rect">
-            <a:avLst/>
-          </a:prstGeom>
-        </p:spPr>
-        <p:txBody>
-          <a:bodyPr bIns="0" lIns="0" rIns="0" tIns="0" wrap="none"/>
-          <a:p>
-            <a:pPr>
-              <a:buFont typeface="StarSymbol"/>
-              <a:buChar char=""/>
-            </a:pPr>
-            <a:r>
-              <a:rPr b="1" lang="en-US" sz="1100">
-                <a:solidFill>
-                  <a:srgbClr val="ffffff"/>
-                </a:solidFill>
-                <a:ea typeface="ＭＳ Ｐゴシック"/>
-              </a:rPr>
-              <a:t>Operating system</a:t>
-            </a:r>
-            <a:endParaRPr/>
-          </a:p>
-        </p:txBody>
-      </p:sp>
-      <p:sp>
-        <p:nvSpPr>
-          <p:cNvPr id="120" name="CustomShape 3"/>
-          <p:cNvSpPr/>
-          <p:nvPr/>
-        </p:nvSpPr>
-        <p:spPr>
-          <a:xfrm>
-            <a:off x="2615400" y="3799440"/>
-            <a:ext cx="5016600" cy="495360"/>
-          </a:xfrm>
-          <a:prstGeom prst="roundRect">
-            <a:avLst>
-              <a:gd fmla="val 8307" name="adj"/>
-            </a:avLst>
-          </a:prstGeom>
-          <a:solidFill>
-            <a:srgbClr val="676767"/>
-          </a:solidFill>
-          <a:ln w="25560">
-            <a:solidFill>
-              <a:srgbClr val="000000"/>
-            </a:solidFill>
-            <a:miter/>
-          </a:ln>
-        </p:spPr>
-      </p:sp>
-      <p:sp>
-        <p:nvSpPr>
-          <p:cNvPr id="121" name="CustomShape 4"/>
-          <p:cNvSpPr/>
-          <p:nvPr/>
-        </p:nvSpPr>
-        <p:spPr>
-          <a:xfrm>
-            <a:off x="6002280" y="3926520"/>
-            <a:ext cx="1629720" cy="167760"/>
-          </a:xfrm>
-          <a:prstGeom prst="rect">
-            <a:avLst/>
-          </a:prstGeom>
-        </p:spPr>
-        <p:txBody>
-          <a:bodyPr bIns="0" lIns="0" rIns="0" tIns="0" wrap="none"/>
-          <a:p>
-            <a:pPr>
-              <a:buFont typeface="StarSymbol"/>
-              <a:buChar char=""/>
-            </a:pPr>
-            <a:r>
-              <a:rPr b="1" lang="en-US" sz="1100">
-                <a:solidFill>
-                  <a:srgbClr val="ffffff"/>
-                </a:solidFill>
-                <a:ea typeface="ＭＳ Ｐゴシック"/>
-              </a:rPr>
-              <a:t>Java Virtual Machine</a:t>
-            </a:r>
-            <a:endParaRPr/>
-          </a:p>
-        </p:txBody>
-      </p:sp>
-      <p:sp>
-        <p:nvSpPr>
-          <p:cNvPr id="122" name="CustomShape 5"/>
-          <p:cNvSpPr/>
-          <p:nvPr/>
-        </p:nvSpPr>
-        <p:spPr>
-          <a:xfrm>
-            <a:off x="3245400" y="3202560"/>
-            <a:ext cx="3746520" cy="495360"/>
-          </a:xfrm>
-          <a:prstGeom prst="roundRect">
-            <a:avLst>
-              <a:gd fmla="val 8307" name="adj"/>
-            </a:avLst>
-          </a:prstGeom>
-          <a:solidFill>
-            <a:srgbClr val="66b132"/>
-          </a:solidFill>
-          <a:ln w="25560">
-            <a:solidFill>
-              <a:srgbClr val="000000"/>
-            </a:solidFill>
-            <a:miter/>
-          </a:ln>
-        </p:spPr>
-      </p:sp>
-      <p:sp>
-        <p:nvSpPr>
-          <p:cNvPr id="123" name="CustomShape 6"/>
-          <p:cNvSpPr/>
-          <p:nvPr/>
-        </p:nvSpPr>
-        <p:spPr>
-          <a:xfrm>
-            <a:off x="5151600" y="3329640"/>
-            <a:ext cx="1840320" cy="167760"/>
-          </a:xfrm>
-          <a:prstGeom prst="rect">
-            <a:avLst/>
-          </a:prstGeom>
-        </p:spPr>
-        <p:txBody>
-          <a:bodyPr bIns="0" lIns="0" rIns="0" tIns="0" wrap="none"/>
-          <a:p>
-            <a:pPr>
-              <a:buFont typeface="StarSymbol"/>
-              <a:buChar char=""/>
-            </a:pPr>
-            <a:r>
-              <a:rPr b="1" lang="en-US" sz="1100">
-                <a:solidFill>
-                  <a:srgbClr val="ffffff"/>
-                </a:solidFill>
-                <a:ea typeface="ＭＳ Ｐゴシック"/>
-              </a:rPr>
-              <a:t>Executing environment</a:t>
-            </a:r>
-            <a:endParaRPr/>
-          </a:p>
-        </p:txBody>
-      </p:sp>
-      <p:sp>
-        <p:nvSpPr>
-          <p:cNvPr id="124" name="CustomShape 7"/>
-          <p:cNvSpPr/>
-          <p:nvPr/>
-        </p:nvSpPr>
-        <p:spPr>
-          <a:xfrm>
-            <a:off x="3804120" y="2529720"/>
-            <a:ext cx="3187800" cy="495000"/>
-          </a:xfrm>
-          <a:prstGeom prst="roundRect">
-            <a:avLst>
-              <a:gd fmla="val 8307" name="adj"/>
-            </a:avLst>
-          </a:prstGeom>
-          <a:solidFill>
-            <a:srgbClr val="66b132"/>
-          </a:solidFill>
-          <a:ln w="25560">
-            <a:solidFill>
-              <a:srgbClr val="000000"/>
-            </a:solidFill>
-            <a:miter/>
-          </a:ln>
-        </p:spPr>
-      </p:sp>
-      <p:sp>
-        <p:nvSpPr>
-          <p:cNvPr id="125" name="CustomShape 8"/>
-          <p:cNvSpPr/>
-          <p:nvPr/>
-        </p:nvSpPr>
-        <p:spPr>
-          <a:xfrm>
-            <a:off x="6326640" y="2656440"/>
-            <a:ext cx="665280" cy="167760"/>
-          </a:xfrm>
-          <a:prstGeom prst="rect">
-            <a:avLst/>
-          </a:prstGeom>
-        </p:spPr>
-        <p:txBody>
-          <a:bodyPr bIns="0" lIns="0" rIns="0" tIns="0" wrap="none"/>
-          <a:p>
-            <a:pPr>
-              <a:buFont typeface="StarSymbol"/>
-              <a:buChar char=""/>
-            </a:pPr>
-            <a:r>
-              <a:rPr b="1" lang="en-US" sz="1100">
-                <a:solidFill>
-                  <a:srgbClr val="ffffff"/>
-                </a:solidFill>
-                <a:ea typeface="ＭＳ Ｐゴシック"/>
-              </a:rPr>
-              <a:t>Modules</a:t>
-            </a:r>
-            <a:endParaRPr/>
-          </a:p>
-        </p:txBody>
-      </p:sp>
-      <p:sp>
-        <p:nvSpPr>
-          <p:cNvPr id="126" name="CustomShape 9"/>
-          <p:cNvSpPr/>
-          <p:nvPr/>
-        </p:nvSpPr>
-        <p:spPr>
-          <a:xfrm>
-            <a:off x="4312080" y="1932840"/>
-            <a:ext cx="2679840" cy="495000"/>
-          </a:xfrm>
-          <a:prstGeom prst="roundRect">
-            <a:avLst>
-              <a:gd fmla="val 8307" name="adj"/>
-            </a:avLst>
-          </a:prstGeom>
-          <a:solidFill>
-            <a:srgbClr val="66b132"/>
-          </a:solidFill>
-          <a:ln w="25560">
-            <a:solidFill>
-              <a:srgbClr val="000000"/>
-            </a:solidFill>
-            <a:miter/>
-          </a:ln>
-        </p:spPr>
-      </p:sp>
-      <p:sp>
-        <p:nvSpPr>
-          <p:cNvPr id="127" name="CustomShape 10"/>
-          <p:cNvSpPr/>
-          <p:nvPr/>
-        </p:nvSpPr>
-        <p:spPr>
-          <a:xfrm>
-            <a:off x="6242760" y="2059560"/>
-            <a:ext cx="749160" cy="241560"/>
-          </a:xfrm>
-          <a:prstGeom prst="rect">
-            <a:avLst/>
-          </a:prstGeom>
-        </p:spPr>
-        <p:txBody>
-          <a:bodyPr bIns="0" lIns="0" rIns="0" tIns="0"/>
-          <a:p>
-            <a:pPr>
-              <a:buFont typeface="StarSymbol"/>
-              <a:buChar char=""/>
-            </a:pPr>
-            <a:r>
-              <a:rPr b="1" lang="en-US" sz="1100">
-                <a:solidFill>
-                  <a:srgbClr val="ffffff"/>
-                </a:solidFill>
-                <a:ea typeface="ＭＳ Ｐゴシック"/>
-              </a:rPr>
-              <a:t>Lifecycle</a:t>
-            </a:r>
-            <a:endParaRPr/>
-          </a:p>
-        </p:txBody>
-      </p:sp>
-      <p:sp>
-        <p:nvSpPr>
-          <p:cNvPr id="128" name="CustomShape 11"/>
-          <p:cNvSpPr/>
-          <p:nvPr/>
-        </p:nvSpPr>
-        <p:spPr>
-          <a:xfrm>
-            <a:off x="4972680" y="1323000"/>
-            <a:ext cx="2019240" cy="495360"/>
-          </a:xfrm>
-          <a:prstGeom prst="roundRect">
-            <a:avLst>
-              <a:gd fmla="val 8307" name="adj"/>
-            </a:avLst>
-          </a:prstGeom>
-          <a:solidFill>
-            <a:srgbClr val="66b132"/>
-          </a:solidFill>
-          <a:ln w="25560">
-            <a:solidFill>
-              <a:srgbClr val="000000"/>
-            </a:solidFill>
-            <a:miter/>
-          </a:ln>
-        </p:spPr>
-      </p:sp>
-      <p:sp>
-        <p:nvSpPr>
-          <p:cNvPr id="129" name="CustomShape 12"/>
-          <p:cNvSpPr/>
-          <p:nvPr/>
-        </p:nvSpPr>
-        <p:spPr>
-          <a:xfrm>
-            <a:off x="6325200" y="1450080"/>
-            <a:ext cx="666720" cy="167760"/>
-          </a:xfrm>
-          <a:prstGeom prst="rect">
-            <a:avLst/>
-          </a:prstGeom>
-        </p:spPr>
-        <p:txBody>
-          <a:bodyPr bIns="0" lIns="0" rIns="0" tIns="0" wrap="none"/>
-          <a:p>
-            <a:pPr>
-              <a:buFont typeface="StarSymbol"/>
-              <a:buChar char=""/>
-            </a:pPr>
-            <a:r>
-              <a:rPr b="1" lang="en-US" sz="1100">
-                <a:solidFill>
-                  <a:srgbClr val="ffffff"/>
-                </a:solidFill>
-                <a:ea typeface="ＭＳ Ｐゴシック"/>
-              </a:rPr>
-              <a:t>Services</a:t>
-            </a:r>
-            <a:endParaRPr/>
-          </a:p>
-        </p:txBody>
-      </p:sp>
-      <p:sp>
-        <p:nvSpPr>
-          <p:cNvPr id="130" name="CustomShape 13"/>
-          <p:cNvSpPr/>
-          <p:nvPr/>
-        </p:nvSpPr>
-        <p:spPr>
-          <a:xfrm>
-            <a:off x="7080480" y="1310400"/>
-            <a:ext cx="507960" cy="2438280"/>
-          </a:xfrm>
-          <a:prstGeom prst="roundRect">
-            <a:avLst>
-              <a:gd fmla="val 8100" name="adj"/>
-            </a:avLst>
-          </a:prstGeom>
-          <a:solidFill>
-            <a:srgbClr val="d90b00"/>
-          </a:solidFill>
-          <a:ln w="25560">
-            <a:solidFill>
-              <a:srgbClr val="000000"/>
-            </a:solidFill>
-            <a:miter/>
-          </a:ln>
-        </p:spPr>
-      </p:sp>
-      <p:sp>
-        <p:nvSpPr>
-          <p:cNvPr id="131" name="CustomShape 14"/>
-          <p:cNvSpPr/>
-          <p:nvPr/>
-        </p:nvSpPr>
-        <p:spPr>
-          <a:xfrm>
-            <a:off x="7270920" y="1729440"/>
-            <a:ext cx="126720" cy="1397160"/>
-          </a:xfrm>
-          <a:prstGeom prst="rect">
-            <a:avLst/>
-          </a:prstGeom>
-        </p:spPr>
-        <p:txBody>
-          <a:bodyPr bIns="0" lIns="0" rIns="0" tIns="0"/>
-          <a:p>
-            <a:pPr>
-              <a:buFont typeface="StarSymbol"/>
-              <a:buChar char=""/>
-            </a:pPr>
-            <a:r>
-              <a:rPr b="1" lang="en-US" sz="1100">
-                <a:solidFill>
-                  <a:srgbClr val="ffffff"/>
-                </a:solidFill>
-                <a:ea typeface="ＭＳ Ｐゴシック"/>
-              </a:rPr>
-              <a:t>S</a:t>
-            </a:r>
-            <a:endParaRPr/>
-          </a:p>
-          <a:p>
-            <a:pPr>
-              <a:buFont typeface="StarSymbol"/>
-              <a:buChar char=""/>
-            </a:pPr>
-            <a:r>
-              <a:rPr b="1" lang="en-US" sz="1100">
-                <a:solidFill>
-                  <a:srgbClr val="ffffff"/>
-                </a:solidFill>
-                <a:ea typeface="ＭＳ Ｐゴシック"/>
-              </a:rPr>
-              <a:t>e</a:t>
-            </a:r>
-            <a:endParaRPr/>
-          </a:p>
-          <a:p>
-            <a:pPr>
-              <a:buFont typeface="StarSymbol"/>
-              <a:buChar char=""/>
-            </a:pPr>
-            <a:r>
-              <a:rPr b="1" lang="en-US" sz="1100">
-                <a:solidFill>
-                  <a:srgbClr val="ffffff"/>
-                </a:solidFill>
-                <a:ea typeface="ＭＳ Ｐゴシック"/>
-              </a:rPr>
-              <a:t>c</a:t>
-            </a:r>
-            <a:endParaRPr/>
-          </a:p>
-          <a:p>
-            <a:pPr>
-              <a:buFont typeface="StarSymbol"/>
-              <a:buChar char=""/>
-            </a:pPr>
-            <a:r>
-              <a:rPr b="1" lang="en-US" sz="1100">
-                <a:solidFill>
-                  <a:srgbClr val="ffffff"/>
-                </a:solidFill>
-                <a:ea typeface="ＭＳ Ｐゴシック"/>
-              </a:rPr>
-              <a:t>u</a:t>
-            </a:r>
-            <a:endParaRPr/>
-          </a:p>
-          <a:p>
-            <a:pPr>
-              <a:buFont typeface="StarSymbol"/>
-              <a:buChar char=""/>
-            </a:pPr>
-            <a:r>
-              <a:rPr b="1" lang="en-US" sz="1100">
-                <a:solidFill>
-                  <a:srgbClr val="ffffff"/>
-                </a:solidFill>
-                <a:ea typeface="ＭＳ Ｐゴシック"/>
-              </a:rPr>
-              <a:t>r</a:t>
-            </a:r>
-            <a:endParaRPr/>
-          </a:p>
-          <a:p>
-            <a:pPr>
-              <a:buFont typeface="StarSymbol"/>
-              <a:buChar char=""/>
-            </a:pPr>
-            <a:r>
-              <a:rPr b="1" lang="en-US" sz="1100">
-                <a:solidFill>
-                  <a:srgbClr val="ffffff"/>
-                </a:solidFill>
-                <a:ea typeface="ＭＳ Ｐゴシック"/>
-              </a:rPr>
-              <a:t>i</a:t>
-            </a:r>
-            <a:endParaRPr/>
-          </a:p>
-          <a:p>
-            <a:pPr>
-              <a:buFont typeface="StarSymbol"/>
-              <a:buChar char=""/>
-            </a:pPr>
-            <a:r>
-              <a:rPr b="1" lang="en-US" sz="1100">
-                <a:solidFill>
-                  <a:srgbClr val="ffffff"/>
-                </a:solidFill>
-                <a:ea typeface="ＭＳ Ｐゴシック"/>
-              </a:rPr>
-              <a:t>t</a:t>
-            </a:r>
-            <a:endParaRPr/>
-          </a:p>
-          <a:p>
-            <a:pPr>
-              <a:buFont typeface="StarSymbol"/>
-              <a:buChar char=""/>
-            </a:pPr>
-            <a:r>
-              <a:rPr b="1" lang="en-US" sz="1100">
-                <a:solidFill>
-                  <a:srgbClr val="ffffff"/>
-                </a:solidFill>
-                <a:ea typeface="ＭＳ Ｐゴシック"/>
-              </a:rPr>
-              <a:t>y</a:t>
-            </a:r>
-            <a:endParaRPr/>
-          </a:p>
-        </p:txBody>
-      </p:sp>
-      <p:sp>
-        <p:nvSpPr>
-          <p:cNvPr id="132" name="CustomShape 15"/>
-          <p:cNvSpPr/>
-          <p:nvPr/>
-        </p:nvSpPr>
-        <p:spPr>
-          <a:xfrm>
-            <a:off x="1255320" y="891360"/>
-            <a:ext cx="6235560" cy="4051080"/>
-          </a:xfrm>
-          <a:prstGeom prst="rect">
-            <a:avLst/>
-          </a:prstGeom>
-          <a:solidFill>
-            <a:srgbClr val="00bafb"/>
-          </a:solidFill>
-          <a:ln w="38160">
-            <a:solidFill>
-              <a:srgbClr val="000000"/>
-            </a:solidFill>
-            <a:miter/>
-          </a:ln>
-        </p:spPr>
-      </p:sp>
-      <p:sp>
-        <p:nvSpPr>
-          <p:cNvPr id="133" name="CustomShape 16"/>
-          <p:cNvSpPr/>
-          <p:nvPr/>
-        </p:nvSpPr>
-        <p:spPr>
-          <a:xfrm>
-            <a:off x="2058120" y="2059560"/>
-            <a:ext cx="1032480" cy="274680"/>
-          </a:xfrm>
-          <a:prstGeom prst="rect">
-            <a:avLst/>
-          </a:prstGeom>
-        </p:spPr>
-        <p:txBody>
-          <a:bodyPr bIns="0" lIns="0" rIns="0" tIns="0" wrap="none"/>
-          <a:p>
-            <a:pPr>
-              <a:buFont typeface="StarSymbol"/>
-              <a:buChar char=""/>
-            </a:pPr>
-            <a:r>
-              <a:rPr b="1" lang="en-US">
-                <a:solidFill>
-                  <a:srgbClr val="ffffff"/>
-                </a:solidFill>
-                <a:ea typeface="ＭＳ Ｐゴシック"/>
-              </a:rPr>
-              <a:t>Bundles</a:t>
-            </a:r>
-            <a:endParaRPr/>
-          </a:p>
-        </p:txBody>
-      </p:sp>
+        </p:nvPicPr>
+        <p:blipFill>
+          <a:blip r:embed="rId1"/>
+          <a:stretch>
+            <a:fillRect/>
+          </a:stretch>
+        </p:blipFill>
+        <p:spPr>
+          <a:xfrm>
+            <a:off x="504000" y="523440"/>
+            <a:ext cx="7632000" cy="5020560"/>
+          </a:xfrm>
+          <a:prstGeom prst="rect">
+            <a:avLst/>
+          </a:prstGeom>
+        </p:spPr>
+      </p:pic>
     </p:spTree>
   </p:cSld>
   <p:timing>
@@ -7018,812 +6749,28 @@
           <a:chExt cx="0" cy="0"/>
         </a:xfrm>
       </p:grpSpPr>
-      <p:sp>
-        <p:nvSpPr>
-          <p:cNvPr id="134" name="CustomShape 1"/>
-          <p:cNvSpPr/>
+      <p:pic>
+        <p:nvPicPr>
+          <p:cNvPr descr="" id="119" name=""/>
+          <p:cNvPicPr/>
           <p:nvPr/>
-        </p:nvSpPr>
-        <p:spPr>
-          <a:xfrm>
-            <a:off x="756000" y="648360"/>
-            <a:ext cx="252000" cy="281160"/>
-          </a:xfrm>
-          <a:prstGeom prst="flowChartConnector">
-            <a:avLst/>
-          </a:prstGeom>
-          <a:solidFill>
-            <a:srgbClr val="0000ff"/>
-          </a:solidFill>
-          <a:ln>
-            <a:solidFill>
-              <a:srgbClr val="3465af"/>
-            </a:solidFill>
-          </a:ln>
-        </p:spPr>
-      </p:sp>
-      <p:sp>
-        <p:nvSpPr>
-          <p:cNvPr id="135" name="CustomShape 2"/>
-          <p:cNvSpPr/>
-          <p:nvPr/>
-        </p:nvSpPr>
-        <p:spPr>
-          <a:xfrm>
-            <a:off x="1332000" y="1260360"/>
-            <a:ext cx="1512000" cy="504000"/>
-          </a:xfrm>
-          <a:prstGeom prst="flowChartAlternateProcess">
-            <a:avLst/>
-          </a:prstGeom>
-          <a:solidFill>
-            <a:srgbClr val="579d1c"/>
-          </a:solidFill>
-          <a:ln w="108000">
-            <a:solidFill>
-              <a:srgbClr val="ffffff"/>
-            </a:solidFill>
-            <a:round/>
-          </a:ln>
-        </p:spPr>
-      </p:sp>
-      <p:sp>
-        <p:nvSpPr>
-          <p:cNvPr id="136" name="TextShape 3"/>
-          <p:cNvSpPr txBox="1"/>
-          <p:nvPr/>
-        </p:nvSpPr>
-        <p:spPr>
-          <a:xfrm>
-            <a:off x="1476000" y="1390680"/>
-            <a:ext cx="1224000" cy="265680"/>
-          </a:xfrm>
-          <a:prstGeom prst="rect">
-            <a:avLst/>
-          </a:prstGeom>
-        </p:spPr>
-        <p:txBody>
-          <a:bodyPr bIns="45000" lIns="90000" rIns="90000" tIns="45000" wrap="none"/>
-          <a:p>
-            <a:r>
-              <a:rPr b="1" lang="en-GB" sz="1100">
-                <a:solidFill>
-                  <a:srgbClr val="ffffff"/>
-                </a:solidFill>
-              </a:rPr>
-              <a:t>INSTALLED</a:t>
-            </a:r>
-            <a:endParaRPr/>
-          </a:p>
-        </p:txBody>
-      </p:sp>
-      <p:sp>
-        <p:nvSpPr>
-          <p:cNvPr id="137" name="CustomShape 4"/>
-          <p:cNvSpPr/>
-          <p:nvPr/>
-        </p:nvSpPr>
-        <p:spPr>
-          <a:xfrm>
-            <a:off x="1332000" y="2556360"/>
-            <a:ext cx="1512000" cy="504000"/>
-          </a:xfrm>
-          <a:prstGeom prst="flowChartAlternateProcess">
-            <a:avLst/>
-          </a:prstGeom>
-          <a:solidFill>
-            <a:srgbClr val="579d1c"/>
-          </a:solidFill>
-          <a:ln w="108000">
-            <a:solidFill>
-              <a:srgbClr val="ffffff"/>
-            </a:solidFill>
-            <a:round/>
-          </a:ln>
-        </p:spPr>
-      </p:sp>
-      <p:sp>
-        <p:nvSpPr>
-          <p:cNvPr id="138" name="TextShape 5"/>
-          <p:cNvSpPr txBox="1"/>
-          <p:nvPr/>
-        </p:nvSpPr>
-        <p:spPr>
-          <a:xfrm>
-            <a:off x="1476000" y="2686680"/>
-            <a:ext cx="1224000" cy="265680"/>
-          </a:xfrm>
-          <a:prstGeom prst="rect">
-            <a:avLst/>
-          </a:prstGeom>
-        </p:spPr>
-        <p:txBody>
-          <a:bodyPr bIns="45000" lIns="90000" rIns="90000" tIns="45000" wrap="none"/>
-          <a:p>
-            <a:r>
-              <a:rPr b="1" lang="en-GB" sz="1100">
-                <a:solidFill>
-                  <a:srgbClr val="ffffff"/>
-                </a:solidFill>
-              </a:rPr>
-              <a:t>RESOLVED</a:t>
-            </a:r>
-            <a:endParaRPr/>
-          </a:p>
-        </p:txBody>
-      </p:sp>
-      <p:sp>
-        <p:nvSpPr>
-          <p:cNvPr id="139" name="CustomShape 6"/>
-          <p:cNvSpPr/>
-          <p:nvPr/>
-        </p:nvSpPr>
-        <p:spPr>
-          <a:xfrm>
-            <a:off x="1332000" y="4176360"/>
-            <a:ext cx="1512000" cy="504000"/>
-          </a:xfrm>
-          <a:prstGeom prst="flowChartAlternateProcess">
-            <a:avLst/>
-          </a:prstGeom>
-          <a:solidFill>
-            <a:srgbClr val="579d1c"/>
-          </a:solidFill>
-          <a:ln w="108000">
-            <a:solidFill>
-              <a:srgbClr val="ffffff"/>
-            </a:solidFill>
-            <a:round/>
-          </a:ln>
-        </p:spPr>
-      </p:sp>
-      <p:sp>
-        <p:nvSpPr>
-          <p:cNvPr id="140" name="TextShape 7"/>
-          <p:cNvSpPr txBox="1"/>
-          <p:nvPr/>
-        </p:nvSpPr>
-        <p:spPr>
-          <a:xfrm>
-            <a:off x="1440000" y="4306680"/>
-            <a:ext cx="1296000" cy="265680"/>
-          </a:xfrm>
-          <a:prstGeom prst="rect">
-            <a:avLst/>
-          </a:prstGeom>
-        </p:spPr>
-        <p:txBody>
-          <a:bodyPr bIns="45000" lIns="90000" rIns="90000" tIns="45000" wrap="none"/>
-          <a:p>
-            <a:r>
-              <a:rPr b="1" lang="en-GB" sz="1100">
-                <a:solidFill>
-                  <a:srgbClr val="ffffff"/>
-                </a:solidFill>
-              </a:rPr>
-              <a:t>UNINSTALLED</a:t>
-            </a:r>
-            <a:endParaRPr/>
-          </a:p>
-        </p:txBody>
-      </p:sp>
-      <p:sp>
-        <p:nvSpPr>
-          <p:cNvPr id="141" name="CustomShape 8"/>
-          <p:cNvSpPr/>
-          <p:nvPr/>
-        </p:nvSpPr>
-        <p:spPr>
-          <a:xfrm>
-            <a:off x="6354000" y="1368360"/>
-            <a:ext cx="1512000" cy="504000"/>
-          </a:xfrm>
-          <a:prstGeom prst="flowChartAlternateProcess">
-            <a:avLst/>
-          </a:prstGeom>
-          <a:solidFill>
-            <a:srgbClr val="579d1c"/>
-          </a:solidFill>
-          <a:ln w="108000">
-            <a:solidFill>
-              <a:srgbClr val="ffffff"/>
-            </a:solidFill>
-            <a:round/>
-          </a:ln>
-        </p:spPr>
-      </p:sp>
-      <p:sp>
-        <p:nvSpPr>
-          <p:cNvPr id="142" name="TextShape 9"/>
-          <p:cNvSpPr txBox="1"/>
-          <p:nvPr/>
-        </p:nvSpPr>
-        <p:spPr>
-          <a:xfrm>
-            <a:off x="6498000" y="1498680"/>
-            <a:ext cx="1224000" cy="265680"/>
-          </a:xfrm>
-          <a:prstGeom prst="rect">
-            <a:avLst/>
-          </a:prstGeom>
-        </p:spPr>
-        <p:txBody>
-          <a:bodyPr bIns="45000" lIns="90000" rIns="90000" tIns="45000" wrap="none"/>
-          <a:p>
-            <a:r>
-              <a:rPr b="1" lang="en-GB" sz="1100">
-                <a:solidFill>
-                  <a:srgbClr val="ffffff"/>
-                </a:solidFill>
-              </a:rPr>
-              <a:t>STARTING</a:t>
-            </a:r>
-            <a:endParaRPr/>
-          </a:p>
-        </p:txBody>
-      </p:sp>
-      <p:sp>
-        <p:nvSpPr>
-          <p:cNvPr id="143" name="CustomShape 10"/>
-          <p:cNvSpPr/>
-          <p:nvPr/>
-        </p:nvSpPr>
-        <p:spPr>
-          <a:xfrm>
-            <a:off x="6354000" y="2592360"/>
-            <a:ext cx="1512000" cy="504000"/>
-          </a:xfrm>
-          <a:prstGeom prst="flowChartAlternateProcess">
-            <a:avLst/>
-          </a:prstGeom>
-          <a:solidFill>
-            <a:srgbClr val="579d1c"/>
-          </a:solidFill>
-          <a:ln w="108000">
-            <a:solidFill>
-              <a:srgbClr val="ffffff"/>
-            </a:solidFill>
-            <a:round/>
-          </a:ln>
-        </p:spPr>
-      </p:sp>
-      <p:sp>
-        <p:nvSpPr>
-          <p:cNvPr id="144" name="TextShape 11"/>
-          <p:cNvSpPr txBox="1"/>
-          <p:nvPr/>
-        </p:nvSpPr>
-        <p:spPr>
-          <a:xfrm>
-            <a:off x="6498000" y="2722680"/>
-            <a:ext cx="1224000" cy="265680"/>
-          </a:xfrm>
-          <a:prstGeom prst="rect">
-            <a:avLst/>
-          </a:prstGeom>
-        </p:spPr>
-        <p:txBody>
-          <a:bodyPr bIns="45000" lIns="90000" rIns="90000" tIns="45000" wrap="none"/>
-          <a:p>
-            <a:r>
-              <a:rPr b="1" lang="en-GB" sz="1100">
-                <a:solidFill>
-                  <a:srgbClr val="ffffff"/>
-                </a:solidFill>
-              </a:rPr>
-              <a:t>ACTIVE</a:t>
-            </a:r>
-            <a:endParaRPr/>
-          </a:p>
-        </p:txBody>
-      </p:sp>
-      <p:sp>
-        <p:nvSpPr>
-          <p:cNvPr id="145" name="CustomShape 12"/>
-          <p:cNvSpPr/>
-          <p:nvPr/>
-        </p:nvSpPr>
-        <p:spPr>
-          <a:xfrm>
-            <a:off x="6354000" y="3888360"/>
-            <a:ext cx="1512000" cy="504000"/>
-          </a:xfrm>
-          <a:prstGeom prst="flowChartAlternateProcess">
-            <a:avLst/>
-          </a:prstGeom>
-          <a:solidFill>
-            <a:srgbClr val="579d1c"/>
-          </a:solidFill>
-          <a:ln w="108000">
-            <a:solidFill>
-              <a:srgbClr val="ffffff"/>
-            </a:solidFill>
-            <a:round/>
-          </a:ln>
-        </p:spPr>
-      </p:sp>
-      <p:sp>
-        <p:nvSpPr>
-          <p:cNvPr id="146" name="TextShape 13"/>
-          <p:cNvSpPr txBox="1"/>
-          <p:nvPr/>
-        </p:nvSpPr>
-        <p:spPr>
-          <a:xfrm>
-            <a:off x="6498000" y="4018680"/>
-            <a:ext cx="1224000" cy="265680"/>
-          </a:xfrm>
-          <a:prstGeom prst="rect">
-            <a:avLst/>
-          </a:prstGeom>
-        </p:spPr>
-        <p:txBody>
-          <a:bodyPr bIns="45000" lIns="90000" rIns="90000" tIns="45000" wrap="none"/>
-          <a:p>
-            <a:r>
-              <a:rPr b="1" lang="en-GB" sz="1100">
-                <a:solidFill>
-                  <a:srgbClr val="ffffff"/>
-                </a:solidFill>
-              </a:rPr>
-              <a:t>STOPPING</a:t>
-            </a:r>
-            <a:endParaRPr/>
-          </a:p>
-        </p:txBody>
-      </p:sp>
-      <p:cxnSp>
-        <p:nvCxnSpPr>
-          <p:cNvPr id="147" name="Line 14"/>
-          <p:cNvCxnSpPr>
-            <a:stCxn id="134" idx="6"/>
-            <a:endCxn id="135" idx="0"/>
-          </p:cNvCxnSpPr>
-          <p:nvPr/>
-        </p:nvCxnSpPr>
-        <p:spPr>
-          <a:xfrm>
-            <a:off x="1008000" y="789120"/>
-            <a:ext cx="1080360" cy="471600"/>
-          </a:xfrm>
-          <a:prstGeom prst="straightConnector1">
-            <a:avLst/>
-          </a:prstGeom>
-          <a:ln>
-            <a:solidFill>
-              <a:srgbClr val="000000"/>
-            </a:solidFill>
-            <a:tailEnd len="med" type="triangle" w="med"/>
-          </a:ln>
-        </p:spPr>
-      </p:cxnSp>
-      <p:sp>
-        <p:nvSpPr>
-          <p:cNvPr id="148" name="Line 15"/>
-          <p:cNvSpPr/>
-          <p:nvPr/>
-        </p:nvSpPr>
-        <p:spPr>
-          <a:xfrm>
-            <a:off x="1656000" y="1692360"/>
-            <a:ext cx="0" cy="900000"/>
-          </a:xfrm>
-          <a:prstGeom prst="line">
-            <a:avLst/>
-          </a:prstGeom>
-          <a:ln>
-            <a:solidFill>
-              <a:srgbClr val="000000"/>
-            </a:solidFill>
-            <a:tailEnd len="med" type="triangle" w="med"/>
-          </a:ln>
-        </p:spPr>
-      </p:sp>
-      <p:sp>
-        <p:nvSpPr>
-          <p:cNvPr id="149" name="Line 16"/>
-          <p:cNvSpPr/>
-          <p:nvPr/>
-        </p:nvSpPr>
-        <p:spPr>
-          <a:xfrm flipV="1">
-            <a:off x="2376000" y="1692360"/>
-            <a:ext cx="0" cy="936000"/>
-          </a:xfrm>
-          <a:prstGeom prst="line">
-            <a:avLst/>
-          </a:prstGeom>
-          <a:ln>
-            <a:solidFill>
-              <a:srgbClr val="000000"/>
-            </a:solidFill>
-            <a:tailEnd len="med" type="triangle" w="med"/>
-          </a:ln>
-        </p:spPr>
-      </p:sp>
-      <p:cxnSp>
-        <p:nvCxnSpPr>
-          <p:cNvPr id="150" name="Line 17"/>
-          <p:cNvCxnSpPr>
-            <a:stCxn id="135" idx="1"/>
-            <a:endCxn id="139" idx="1"/>
-          </p:cNvCxnSpPr>
-          <p:nvPr/>
-        </p:nvCxnSpPr>
-        <p:spPr>
-          <a:xfrm>
-            <a:off x="1332000" y="1512360"/>
-            <a:ext cx="360" cy="2916360"/>
-          </a:xfrm>
-          <a:prstGeom prst="bentConnector3">
-            <a:avLst/>
-          </a:prstGeom>
-          <a:ln>
-            <a:solidFill>
-              <a:srgbClr val="000000"/>
-            </a:solidFill>
-            <a:tailEnd len="med" type="triangle" w="med"/>
-          </a:ln>
-        </p:spPr>
-      </p:cxnSp>
-      <p:cxnSp>
-        <p:nvCxnSpPr>
-          <p:cNvPr id="151" name="Line 18"/>
-          <p:cNvCxnSpPr>
-            <a:stCxn id="137" idx="3"/>
-            <a:endCxn id="141" idx="1"/>
-          </p:cNvCxnSpPr>
-          <p:nvPr/>
-        </p:nvCxnSpPr>
-        <p:spPr>
-          <a:xfrm flipV="1">
-            <a:off x="2844000" y="1620360"/>
-            <a:ext cx="3510360" cy="1188360"/>
-          </a:xfrm>
-          <a:prstGeom prst="straightConnector1">
-            <a:avLst/>
-          </a:prstGeom>
-          <a:ln>
-            <a:solidFill>
-              <a:srgbClr val="000000"/>
-            </a:solidFill>
-            <a:tailEnd len="med" type="triangle" w="med"/>
-          </a:ln>
-        </p:spPr>
-      </p:cxnSp>
-      <p:cxnSp>
-        <p:nvCxnSpPr>
-          <p:cNvPr id="152" name="Line 19"/>
-          <p:cNvCxnSpPr>
-            <a:stCxn id="141" idx="2"/>
-            <a:endCxn id="143" idx="0"/>
-          </p:cNvCxnSpPr>
-          <p:nvPr/>
-        </p:nvCxnSpPr>
-        <p:spPr>
-          <a:xfrm>
-            <a:off x="7110000" y="1872360"/>
-            <a:ext cx="360" cy="720360"/>
-          </a:xfrm>
-          <a:prstGeom prst="straightConnector1">
-            <a:avLst/>
-          </a:prstGeom>
-          <a:ln>
-            <a:solidFill>
-              <a:srgbClr val="000000"/>
-            </a:solidFill>
-            <a:tailEnd len="med" type="triangle" w="med"/>
-          </a:ln>
-        </p:spPr>
-      </p:cxnSp>
-      <p:cxnSp>
-        <p:nvCxnSpPr>
-          <p:cNvPr id="153" name="Line 20"/>
-          <p:cNvCxnSpPr>
-            <a:stCxn id="143" idx="2"/>
-            <a:endCxn id="145" idx="0"/>
-          </p:cNvCxnSpPr>
-          <p:nvPr/>
-        </p:nvCxnSpPr>
-        <p:spPr>
-          <a:xfrm>
-            <a:off x="7110000" y="3096360"/>
-            <a:ext cx="360" cy="792360"/>
-          </a:xfrm>
-          <a:prstGeom prst="straightConnector1">
-            <a:avLst/>
-          </a:prstGeom>
-          <a:ln>
-            <a:solidFill>
-              <a:srgbClr val="000000"/>
-            </a:solidFill>
-            <a:tailEnd len="med" type="triangle" w="med"/>
-          </a:ln>
-        </p:spPr>
-      </p:cxnSp>
-      <p:cxnSp>
-        <p:nvCxnSpPr>
-          <p:cNvPr id="154" name="Line 21"/>
-          <p:cNvCxnSpPr>
-            <a:stCxn id="145" idx="1"/>
-            <a:endCxn id="137" idx="3"/>
-          </p:cNvCxnSpPr>
-          <p:nvPr/>
-        </p:nvCxnSpPr>
-        <p:spPr>
-          <a:xfrm flipH="1" flipV="1">
-            <a:off x="2844000" y="2808360"/>
-            <a:ext cx="3510360" cy="1332360"/>
-          </a:xfrm>
-          <a:prstGeom prst="straightConnector1">
-            <a:avLst/>
-          </a:prstGeom>
-          <a:ln>
-            <a:solidFill>
-              <a:srgbClr val="000000"/>
-            </a:solidFill>
-            <a:tailEnd len="med" type="triangle" w="med"/>
-          </a:ln>
-        </p:spPr>
-      </p:cxnSp>
-      <p:sp>
-        <p:nvSpPr>
-          <p:cNvPr id="155" name="TextShape 22"/>
-          <p:cNvSpPr txBox="1"/>
-          <p:nvPr/>
-        </p:nvSpPr>
-        <p:spPr>
-          <a:xfrm>
-            <a:off x="720000" y="1032840"/>
-            <a:ext cx="864000" cy="218520"/>
-          </a:xfrm>
-          <a:prstGeom prst="rect">
-            <a:avLst/>
-          </a:prstGeom>
-        </p:spPr>
-        <p:txBody>
-          <a:bodyPr bIns="45000" lIns="90000" rIns="90000" tIns="45000" wrap="none"/>
-          <a:p>
-            <a:r>
-              <a:rPr lang="en-GB" sz="900"/>
-              <a:t>INSTALL</a:t>
-            </a:r>
-            <a:endParaRPr/>
-          </a:p>
-        </p:txBody>
-      </p:sp>
-      <p:sp>
-        <p:nvSpPr>
-          <p:cNvPr id="156" name="TextShape 23"/>
-          <p:cNvSpPr txBox="1"/>
-          <p:nvPr/>
-        </p:nvSpPr>
-        <p:spPr>
-          <a:xfrm>
-            <a:off x="72000" y="2550600"/>
-            <a:ext cx="1026000" cy="218520"/>
-          </a:xfrm>
-          <a:prstGeom prst="rect">
-            <a:avLst/>
-          </a:prstGeom>
-        </p:spPr>
-        <p:txBody>
-          <a:bodyPr bIns="45000" lIns="90000" rIns="90000" tIns="45000" wrap="none"/>
-          <a:p>
-            <a:r>
-              <a:rPr lang="en-GB" sz="900"/>
-              <a:t>UNINSTALL</a:t>
-            </a:r>
-            <a:endParaRPr/>
-          </a:p>
-        </p:txBody>
-      </p:sp>
-      <p:cxnSp>
-        <p:nvCxnSpPr>
-          <p:cNvPr id="157" name="Line 24"/>
-          <p:cNvCxnSpPr>
-            <a:stCxn id="137" idx="2"/>
-            <a:endCxn id="139" idx="0"/>
-          </p:cNvCxnSpPr>
-          <p:nvPr/>
-        </p:nvCxnSpPr>
-        <p:spPr>
-          <a:xfrm>
-            <a:off x="2088000" y="3060360"/>
-            <a:ext cx="360" cy="1116360"/>
-          </a:xfrm>
-          <a:prstGeom prst="straightConnector1">
-            <a:avLst/>
-          </a:prstGeom>
-          <a:ln>
-            <a:solidFill>
-              <a:srgbClr val="000000"/>
-            </a:solidFill>
-            <a:tailEnd len="med" type="triangle" w="med"/>
-          </a:ln>
-        </p:spPr>
-      </p:cxnSp>
-      <p:sp>
-        <p:nvSpPr>
-          <p:cNvPr id="158" name="TextShape 25"/>
-          <p:cNvSpPr txBox="1"/>
-          <p:nvPr/>
-        </p:nvSpPr>
-        <p:spPr>
-          <a:xfrm>
-            <a:off x="864000" y="1800360"/>
-            <a:ext cx="1026000" cy="218520"/>
-          </a:xfrm>
-          <a:prstGeom prst="rect">
-            <a:avLst/>
-          </a:prstGeom>
-        </p:spPr>
-        <p:txBody>
-          <a:bodyPr bIns="45000" lIns="90000" rIns="90000" tIns="45000" wrap="none"/>
-          <a:p>
-            <a:r>
-              <a:rPr lang="en-GB" sz="900"/>
-              <a:t>RESOLVE</a:t>
-            </a:r>
-            <a:endParaRPr/>
-          </a:p>
-        </p:txBody>
-      </p:sp>
-      <p:sp>
-        <p:nvSpPr>
-          <p:cNvPr id="159" name="TextShape 26"/>
-          <p:cNvSpPr txBox="1"/>
-          <p:nvPr/>
-        </p:nvSpPr>
-        <p:spPr>
-          <a:xfrm>
-            <a:off x="2232000" y="2004840"/>
-            <a:ext cx="1026000" cy="346680"/>
-          </a:xfrm>
-          <a:prstGeom prst="rect">
-            <a:avLst/>
-          </a:prstGeom>
-        </p:spPr>
-        <p:txBody>
-          <a:bodyPr bIns="45000" lIns="90000" rIns="90000" tIns="45000" wrap="none"/>
-          <a:p>
-            <a:r>
-              <a:rPr lang="en-GB" sz="900"/>
-              <a:t>REFRESH, UPDATE</a:t>
-            </a:r>
-            <a:endParaRPr/>
-          </a:p>
-        </p:txBody>
-      </p:sp>
-      <p:cxnSp>
-        <p:nvCxnSpPr>
-          <p:cNvPr id="160" name="Line 27"/>
-          <p:cNvCxnSpPr>
-            <a:stCxn id="135" idx="0"/>
-            <a:endCxn id="135" idx="3"/>
-          </p:cNvCxnSpPr>
-          <p:nvPr/>
-        </p:nvCxnSpPr>
-        <p:spPr>
-          <a:xfrm>
-            <a:off x="2088000" y="1260360"/>
-            <a:ext cx="756360" cy="252360"/>
-          </a:xfrm>
-          <a:prstGeom prst="bentConnector3">
-            <a:avLst/>
-          </a:prstGeom>
-          <a:ln>
-            <a:solidFill>
-              <a:srgbClr val="000000"/>
-            </a:solidFill>
-            <a:tailEnd len="med" type="triangle" w="med"/>
-          </a:ln>
-        </p:spPr>
-      </p:cxnSp>
-      <p:sp>
-        <p:nvSpPr>
-          <p:cNvPr id="161" name="TextShape 28"/>
-          <p:cNvSpPr txBox="1"/>
-          <p:nvPr/>
-        </p:nvSpPr>
-        <p:spPr>
-          <a:xfrm>
-            <a:off x="2430000" y="643680"/>
-            <a:ext cx="1026000" cy="346680"/>
-          </a:xfrm>
-          <a:prstGeom prst="rect">
-            <a:avLst/>
-          </a:prstGeom>
-        </p:spPr>
-        <p:txBody>
-          <a:bodyPr bIns="45000" lIns="90000" rIns="90000" tIns="45000" wrap="none"/>
-          <a:p>
-            <a:r>
-              <a:rPr lang="en-GB" sz="900"/>
-              <a:t>REFRESH, UPDATE</a:t>
-            </a:r>
-            <a:endParaRPr/>
-          </a:p>
-        </p:txBody>
-      </p:sp>
-      <p:sp>
-        <p:nvSpPr>
-          <p:cNvPr id="162" name="TextShape 29"/>
-          <p:cNvSpPr txBox="1"/>
-          <p:nvPr/>
-        </p:nvSpPr>
-        <p:spPr>
-          <a:xfrm>
-            <a:off x="1944000" y="3312360"/>
-            <a:ext cx="1026000" cy="218520"/>
-          </a:xfrm>
-          <a:prstGeom prst="rect">
-            <a:avLst/>
-          </a:prstGeom>
-        </p:spPr>
-        <p:txBody>
-          <a:bodyPr bIns="45000" lIns="90000" rIns="90000" tIns="45000" wrap="none"/>
-          <a:p>
-            <a:r>
-              <a:rPr lang="en-GB" sz="900"/>
-              <a:t>UNINSTALL</a:t>
-            </a:r>
-            <a:endParaRPr/>
-          </a:p>
-        </p:txBody>
-      </p:sp>
-      <p:sp>
-        <p:nvSpPr>
-          <p:cNvPr id="163" name="TextShape 30"/>
-          <p:cNvSpPr txBox="1"/>
-          <p:nvPr/>
-        </p:nvSpPr>
-        <p:spPr>
-          <a:xfrm>
-            <a:off x="3870000" y="1932840"/>
-            <a:ext cx="1026000" cy="218520"/>
-          </a:xfrm>
-          <a:prstGeom prst="rect">
-            <a:avLst/>
-          </a:prstGeom>
-        </p:spPr>
-        <p:txBody>
-          <a:bodyPr bIns="45000" lIns="90000" rIns="90000" tIns="45000" wrap="none"/>
-          <a:p>
-            <a:r>
-              <a:rPr lang="en-GB" sz="900"/>
-              <a:t>START</a:t>
-            </a:r>
-            <a:endParaRPr/>
-          </a:p>
-        </p:txBody>
-      </p:sp>
-      <p:sp>
-        <p:nvSpPr>
-          <p:cNvPr id="164" name="TextShape 31"/>
-          <p:cNvSpPr txBox="1"/>
-          <p:nvPr/>
-        </p:nvSpPr>
-        <p:spPr>
-          <a:xfrm>
-            <a:off x="7110000" y="3240360"/>
-            <a:ext cx="1026000" cy="218520"/>
-          </a:xfrm>
-          <a:prstGeom prst="rect">
-            <a:avLst/>
-          </a:prstGeom>
-        </p:spPr>
-        <p:txBody>
-          <a:bodyPr bIns="45000" lIns="90000" rIns="90000" tIns="45000" wrap="none"/>
-          <a:p>
-            <a:r>
-              <a:rPr lang="en-GB" sz="900"/>
-              <a:t>STOP</a:t>
-            </a:r>
-            <a:endParaRPr/>
-          </a:p>
-        </p:txBody>
-      </p:sp>
+        </p:nvPicPr>
+        <p:blipFill>
+          <a:blip r:embed="rId1"/>
+          <a:stretch>
+            <a:fillRect/>
+          </a:stretch>
+        </p:blipFill>
+        <p:spPr>
+          <a:xfrm>
+            <a:off x="792000" y="386280"/>
+            <a:ext cx="7560000" cy="5013720"/>
+          </a:xfrm>
+          <a:prstGeom prst="rect">
+            <a:avLst/>
+          </a:prstGeom>
+        </p:spPr>
+      </p:pic>
     </p:spTree>
   </p:cSld>
   <p:timing>

--- a/liferay-modularity-devcon2013/LiferayModularity-2013DEVCON.pptx
+++ b/liferay-modularity-devcon2013/LiferayModularity-2013DEVCON.pptx
@@ -1,38 +1,136 @@
 
 <file path=ppt/presentation.xml><?xml version="1.0" encoding="utf-8"?>
-<p:presentation xmlns:a="http://schemas.openxmlformats.org/drawingml/2006/main" xmlns:p="http://schemas.openxmlformats.org/presentationml/2006/main" xmlns:r="http://schemas.openxmlformats.org/officeDocument/2006/relationships">
+<p:presentation xmlns:a="http://schemas.openxmlformats.org/drawingml/2006/main" xmlns:r="http://schemas.openxmlformats.org/officeDocument/2006/relationships" xmlns:p="http://schemas.openxmlformats.org/presentationml/2006/main">
   <p:sldMasterIdLst>
-    <p:sldMasterId id="2147483648" r:id="rId2"/>
-    <p:sldMasterId id="2147483661" r:id="rId3"/>
-    <p:sldMasterId id="2147483674" r:id="rId4"/>
+    <p:sldMasterId id="2147483648" r:id="rId1"/>
+    <p:sldMasterId id="2147483661" r:id="rId2"/>
+    <p:sldMasterId id="2147483674" r:id="rId3"/>
   </p:sldMasterIdLst>
   <p:notesMasterIdLst>
-    <p:notesMasterId r:id="rId5"/>
+    <p:notesMasterId r:id="rId16"/>
   </p:notesMasterIdLst>
   <p:sldIdLst>
-    <p:sldId id="256" r:id="rId6"/>
-    <p:sldId id="257" r:id="rId7"/>
-    <p:sldId id="258" r:id="rId8"/>
-    <p:sldId id="259" r:id="rId9"/>
-    <p:sldId id="260" r:id="rId10"/>
-    <p:sldId id="261" r:id="rId11"/>
-    <p:sldId id="262" r:id="rId12"/>
-    <p:sldId id="263" r:id="rId13"/>
-    <p:sldId id="264" r:id="rId14"/>
-    <p:sldId id="265" r:id="rId15"/>
-    <p:sldId id="266" r:id="rId16"/>
+    <p:sldId id="256" r:id="rId4"/>
+    <p:sldId id="257" r:id="rId5"/>
+    <p:sldId id="258" r:id="rId6"/>
+    <p:sldId id="259" r:id="rId7"/>
+    <p:sldId id="260" r:id="rId8"/>
+    <p:sldId id="261" r:id="rId9"/>
+    <p:sldId id="262" r:id="rId10"/>
+    <p:sldId id="263" r:id="rId11"/>
+    <p:sldId id="267" r:id="rId12"/>
+    <p:sldId id="264" r:id="rId13"/>
+    <p:sldId id="265" r:id="rId14"/>
+    <p:sldId id="266" r:id="rId15"/>
   </p:sldIdLst>
-  <p:sldSz cx="9144000" cy="6858000"/>
-  <p:notesSz cx="7559675" cy="10691812"/>
+  <p:sldSz cx="9144000" cy="6858000" type="screen4x3"/>
+  <p:notesSz cx="7559675" cy="10691813"/>
+  <p:defaultTextStyle>
+    <a:defPPr>
+      <a:defRPr lang="es-ES"/>
+    </a:defPPr>
+    <a:lvl1pPr marL="0" algn="l" defTabSz="457200" rtl="0" eaLnBrk="1" latinLnBrk="0" hangingPunct="1">
+      <a:defRPr sz="1800" kern="1200">
+        <a:solidFill>
+          <a:schemeClr val="tx1"/>
+        </a:solidFill>
+        <a:latin typeface="+mn-lt"/>
+        <a:ea typeface="+mn-ea"/>
+        <a:cs typeface="+mn-cs"/>
+      </a:defRPr>
+    </a:lvl1pPr>
+    <a:lvl2pPr marL="457200" algn="l" defTabSz="457200" rtl="0" eaLnBrk="1" latinLnBrk="0" hangingPunct="1">
+      <a:defRPr sz="1800" kern="1200">
+        <a:solidFill>
+          <a:schemeClr val="tx1"/>
+        </a:solidFill>
+        <a:latin typeface="+mn-lt"/>
+        <a:ea typeface="+mn-ea"/>
+        <a:cs typeface="+mn-cs"/>
+      </a:defRPr>
+    </a:lvl2pPr>
+    <a:lvl3pPr marL="914400" algn="l" defTabSz="457200" rtl="0" eaLnBrk="1" latinLnBrk="0" hangingPunct="1">
+      <a:defRPr sz="1800" kern="1200">
+        <a:solidFill>
+          <a:schemeClr val="tx1"/>
+        </a:solidFill>
+        <a:latin typeface="+mn-lt"/>
+        <a:ea typeface="+mn-ea"/>
+        <a:cs typeface="+mn-cs"/>
+      </a:defRPr>
+    </a:lvl3pPr>
+    <a:lvl4pPr marL="1371600" algn="l" defTabSz="457200" rtl="0" eaLnBrk="1" latinLnBrk="0" hangingPunct="1">
+      <a:defRPr sz="1800" kern="1200">
+        <a:solidFill>
+          <a:schemeClr val="tx1"/>
+        </a:solidFill>
+        <a:latin typeface="+mn-lt"/>
+        <a:ea typeface="+mn-ea"/>
+        <a:cs typeface="+mn-cs"/>
+      </a:defRPr>
+    </a:lvl4pPr>
+    <a:lvl5pPr marL="1828800" algn="l" defTabSz="457200" rtl="0" eaLnBrk="1" latinLnBrk="0" hangingPunct="1">
+      <a:defRPr sz="1800" kern="1200">
+        <a:solidFill>
+          <a:schemeClr val="tx1"/>
+        </a:solidFill>
+        <a:latin typeface="+mn-lt"/>
+        <a:ea typeface="+mn-ea"/>
+        <a:cs typeface="+mn-cs"/>
+      </a:defRPr>
+    </a:lvl5pPr>
+    <a:lvl6pPr marL="2286000" algn="l" defTabSz="457200" rtl="0" eaLnBrk="1" latinLnBrk="0" hangingPunct="1">
+      <a:defRPr sz="1800" kern="1200">
+        <a:solidFill>
+          <a:schemeClr val="tx1"/>
+        </a:solidFill>
+        <a:latin typeface="+mn-lt"/>
+        <a:ea typeface="+mn-ea"/>
+        <a:cs typeface="+mn-cs"/>
+      </a:defRPr>
+    </a:lvl6pPr>
+    <a:lvl7pPr marL="2743200" algn="l" defTabSz="457200" rtl="0" eaLnBrk="1" latinLnBrk="0" hangingPunct="1">
+      <a:defRPr sz="1800" kern="1200">
+        <a:solidFill>
+          <a:schemeClr val="tx1"/>
+        </a:solidFill>
+        <a:latin typeface="+mn-lt"/>
+        <a:ea typeface="+mn-ea"/>
+        <a:cs typeface="+mn-cs"/>
+      </a:defRPr>
+    </a:lvl7pPr>
+    <a:lvl8pPr marL="3200400" algn="l" defTabSz="457200" rtl="0" eaLnBrk="1" latinLnBrk="0" hangingPunct="1">
+      <a:defRPr sz="1800" kern="1200">
+        <a:solidFill>
+          <a:schemeClr val="tx1"/>
+        </a:solidFill>
+        <a:latin typeface="+mn-lt"/>
+        <a:ea typeface="+mn-ea"/>
+        <a:cs typeface="+mn-cs"/>
+      </a:defRPr>
+    </a:lvl8pPr>
+    <a:lvl9pPr marL="3657600" algn="l" defTabSz="457200" rtl="0" eaLnBrk="1" latinLnBrk="0" hangingPunct="1">
+      <a:defRPr sz="1800" kern="1200">
+        <a:solidFill>
+          <a:schemeClr val="tx1"/>
+        </a:solidFill>
+        <a:latin typeface="+mn-lt"/>
+        <a:ea typeface="+mn-ea"/>
+        <a:cs typeface="+mn-cs"/>
+      </a:defRPr>
+    </a:lvl9pPr>
+  </p:defaultTextStyle>
 </p:presentation>
 </file>
 
-<file path=ppt/charts/chart3.xml><?xml version="1.0" encoding="utf-8"?>
-<c:chartSpace xmlns:a="http://schemas.openxmlformats.org/drawingml/2006/main" xmlns:c="http://schemas.openxmlformats.org/drawingml/2006/chart" xmlns:r="http://schemas.openxmlformats.org/officeDocument/2006/relationships">
-  <c:lang val="en-US"/>
+<file path=ppt/charts/chart1.xml><?xml version="1.0" encoding="utf-8"?>
+<c:chartSpace xmlns:c="http://schemas.openxmlformats.org/drawingml/2006/chart" xmlns:a="http://schemas.openxmlformats.org/drawingml/2006/main" xmlns:r="http://schemas.openxmlformats.org/officeDocument/2006/relationships">
+  <c:date1904 val="1"/>
+  <c:lang val="es-ES"/>
+  <c:roundedCorners val="1"/>
+  <c:style val="18"/>
   <c:chart>
     <c:title>
-      <c:layout/>
       <c:tx>
         <c:rich>
           <a:bodyPr/>
@@ -42,7 +140,7 @@
               <a:defRPr/>
             </a:pPr>
             <a:r>
-              <a:rPr b="1" sz="1300">
+              <a:rPr lang="es-ES" sz="1300" b="1">
                 <a:solidFill>
                   <a:srgbClr val="000000"/>
                 </a:solidFill>
@@ -53,11 +151,15 @@
           </a:p>
         </c:rich>
       </c:tx>
+      <c:layout/>
+      <c:overlay val="1"/>
     </c:title>
+    <c:autoTitleDeleted val="0"/>
     <c:plotArea>
       <c:layout/>
       <c:lineChart>
         <c:grouping val="standard"/>
+        <c:varyColors val="1"/>
         <c:ser>
           <c:idx val="0"/>
           <c:order val="0"/>
@@ -73,12 +175,9 @@
             </c:strRef>
           </c:tx>
           <c:spPr>
-            <a:solidFill>
-              <a:srgbClr val="579d1c"/>
-            </a:solidFill>
             <a:ln w="10800">
               <a:solidFill>
-                <a:srgbClr val="579d1c"/>
+                <a:srgbClr val="579D1C"/>
               </a:solidFill>
               <a:round/>
             </a:ln>
@@ -93,26 +192,27 @@
                 <c:formatCode>General</c:formatCode>
                 <c:ptCount val="6"/>
                 <c:pt idx="0">
-                  <c:v>3</c:v>
+                  <c:v>3.0</c:v>
                 </c:pt>
                 <c:pt idx="1">
-                  <c:v>4</c:v>
+                  <c:v>4.0</c:v>
                 </c:pt>
                 <c:pt idx="2">
-                  <c:v>5</c:v>
+                  <c:v>5.0</c:v>
                 </c:pt>
                 <c:pt idx="3">
-                  <c:v>6</c:v>
+                  <c:v>6.0</c:v>
                 </c:pt>
                 <c:pt idx="4">
-                  <c:v>7</c:v>
+                  <c:v>7.0</c:v>
                 </c:pt>
                 <c:pt idx="5">
-                  <c:v>8</c:v>
+                  <c:v>8.0</c:v>
                 </c:pt>
               </c:numCache>
             </c:numRef>
           </c:val>
+          <c:smooth val="1"/>
         </c:ser>
         <c:ser>
           <c:idx val="1"/>
@@ -129,12 +229,9 @@
             </c:strRef>
           </c:tx>
           <c:spPr>
-            <a:solidFill>
-              <a:srgbClr val="ff420e"/>
-            </a:solidFill>
             <a:ln w="10800">
               <a:solidFill>
-                <a:srgbClr val="ff420e"/>
+                <a:srgbClr val="FF420E"/>
               </a:solidFill>
               <a:round/>
             </a:ln>
@@ -149,16 +246,16 @@
                 <c:formatCode>General</c:formatCode>
                 <c:ptCount val="6"/>
                 <c:pt idx="0">
-                  <c:v>1</c:v>
+                  <c:v>1.0</c:v>
                 </c:pt>
                 <c:pt idx="1">
                   <c:v>2.8</c:v>
                 </c:pt>
                 <c:pt idx="2">
-                  <c:v>5.19</c:v>
+                  <c:v>5.189999999999999</c:v>
                 </c:pt>
                 <c:pt idx="3">
-                  <c:v>8</c:v>
+                  <c:v>8.0</c:v>
                 </c:pt>
                 <c:pt idx="4">
                   <c:v>11.1</c:v>
@@ -169,82 +266,374 @@
               </c:numCache>
             </c:numRef>
           </c:val>
+          <c:smooth val="1"/>
         </c:ser>
-        <c:marker val="0"/>
-        <c:axId val="59704990"/>
-        <c:axId val="1627754"/>
+        <c:dLbls>
+          <c:showLegendKey val="0"/>
+          <c:showVal val="0"/>
+          <c:showCatName val="0"/>
+          <c:showSerName val="0"/>
+          <c:showPercent val="0"/>
+          <c:showBubbleSize val="0"/>
+        </c:dLbls>
+        <c:marker val="1"/>
+        <c:smooth val="0"/>
+        <c:axId val="2128325624"/>
+        <c:axId val="2124364984"/>
       </c:lineChart>
       <c:catAx>
-        <c:axId val="59704990"/>
+        <c:axId val="2128325624"/>
         <c:scaling>
           <c:orientation val="minMax"/>
         </c:scaling>
+        <c:delete val="1"/>
         <c:axPos val="b"/>
         <c:majorTickMark val="out"/>
         <c:minorTickMark val="none"/>
         <c:tickLblPos val="nextTo"/>
-        <c:crossAx val="1627754"/>
-        <c:crossesAt val="0"/>
+        <c:crossAx val="2124364984"/>
+        <c:crossesAt val="0.0"/>
+        <c:auto val="1"/>
         <c:lblAlgn val="ctr"/>
-        <c:auto val="1"/>
         <c:lblOffset val="100"/>
-        <c:spPr>
-          <a:ln w="9360">
-            <a:solidFill>
-              <a:srgbClr val="b3b3b3"/>
-            </a:solidFill>
-            <a:round/>
-          </a:ln>
-        </c:spPr>
+        <c:noMultiLvlLbl val="1"/>
       </c:catAx>
       <c:valAx>
-        <c:axId val="1627754"/>
+        <c:axId val="2124364984"/>
         <c:scaling>
           <c:orientation val="minMax"/>
         </c:scaling>
+        <c:delete val="1"/>
         <c:axPos val="l"/>
         <c:majorGridlines>
           <c:spPr>
             <a:ln w="9360">
               <a:solidFill>
-                <a:srgbClr val="ffffff"/>
+                <a:srgbClr val="FFFFFF"/>
               </a:solidFill>
               <a:round/>
             </a:ln>
           </c:spPr>
         </c:majorGridlines>
+        <c:numFmt formatCode="General" sourceLinked="0"/>
         <c:majorTickMark val="out"/>
         <c:minorTickMark val="none"/>
         <c:tickLblPos val="none"/>
-        <c:crossAx val="59704990"/>
-        <c:crossesAt val="1"/>
-        <c:spPr>
-          <a:ln w="9360">
-            <a:solidFill>
-              <a:srgbClr val="b3b3b3"/>
-            </a:solidFill>
-            <a:round/>
-          </a:ln>
-        </c:spPr>
+        <c:crossAx val="2128325624"/>
+        <c:crossesAt val="1.0"/>
+        <c:crossBetween val="between"/>
       </c:valAx>
       <c:spPr>
         <a:solidFill>
-          <a:srgbClr val="ffffff"/>
+          <a:srgbClr val="FFFFFF"/>
         </a:solidFill>
       </c:spPr>
     </c:plotArea>
     <c:legend>
       <c:legendPos val="r"/>
-      <c:spPr/>
+      <c:layout>
+        <c:manualLayout>
+          <c:xMode val="edge"/>
+          <c:yMode val="edge"/>
+          <c:x val="0.117899705566201"/>
+          <c:y val="0.189858739571178"/>
+          <c:w val="0.126984052800756"/>
+          <c:h val="0.0960431997332761"/>
+        </c:manualLayout>
+      </c:layout>
+      <c:overlay val="1"/>
     </c:legend>
     <c:plotVisOnly val="1"/>
+    <c:dispBlanksAs val="zero"/>
+    <c:showDLblsOverMax val="1"/>
   </c:chart>
-  <c:spPr/>
 </c:chartSpace>
 </file>
 
 <file path=ppt/notesMasters/notesMaster1.xml><?xml version="1.0" encoding="utf-8"?>
-<p:notesMaster xmlns:a="http://schemas.openxmlformats.org/drawingml/2006/main" xmlns:p="http://schemas.openxmlformats.org/presentationml/2006/main" xmlns:r="http://schemas.openxmlformats.org/officeDocument/2006/relationships">
+<p:notesMaster xmlns:a="http://schemas.openxmlformats.org/drawingml/2006/main" xmlns:r="http://schemas.openxmlformats.org/officeDocument/2006/relationships" xmlns:p="http://schemas.openxmlformats.org/presentationml/2006/main">
+  <p:cSld>
+    <p:bg>
+      <p:bgRef idx="1001">
+        <a:schemeClr val="bg1"/>
+      </p:bgRef>
+    </p:bg>
+    <p:spTree>
+      <p:nvGrpSpPr>
+        <p:cNvPr id="1" name=""/>
+        <p:cNvGrpSpPr/>
+        <p:nvPr/>
+      </p:nvGrpSpPr>
+      <p:grpSpPr>
+        <a:xfrm>
+          <a:off x="0" y="0"/>
+          <a:ext cx="0" cy="0"/>
+          <a:chOff x="0" y="0"/>
+          <a:chExt cx="0" cy="0"/>
+        </a:xfrm>
+      </p:grpSpPr>
+      <p:sp>
+        <p:nvSpPr>
+          <p:cNvPr id="104" name="PlaceHolder 1"/>
+          <p:cNvSpPr>
+            <a:spLocks noGrp="1"/>
+          </p:cNvSpPr>
+          <p:nvPr>
+            <p:ph type="body"/>
+          </p:nvPr>
+        </p:nvSpPr>
+        <p:spPr>
+          <a:xfrm>
+            <a:off x="756000" y="5078520"/>
+            <a:ext cx="6047640" cy="4811040"/>
+          </a:xfrm>
+          <a:prstGeom prst="rect">
+            <a:avLst/>
+          </a:prstGeom>
+        </p:spPr>
+        <p:txBody>
+          <a:bodyPr wrap="none" lIns="0" tIns="0" rIns="0" bIns="0"/>
+          <a:lstStyle/>
+          <a:p>
+            <a:r>
+              <a:rPr lang="en-GB"/>
+              <a:t>Click to edit the notes' format</a:t>
+            </a:r>
+            <a:endParaRPr/>
+          </a:p>
+        </p:txBody>
+      </p:sp>
+      <p:sp>
+        <p:nvSpPr>
+          <p:cNvPr id="105" name="PlaceHolder 2"/>
+          <p:cNvSpPr>
+            <a:spLocks noGrp="1"/>
+          </p:cNvSpPr>
+          <p:nvPr>
+            <p:ph type="hdr"/>
+          </p:nvPr>
+        </p:nvSpPr>
+        <p:spPr>
+          <a:xfrm>
+            <a:off x="0" y="0"/>
+            <a:ext cx="3280680" cy="534240"/>
+          </a:xfrm>
+          <a:prstGeom prst="rect">
+            <a:avLst/>
+          </a:prstGeom>
+        </p:spPr>
+        <p:txBody>
+          <a:bodyPr wrap="none" lIns="0" tIns="0" rIns="0" bIns="0"/>
+          <a:lstStyle/>
+          <a:p>
+            <a:r>
+              <a:rPr lang="en-GB"/>
+              <a:t>&lt;header&gt;</a:t>
+            </a:r>
+            <a:endParaRPr/>
+          </a:p>
+        </p:txBody>
+      </p:sp>
+      <p:sp>
+        <p:nvSpPr>
+          <p:cNvPr id="106" name="PlaceHolder 3"/>
+          <p:cNvSpPr>
+            <a:spLocks noGrp="1"/>
+          </p:cNvSpPr>
+          <p:nvPr>
+            <p:ph type="dt"/>
+          </p:nvPr>
+        </p:nvSpPr>
+        <p:spPr>
+          <a:xfrm>
+            <a:off x="4278960" y="0"/>
+            <a:ext cx="3280680" cy="534240"/>
+          </a:xfrm>
+          <a:prstGeom prst="rect">
+            <a:avLst/>
+          </a:prstGeom>
+        </p:spPr>
+        <p:txBody>
+          <a:bodyPr wrap="none" lIns="0" tIns="0" rIns="0" bIns="0"/>
+          <a:lstStyle/>
+          <a:p>
+            <a:pPr algn="r"/>
+            <a:r>
+              <a:rPr lang="en-GB"/>
+              <a:t>&lt;date/time&gt;</a:t>
+            </a:r>
+            <a:endParaRPr/>
+          </a:p>
+        </p:txBody>
+      </p:sp>
+      <p:sp>
+        <p:nvSpPr>
+          <p:cNvPr id="107" name="PlaceHolder 4"/>
+          <p:cNvSpPr>
+            <a:spLocks noGrp="1"/>
+          </p:cNvSpPr>
+          <p:nvPr>
+            <p:ph type="ftr"/>
+          </p:nvPr>
+        </p:nvSpPr>
+        <p:spPr>
+          <a:xfrm>
+            <a:off x="0" y="10157400"/>
+            <a:ext cx="3280680" cy="534240"/>
+          </a:xfrm>
+          <a:prstGeom prst="rect">
+            <a:avLst/>
+          </a:prstGeom>
+        </p:spPr>
+        <p:txBody>
+          <a:bodyPr wrap="none" lIns="0" tIns="0" rIns="0" bIns="0" anchor="b"/>
+          <a:lstStyle/>
+          <a:p>
+            <a:r>
+              <a:rPr lang="en-GB"/>
+              <a:t>&lt;footer&gt;</a:t>
+            </a:r>
+            <a:endParaRPr/>
+          </a:p>
+        </p:txBody>
+      </p:sp>
+      <p:sp>
+        <p:nvSpPr>
+          <p:cNvPr id="108" name="PlaceHolder 5"/>
+          <p:cNvSpPr>
+            <a:spLocks noGrp="1"/>
+          </p:cNvSpPr>
+          <p:nvPr>
+            <p:ph type="sldNum"/>
+          </p:nvPr>
+        </p:nvSpPr>
+        <p:spPr>
+          <a:xfrm>
+            <a:off x="4278960" y="10157400"/>
+            <a:ext cx="3280680" cy="534240"/>
+          </a:xfrm>
+          <a:prstGeom prst="rect">
+            <a:avLst/>
+          </a:prstGeom>
+        </p:spPr>
+        <p:txBody>
+          <a:bodyPr wrap="none" lIns="0" tIns="0" rIns="0" bIns="0" anchor="b"/>
+          <a:lstStyle/>
+          <a:p>
+            <a:pPr algn="r"/>
+            <a:fld id="{7FBE9272-9B92-437A-A9FB-0075C11C4A1E}" type="slidenum">
+              <a:rPr lang="en-GB"/>
+              <a:t>‹Nr.›</a:t>
+            </a:fld>
+            <a:endParaRPr/>
+          </a:p>
+        </p:txBody>
+      </p:sp>
+    </p:spTree>
+    <p:extLst>
+      <p:ext uri="{BB962C8B-B14F-4D97-AF65-F5344CB8AC3E}">
+        <p14:creationId xmlns:p14="http://schemas.microsoft.com/office/powerpoint/2010/main" val="1368427789"/>
+      </p:ext>
+    </p:extLst>
+  </p:cSld>
+  <p:clrMap bg1="lt1" tx1="dk1" bg2="lt2" tx2="dk2" accent1="accent1" accent2="accent2" accent3="accent3" accent4="accent4" accent5="accent5" accent6="accent6" hlink="hlink" folHlink="folHlink"/>
+  <p:notesStyle>
+    <a:lvl1pPr marL="0" algn="l" defTabSz="457200" rtl="0" eaLnBrk="1" latinLnBrk="0" hangingPunct="1">
+      <a:defRPr sz="1200" kern="1200">
+        <a:solidFill>
+          <a:schemeClr val="tx1"/>
+        </a:solidFill>
+        <a:latin typeface="+mn-lt"/>
+        <a:ea typeface="+mn-ea"/>
+        <a:cs typeface="+mn-cs"/>
+      </a:defRPr>
+    </a:lvl1pPr>
+    <a:lvl2pPr marL="457200" algn="l" defTabSz="457200" rtl="0" eaLnBrk="1" latinLnBrk="0" hangingPunct="1">
+      <a:defRPr sz="1200" kern="1200">
+        <a:solidFill>
+          <a:schemeClr val="tx1"/>
+        </a:solidFill>
+        <a:latin typeface="+mn-lt"/>
+        <a:ea typeface="+mn-ea"/>
+        <a:cs typeface="+mn-cs"/>
+      </a:defRPr>
+    </a:lvl2pPr>
+    <a:lvl3pPr marL="914400" algn="l" defTabSz="457200" rtl="0" eaLnBrk="1" latinLnBrk="0" hangingPunct="1">
+      <a:defRPr sz="1200" kern="1200">
+        <a:solidFill>
+          <a:schemeClr val="tx1"/>
+        </a:solidFill>
+        <a:latin typeface="+mn-lt"/>
+        <a:ea typeface="+mn-ea"/>
+        <a:cs typeface="+mn-cs"/>
+      </a:defRPr>
+    </a:lvl3pPr>
+    <a:lvl4pPr marL="1371600" algn="l" defTabSz="457200" rtl="0" eaLnBrk="1" latinLnBrk="0" hangingPunct="1">
+      <a:defRPr sz="1200" kern="1200">
+        <a:solidFill>
+          <a:schemeClr val="tx1"/>
+        </a:solidFill>
+        <a:latin typeface="+mn-lt"/>
+        <a:ea typeface="+mn-ea"/>
+        <a:cs typeface="+mn-cs"/>
+      </a:defRPr>
+    </a:lvl4pPr>
+    <a:lvl5pPr marL="1828800" algn="l" defTabSz="457200" rtl="0" eaLnBrk="1" latinLnBrk="0" hangingPunct="1">
+      <a:defRPr sz="1200" kern="1200">
+        <a:solidFill>
+          <a:schemeClr val="tx1"/>
+        </a:solidFill>
+        <a:latin typeface="+mn-lt"/>
+        <a:ea typeface="+mn-ea"/>
+        <a:cs typeface="+mn-cs"/>
+      </a:defRPr>
+    </a:lvl5pPr>
+    <a:lvl6pPr marL="2286000" algn="l" defTabSz="457200" rtl="0" eaLnBrk="1" latinLnBrk="0" hangingPunct="1">
+      <a:defRPr sz="1200" kern="1200">
+        <a:solidFill>
+          <a:schemeClr val="tx1"/>
+        </a:solidFill>
+        <a:latin typeface="+mn-lt"/>
+        <a:ea typeface="+mn-ea"/>
+        <a:cs typeface="+mn-cs"/>
+      </a:defRPr>
+    </a:lvl6pPr>
+    <a:lvl7pPr marL="2743200" algn="l" defTabSz="457200" rtl="0" eaLnBrk="1" latinLnBrk="0" hangingPunct="1">
+      <a:defRPr sz="1200" kern="1200">
+        <a:solidFill>
+          <a:schemeClr val="tx1"/>
+        </a:solidFill>
+        <a:latin typeface="+mn-lt"/>
+        <a:ea typeface="+mn-ea"/>
+        <a:cs typeface="+mn-cs"/>
+      </a:defRPr>
+    </a:lvl7pPr>
+    <a:lvl8pPr marL="3200400" algn="l" defTabSz="457200" rtl="0" eaLnBrk="1" latinLnBrk="0" hangingPunct="1">
+      <a:defRPr sz="1200" kern="1200">
+        <a:solidFill>
+          <a:schemeClr val="tx1"/>
+        </a:solidFill>
+        <a:latin typeface="+mn-lt"/>
+        <a:ea typeface="+mn-ea"/>
+        <a:cs typeface="+mn-cs"/>
+      </a:defRPr>
+    </a:lvl8pPr>
+    <a:lvl9pPr marL="3657600" algn="l" defTabSz="457200" rtl="0" eaLnBrk="1" latinLnBrk="0" hangingPunct="1">
+      <a:defRPr sz="1200" kern="1200">
+        <a:solidFill>
+          <a:schemeClr val="tx1"/>
+        </a:solidFill>
+        <a:latin typeface="+mn-lt"/>
+        <a:ea typeface="+mn-ea"/>
+        <a:cs typeface="+mn-cs"/>
+      </a:defRPr>
+    </a:lvl9pPr>
+  </p:notesStyle>
+</p:notesMaster>
+</file>
+
+<file path=ppt/notesSlides/notesSlide1.xml><?xml version="1.0" encoding="utf-8"?>
+<p:notes xmlns:a="http://schemas.openxmlformats.org/drawingml/2006/main" xmlns:r="http://schemas.openxmlformats.org/officeDocument/2006/relationships" xmlns:p="http://schemas.openxmlformats.org/presentationml/2006/main">
   <p:cSld>
     <p:spTree>
       <p:nvGrpSpPr>
@@ -262,7 +651,7 @@
       </p:grpSpPr>
       <p:sp>
         <p:nvSpPr>
-          <p:cNvPr id="104" name="PlaceHolder 1"/>
+          <p:cNvPr id="120" name="PlaceHolder 1"/>
           <p:cNvSpPr>
             <a:spLocks noGrp="1"/>
           </p:cNvSpPr>
@@ -273,153 +662,241 @@
         <p:spPr>
           <a:xfrm>
             <a:off x="756000" y="5078520"/>
-            <a:ext cx="6047640" cy="4811040"/>
-          </a:xfrm>
-          <a:prstGeom prst="rect">
-            <a:avLst/>
-          </a:prstGeom>
-        </p:spPr>
-        <p:txBody>
-          <a:bodyPr bIns="0" lIns="0" rIns="0" tIns="0" wrap="none"/>
-          <a:p>
-            <a:r>
-              <a:rPr lang="en-GB"/>
-              <a:t>Click to edit the notes' format</a:t>
-            </a:r>
-            <a:endParaRPr/>
-          </a:p>
-        </p:txBody>
-      </p:sp>
-      <p:sp>
-        <p:nvSpPr>
-          <p:cNvPr id="105" name="PlaceHolder 2"/>
-          <p:cNvSpPr>
-            <a:spLocks noGrp="1"/>
-          </p:cNvSpPr>
-          <p:nvPr>
-            <p:ph type="hdr"/>
-          </p:nvPr>
-        </p:nvSpPr>
-        <p:spPr>
-          <a:xfrm>
-            <a:off x="0" y="0"/>
-            <a:ext cx="3280680" cy="534240"/>
-          </a:xfrm>
-          <a:prstGeom prst="rect">
-            <a:avLst/>
-          </a:prstGeom>
-        </p:spPr>
-        <p:txBody>
-          <a:bodyPr bIns="0" lIns="0" rIns="0" tIns="0" wrap="none"/>
-          <a:p>
-            <a:r>
-              <a:rPr lang="en-GB"/>
-              <a:t>&lt;header&gt;</a:t>
-            </a:r>
-            <a:endParaRPr/>
-          </a:p>
-        </p:txBody>
-      </p:sp>
-      <p:sp>
-        <p:nvSpPr>
-          <p:cNvPr id="106" name="PlaceHolder 3"/>
-          <p:cNvSpPr>
-            <a:spLocks noGrp="1"/>
-          </p:cNvSpPr>
-          <p:nvPr>
-            <p:ph type="dt"/>
-          </p:nvPr>
-        </p:nvSpPr>
-        <p:spPr>
-          <a:xfrm>
-            <a:off x="4278960" y="0"/>
-            <a:ext cx="3280680" cy="534240"/>
-          </a:xfrm>
-          <a:prstGeom prst="rect">
-            <a:avLst/>
-          </a:prstGeom>
-        </p:spPr>
-        <p:txBody>
-          <a:bodyPr bIns="0" lIns="0" rIns="0" tIns="0" wrap="none"/>
-          <a:p>
-            <a:pPr algn="r"/>
-            <a:r>
-              <a:rPr lang="en-GB"/>
-              <a:t>&lt;date/time&gt;</a:t>
-            </a:r>
-            <a:endParaRPr/>
-          </a:p>
-        </p:txBody>
-      </p:sp>
-      <p:sp>
-        <p:nvSpPr>
-          <p:cNvPr id="107" name="PlaceHolder 4"/>
-          <p:cNvSpPr>
-            <a:spLocks noGrp="1"/>
-          </p:cNvSpPr>
-          <p:nvPr>
-            <p:ph type="ftr"/>
-          </p:nvPr>
-        </p:nvSpPr>
-        <p:spPr>
-          <a:xfrm>
-            <a:off x="0" y="10157400"/>
-            <a:ext cx="3280680" cy="534240"/>
-          </a:xfrm>
-          <a:prstGeom prst="rect">
-            <a:avLst/>
-          </a:prstGeom>
-        </p:spPr>
-        <p:txBody>
-          <a:bodyPr anchor="b" bIns="0" lIns="0" rIns="0" tIns="0" wrap="none"/>
-          <a:p>
-            <a:r>
-              <a:rPr lang="en-GB"/>
-              <a:t>&lt;footer&gt;</a:t>
-            </a:r>
-            <a:endParaRPr/>
-          </a:p>
-        </p:txBody>
-      </p:sp>
-      <p:sp>
-        <p:nvSpPr>
-          <p:cNvPr id="108" name="PlaceHolder 5"/>
-          <p:cNvSpPr>
-            <a:spLocks noGrp="1"/>
-          </p:cNvSpPr>
-          <p:nvPr>
-            <p:ph type="sldNum"/>
-          </p:nvPr>
-        </p:nvSpPr>
-        <p:spPr>
-          <a:xfrm>
-            <a:off x="4278960" y="10157400"/>
-            <a:ext cx="3280680" cy="534240"/>
-          </a:xfrm>
-          <a:prstGeom prst="rect">
-            <a:avLst/>
-          </a:prstGeom>
-        </p:spPr>
-        <p:txBody>
-          <a:bodyPr anchor="b" bIns="0" lIns="0" rIns="0" tIns="0" wrap="none"/>
-          <a:p>
-            <a:pPr algn="r"/>
-            <a:fld id="{7FBE9272-9B92-437A-A9FB-0075C11C4A1E}" type="slidenum">
-              <a:rPr lang="en-GB"/>
-              <a:t>&lt;number&gt;</a:t>
-            </a:fld>
+            <a:ext cx="6046920" cy="4810680"/>
+          </a:xfrm>
+          <a:prstGeom prst="rect">
+            <a:avLst/>
+          </a:prstGeom>
+        </p:spPr>
+        <p:txBody>
+          <a:bodyPr wrap="none" lIns="0" tIns="0" rIns="0" bIns="0"/>
+          <a:lstStyle/>
+          <a:p>
+            <a:pPr>
+              <a:lnSpc>
+                <a:spcPct val="100000"/>
+              </a:lnSpc>
+              <a:buSzPct val="25000"/>
+              <a:buFont typeface="StarSymbol"/>
+              <a:buChar char="l"/>
+            </a:pPr>
+            <a:r>
+              <a:rPr lang="en-GB" sz="1100">
+                <a:latin typeface="Courier 10 Pitch"/>
+              </a:rPr>
+              <a:t>The goal of this slide is to present how complex large systems can be, highlighting some of the following points</a:t>
+            </a:r>
+            <a:endParaRPr/>
+          </a:p>
+          <a:p>
+            <a:pPr>
+              <a:lnSpc>
+                <a:spcPct val="100000"/>
+              </a:lnSpc>
+            </a:pPr>
+            <a:endParaRPr/>
+          </a:p>
+          <a:p>
+            <a:pPr>
+              <a:lnSpc>
+                <a:spcPct val="100000"/>
+              </a:lnSpc>
+              <a:buSzPct val="25000"/>
+              <a:buFont typeface="StarSymbol"/>
+              <a:buChar char="l"/>
+            </a:pPr>
+            <a:r>
+              <a:rPr lang="en-GB" sz="1100">
+                <a:latin typeface="Courier 10 Pitch"/>
+              </a:rPr>
+              <a:t>– Large systems are extremely complex to develop and maintain</a:t>
+            </a:r>
+            <a:endParaRPr/>
+          </a:p>
+          <a:p>
+            <a:pPr>
+              <a:lnSpc>
+                <a:spcPct val="100000"/>
+              </a:lnSpc>
+            </a:pPr>
+            <a:endParaRPr/>
+          </a:p>
+          <a:p>
+            <a:pPr>
+              <a:lnSpc>
+                <a:spcPct val="100000"/>
+              </a:lnSpc>
+              <a:buSzPct val="25000"/>
+              <a:buFont typeface="StarSymbol"/>
+              <a:buChar char="l"/>
+            </a:pPr>
+            <a:r>
+              <a:rPr lang="en-GB" sz="1100">
+                <a:latin typeface="Courier 10 Pitch"/>
+              </a:rPr>
+              <a:t>– Highly coupled systems</a:t>
+            </a:r>
+            <a:endParaRPr/>
+          </a:p>
+          <a:p>
+            <a:pPr>
+              <a:lnSpc>
+                <a:spcPct val="100000"/>
+              </a:lnSpc>
+            </a:pPr>
+            <a:endParaRPr/>
+          </a:p>
+          <a:p>
+            <a:pPr>
+              <a:lnSpc>
+                <a:spcPct val="100000"/>
+              </a:lnSpc>
+            </a:pPr>
+            <a:r>
+              <a:rPr lang="en-GB" sz="1100">
+                <a:latin typeface="Courier 10 Pitch"/>
+              </a:rPr>
+              <a:t>– Cloud computing: Multiple deployments are co-located</a:t>
+            </a:r>
+            <a:endParaRPr/>
+          </a:p>
+          <a:p>
+            <a:pPr>
+              <a:lnSpc>
+                <a:spcPct val="100000"/>
+              </a:lnSpc>
+            </a:pPr>
+            <a:endParaRPr/>
+          </a:p>
+          <a:p>
+            <a:pPr>
+              <a:lnSpc>
+                <a:spcPct val="100000"/>
+              </a:lnSpc>
+              <a:buSzPct val="25000"/>
+              <a:buFont typeface="StarSymbol"/>
+              <a:buChar char="l"/>
+            </a:pPr>
+            <a:r>
+              <a:rPr lang="en-GB" sz="1100">
+                <a:latin typeface="Courier 10 Pitch"/>
+              </a:rPr>
+              <a:t>– Footprint and performance</a:t>
+            </a:r>
+            <a:endParaRPr/>
+          </a:p>
+          <a:p>
+            <a:pPr>
+              <a:lnSpc>
+                <a:spcPct val="100000"/>
+              </a:lnSpc>
+            </a:pPr>
+            <a:endParaRPr/>
+          </a:p>
+          <a:p>
+            <a:pPr>
+              <a:lnSpc>
+                <a:spcPct val="100000"/>
+              </a:lnSpc>
+              <a:buSzPct val="25000"/>
+              <a:buFont typeface="StarSymbol"/>
+              <a:buChar char="l"/>
+            </a:pPr>
+            <a:r>
+              <a:rPr lang="en-GB" sz="1100">
+                <a:latin typeface="Courier 10 Pitch"/>
+              </a:rPr>
+              <a:t>– Distributed development</a:t>
+            </a:r>
+            <a:endParaRPr/>
+          </a:p>
+          <a:p>
+            <a:pPr>
+              <a:lnSpc>
+                <a:spcPct val="100000"/>
+              </a:lnSpc>
+            </a:pPr>
+            <a:endParaRPr/>
+          </a:p>
+          <a:p>
+            <a:pPr>
+              <a:lnSpc>
+                <a:spcPct val="100000"/>
+              </a:lnSpc>
+              <a:buSzPct val="25000"/>
+              <a:buFont typeface="StarSymbol"/>
+              <a:buChar char="l"/>
+            </a:pPr>
+            <a:r>
+              <a:rPr lang="en-GB" sz="1100">
+                <a:latin typeface="Courier 10 Pitch"/>
+              </a:rPr>
+              <a:t>Once we have presented the previous problems we should introduce the general concept of modularity. Something like:</a:t>
+            </a:r>
+            <a:endParaRPr/>
+          </a:p>
+          <a:p>
+            <a:pPr>
+              <a:lnSpc>
+                <a:spcPct val="100000"/>
+              </a:lnSpc>
+            </a:pPr>
+            <a:endParaRPr/>
+          </a:p>
+          <a:p>
+            <a:pPr>
+              <a:lnSpc>
+                <a:spcPct val="100000"/>
+              </a:lnSpc>
+              <a:buSzPct val="25000"/>
+              <a:buFont typeface="StarSymbol"/>
+              <a:buChar char="l"/>
+            </a:pPr>
+            <a:r>
+              <a:rPr lang="en-GB" sz="1100">
+                <a:latin typeface="Courier 10 Pitch"/>
+              </a:rPr>
+              <a:t>– Systems composed of relatively small self-contained units</a:t>
+            </a:r>
+            <a:endParaRPr/>
+          </a:p>
+          <a:p>
+            <a:pPr>
+              <a:lnSpc>
+                <a:spcPct val="100000"/>
+              </a:lnSpc>
+            </a:pPr>
+            <a:endParaRPr/>
+          </a:p>
+          <a:p>
+            <a:pPr>
+              <a:lnSpc>
+                <a:spcPct val="100000"/>
+              </a:lnSpc>
+              <a:buSzPct val="25000"/>
+              <a:buFont typeface="StarSymbol"/>
+              <a:buChar char="l"/>
+            </a:pPr>
+            <a:r>
+              <a:rPr lang="en-GB" sz="1100">
+                <a:latin typeface="Courier 10 Pitch"/>
+              </a:rPr>
+              <a:t>– Clear interfaces between them</a:t>
+            </a:r>
             <a:endParaRPr/>
           </a:p>
         </p:txBody>
       </p:sp>
     </p:spTree>
   </p:cSld>
-  <p:clrMap accent1="accent1" accent2="accent2" accent3="accent3" accent4="accent4" accent5="accent5" accent6="accent6" bg1="lt1" bg2="lt2" folHlink="folHlink" hlink="hlink" tx1="dk1" tx2="dk2"/>
-</p:notesMaster>
+  <p:clrMapOvr>
+    <a:masterClrMapping/>
+  </p:clrMapOvr>
+</p:notes>
 </file>
 
-<file path=ppt/notesSlides/notesSlide10.xml><?xml version="1.0" encoding="utf-8"?>
-<p:notes xmlns:a="http://schemas.openxmlformats.org/drawingml/2006/main" xmlns:p="http://schemas.openxmlformats.org/presentationml/2006/main" xmlns:r="http://schemas.openxmlformats.org/officeDocument/2006/relationships">
+<file path=ppt/notesSlides/notesSlide2.xml><?xml version="1.0" encoding="utf-8"?>
+<p:notes xmlns:a="http://schemas.openxmlformats.org/drawingml/2006/main" xmlns:r="http://schemas.openxmlformats.org/officeDocument/2006/relationships" xmlns:p="http://schemas.openxmlformats.org/presentationml/2006/main">
   <p:cSld>
     <p:spTree>
       <p:nvGrpSpPr>
@@ -437,7 +914,7 @@
       </p:grpSpPr>
       <p:sp>
         <p:nvSpPr>
-          <p:cNvPr id="128" name="PlaceHolder 1"/>
+          <p:cNvPr id="121" name="PlaceHolder 1"/>
           <p:cNvSpPr>
             <a:spLocks noGrp="1"/>
           </p:cNvSpPr>
@@ -447,39 +924,20 @@
         </p:nvSpPr>
         <p:spPr>
           <a:xfrm>
-            <a:off x="648720" y="360000"/>
-            <a:ext cx="6046920" cy="9791640"/>
-          </a:xfrm>
-          <a:prstGeom prst="rect">
-            <a:avLst/>
-          </a:prstGeom>
-        </p:spPr>
-        <p:txBody>
-          <a:bodyPr bIns="0" lIns="0" rIns="0" tIns="0" wrap="none"/>
-          <a:p>
-            <a:r>
-              <a:rPr lang="en-GB"/>
-              <a:t>Hands-on on how to write some example applications:</a:t>
-            </a:r>
-            <a:endParaRPr/>
-          </a:p>
-          <a:p>
-            <a:endParaRPr/>
-          </a:p>
-          <a:p>
-            <a:r>
-              <a:rPr lang="en-GB"/>
-              <a:t>We can use some of the apps we have already builtin since, IMHO, they can be used for teaching purposes.</a:t>
-            </a:r>
-            <a:endParaRPr/>
-          </a:p>
-          <a:p>
-            <a:endParaRPr/>
-          </a:p>
-          <a:p>
-            <a:r>
-              <a:rPr lang="en-GB"/>
-              <a:t>This will help us not only to show how write the apps but to show the current abilities of the Plugins SDK related with all this new stuff</a:t>
+            <a:off x="756000" y="5078520"/>
+            <a:ext cx="6046920" cy="4810320"/>
+          </a:xfrm>
+          <a:prstGeom prst="rect">
+            <a:avLst/>
+          </a:prstGeom>
+        </p:spPr>
+        <p:txBody>
+          <a:bodyPr wrap="none" lIns="0" tIns="0" rIns="0" bIns="0"/>
+          <a:lstStyle/>
+          <a:p>
+            <a:r>
+              <a:rPr lang="en-GB" sz="1100"/>
+              <a:t>Following the idea of the previous slide we can do a quick overview of how complexity and cost are related in modular and monolithic systems.</a:t>
             </a:r>
             <a:endParaRPr/>
           </a:p>
@@ -487,11 +945,14 @@
       </p:sp>
     </p:spTree>
   </p:cSld>
+  <p:clrMapOvr>
+    <a:masterClrMapping/>
+  </p:clrMapOvr>
 </p:notes>
 </file>
 
-<file path=ppt/notesSlides/notesSlide2.xml><?xml version="1.0" encoding="utf-8"?>
-<p:notes xmlns:a="http://schemas.openxmlformats.org/drawingml/2006/main" xmlns:p="http://schemas.openxmlformats.org/presentationml/2006/main" xmlns:r="http://schemas.openxmlformats.org/officeDocument/2006/relationships">
+<file path=ppt/notesSlides/notesSlide3.xml><?xml version="1.0" encoding="utf-8"?>
+<p:notes xmlns:a="http://schemas.openxmlformats.org/drawingml/2006/main" xmlns:r="http://schemas.openxmlformats.org/officeDocument/2006/relationships" xmlns:p="http://schemas.openxmlformats.org/presentationml/2006/main">
   <p:cSld>
     <p:spTree>
       <p:nvGrpSpPr>
@@ -509,7 +970,7 @@
       </p:grpSpPr>
       <p:sp>
         <p:nvSpPr>
-          <p:cNvPr id="120" name="PlaceHolder 1"/>
+          <p:cNvPr id="122" name="PlaceHolder 1"/>
           <p:cNvSpPr>
             <a:spLocks noGrp="1"/>
           </p:cNvSpPr>
@@ -527,7 +988,8 @@
           </a:prstGeom>
         </p:spPr>
         <p:txBody>
-          <a:bodyPr bIns="0" lIns="0" rIns="0" tIns="0" wrap="none"/>
+          <a:bodyPr wrap="none" lIns="0" tIns="0" rIns="0" bIns="0"/>
+          <a:lstStyle/>
           <a:p>
             <a:pPr>
               <a:lnSpc>
@@ -538,12 +1000,12 @@
               <a:buChar char="l"/>
             </a:pPr>
             <a:r>
-              <a:rPr lang="en-GB" sz="1100">
+              <a:rPr lang="en-GB" sz="1100" dirty="0">
                 <a:latin typeface="Courier 10 Pitch"/>
               </a:rPr>
-              <a:t>The goal of this slide is to present how complex large systems can be, highlighting some of the following points</a:t>
-            </a:r>
-            <a:endParaRPr/>
+              <a:t>The goal of this slide is to bring up some of the benefits that modularity give us. The idea is to highlight two kind of benefits: the internals ones, for us, and the external ones, for our developers/users</a:t>
+            </a:r>
+            <a:endParaRPr dirty="0"/>
           </a:p>
           <a:p>
             <a:pPr>
@@ -551,7 +1013,7 @@
                 <a:spcPct val="100000"/>
               </a:lnSpc>
             </a:pPr>
-            <a:endParaRPr/>
+            <a:endParaRPr dirty="0"/>
           </a:p>
           <a:p>
             <a:pPr>
@@ -563,18 +1025,12 @@
               <a:buChar char="l"/>
             </a:pPr>
             <a:r>
-              <a:rPr lang="en-GB" sz="1100">
+              <a:rPr lang="en-GB" sz="1100" dirty="0">
                 <a:latin typeface="Courier 10 Pitch"/>
               </a:rPr>
-              <a:t>– </a:t>
-            </a:r>
-            <a:r>
-              <a:rPr lang="en-GB" sz="1100">
-                <a:latin typeface="Courier 10 Pitch"/>
-              </a:rPr>
-              <a:t>Large systems are extremely complex to develop and maintain</a:t>
-            </a:r>
-            <a:endParaRPr/>
+              <a:t>For “inside” benefits:</a:t>
+            </a:r>
+            <a:endParaRPr dirty="0"/>
           </a:p>
           <a:p>
             <a:pPr>
@@ -582,7 +1038,7 @@
                 <a:spcPct val="100000"/>
               </a:lnSpc>
             </a:pPr>
-            <a:endParaRPr/>
+            <a:endParaRPr dirty="0"/>
           </a:p>
           <a:p>
             <a:pPr>
@@ -594,54 +1050,12 @@
               <a:buChar char="l"/>
             </a:pPr>
             <a:r>
-              <a:rPr lang="en-GB" sz="1100">
+              <a:rPr lang="en-GB" sz="1100" dirty="0">
                 <a:latin typeface="Courier 10 Pitch"/>
               </a:rPr>
-              <a:t>– </a:t>
-            </a:r>
-            <a:r>
-              <a:rPr lang="en-GB" sz="1100">
-                <a:latin typeface="Courier 10 Pitch"/>
-              </a:rPr>
-              <a:t>Highly coupled systems</a:t>
-            </a:r>
-            <a:endParaRPr/>
-          </a:p>
-          <a:p>
-            <a:pPr>
-              <a:lnSpc>
-                <a:spcPct val="100000"/>
-              </a:lnSpc>
-            </a:pPr>
-            <a:endParaRPr/>
-          </a:p>
-          <a:p>
-            <a:pPr>
-              <a:lnSpc>
-                <a:spcPct val="100000"/>
-              </a:lnSpc>
-            </a:pPr>
-            <a:r>
-              <a:rPr lang="en-GB" sz="1100">
-                <a:latin typeface="Courier 10 Pitch"/>
-              </a:rPr>
-              <a:t>– </a:t>
-            </a:r>
-            <a:r>
-              <a:rPr lang="en-GB" sz="1100">
-                <a:latin typeface="Courier 10 Pitch"/>
-              </a:rPr>
-              <a:t>Cloud computing: Multiple deployments are co-located</a:t>
-            </a:r>
-            <a:endParaRPr/>
-          </a:p>
-          <a:p>
-            <a:pPr>
-              <a:lnSpc>
-                <a:spcPct val="100000"/>
-              </a:lnSpc>
-            </a:pPr>
-            <a:endParaRPr/>
+              <a:t>– Decoupled and highly focused components</a:t>
+            </a:r>
+            <a:endParaRPr dirty="0"/>
           </a:p>
           <a:p>
             <a:pPr>
@@ -653,26 +1067,12 @@
               <a:buChar char="l"/>
             </a:pPr>
             <a:r>
-              <a:rPr lang="en-GB" sz="1100">
+              <a:rPr lang="en-GB" sz="1100" dirty="0">
                 <a:latin typeface="Courier 10 Pitch"/>
               </a:rPr>
-              <a:t>– </a:t>
-            </a:r>
-            <a:r>
-              <a:rPr lang="en-GB" sz="1100">
-                <a:latin typeface="Courier 10 Pitch"/>
-              </a:rPr>
-              <a:t>Footprint and performance</a:t>
-            </a:r>
-            <a:endParaRPr/>
-          </a:p>
-          <a:p>
-            <a:pPr>
-              <a:lnSpc>
-                <a:spcPct val="100000"/>
-              </a:lnSpc>
-            </a:pPr>
-            <a:endParaRPr/>
+              <a:t>– Easier development process</a:t>
+            </a:r>
+            <a:endParaRPr dirty="0"/>
           </a:p>
           <a:p>
             <a:pPr>
@@ -684,26 +1084,12 @@
               <a:buChar char="l"/>
             </a:pPr>
             <a:r>
-              <a:rPr lang="en-GB" sz="1100">
+              <a:rPr lang="en-GB" sz="1100" dirty="0">
                 <a:latin typeface="Courier 10 Pitch"/>
               </a:rPr>
-              <a:t>– </a:t>
-            </a:r>
-            <a:r>
-              <a:rPr lang="en-GB" sz="1100">
-                <a:latin typeface="Courier 10 Pitch"/>
-              </a:rPr>
-              <a:t>Distributed development</a:t>
-            </a:r>
-            <a:endParaRPr/>
-          </a:p>
-          <a:p>
-            <a:pPr>
-              <a:lnSpc>
-                <a:spcPct val="100000"/>
-              </a:lnSpc>
-            </a:pPr>
-            <a:endParaRPr/>
+              <a:t>– Simplify current implementations/patterns</a:t>
+            </a:r>
+            <a:endParaRPr dirty="0"/>
           </a:p>
           <a:p>
             <a:pPr>
@@ -715,20 +1101,12 @@
               <a:buChar char="l"/>
             </a:pPr>
             <a:r>
-              <a:rPr lang="en-GB" sz="1100">
+              <a:rPr lang="en-GB" sz="1100" dirty="0">
                 <a:latin typeface="Courier 10 Pitch"/>
               </a:rPr>
-              <a:t>Once we have presented the previous problems we should introduce the general concept of modularity. Something like:</a:t>
-            </a:r>
-            <a:endParaRPr/>
-          </a:p>
-          <a:p>
-            <a:pPr>
-              <a:lnSpc>
-                <a:spcPct val="100000"/>
-              </a:lnSpc>
-            </a:pPr>
-            <a:endParaRPr/>
+              <a:t>– Easier to implement new features</a:t>
+            </a:r>
+            <a:endParaRPr dirty="0"/>
           </a:p>
           <a:p>
             <a:pPr>
@@ -740,26 +1118,12 @@
               <a:buChar char="l"/>
             </a:pPr>
             <a:r>
-              <a:rPr lang="en-GB" sz="1100">
+              <a:rPr lang="en-GB" sz="1100" dirty="0">
                 <a:latin typeface="Courier 10 Pitch"/>
               </a:rPr>
-              <a:t>– </a:t>
-            </a:r>
-            <a:r>
-              <a:rPr lang="en-GB" sz="1100">
-                <a:latin typeface="Courier 10 Pitch"/>
-              </a:rPr>
-              <a:t>Systems composed of relatively small self-contained units</a:t>
-            </a:r>
-            <a:endParaRPr/>
-          </a:p>
-          <a:p>
-            <a:pPr>
-              <a:lnSpc>
-                <a:spcPct val="100000"/>
-              </a:lnSpc>
-            </a:pPr>
-            <a:endParaRPr/>
+              <a:t>– Highly focused teams</a:t>
+            </a:r>
+            <a:endParaRPr dirty="0"/>
           </a:p>
           <a:p>
             <a:pPr>
@@ -771,28 +1135,217 @@
               <a:buChar char="l"/>
             </a:pPr>
             <a:r>
-              <a:rPr lang="en-GB" sz="1100">
+              <a:rPr lang="en-GB" sz="1100" dirty="0">
                 <a:latin typeface="Courier 10 Pitch"/>
               </a:rPr>
-              <a:t>– </a:t>
-            </a:r>
-            <a:r>
-              <a:rPr lang="en-GB" sz="1100">
+              <a:t>– Easier distributed development</a:t>
+            </a:r>
+            <a:endParaRPr dirty="0"/>
+          </a:p>
+          <a:p>
+            <a:pPr>
+              <a:lnSpc>
+                <a:spcPct val="100000"/>
+              </a:lnSpc>
+            </a:pPr>
+            <a:endParaRPr dirty="0"/>
+          </a:p>
+          <a:p>
+            <a:pPr>
+              <a:lnSpc>
+                <a:spcPct val="100000"/>
+              </a:lnSpc>
+              <a:buSzPct val="25000"/>
+              <a:buFont typeface="StarSymbol"/>
+              <a:buChar char="l"/>
+            </a:pPr>
+            <a:r>
+              <a:rPr lang="en-GB" sz="1100" dirty="0">
                 <a:latin typeface="Courier 10 Pitch"/>
               </a:rPr>
-              <a:t>Clear interfaces between them</a:t>
-            </a:r>
-            <a:endParaRPr/>
+              <a:t>For “outside” benefits:</a:t>
+            </a:r>
+            <a:endParaRPr dirty="0"/>
+          </a:p>
+          <a:p>
+            <a:pPr>
+              <a:lnSpc>
+                <a:spcPct val="100000"/>
+              </a:lnSpc>
+            </a:pPr>
+            <a:endParaRPr dirty="0"/>
+          </a:p>
+          <a:p>
+            <a:pPr>
+              <a:lnSpc>
+                <a:spcPct val="100000"/>
+              </a:lnSpc>
+              <a:buSzPct val="25000"/>
+              <a:buFont typeface="StarSymbol"/>
+              <a:buChar char="l"/>
+            </a:pPr>
+            <a:r>
+              <a:rPr lang="en-GB" sz="1100" dirty="0">
+                <a:latin typeface="Courier 10 Pitch"/>
+              </a:rPr>
+              <a:t>– More frequent delivery of new features or improvements</a:t>
+            </a:r>
+            <a:endParaRPr dirty="0"/>
+          </a:p>
+          <a:p>
+            <a:pPr>
+              <a:lnSpc>
+                <a:spcPct val="100000"/>
+              </a:lnSpc>
+              <a:buSzPct val="25000"/>
+              <a:buFont typeface="StarSymbol"/>
+              <a:buChar char="l"/>
+            </a:pPr>
+            <a:r>
+              <a:rPr lang="en-GB" sz="1100" dirty="0">
+                <a:latin typeface="Courier 10 Pitch"/>
+              </a:rPr>
+              <a:t>– Less bugs due to higher degree of focus</a:t>
+            </a:r>
+            <a:endParaRPr dirty="0"/>
+          </a:p>
+          <a:p>
+            <a:pPr>
+              <a:lnSpc>
+                <a:spcPct val="100000"/>
+              </a:lnSpc>
+              <a:buSzPct val="25000"/>
+              <a:buFont typeface="StarSymbol"/>
+              <a:buChar char="l"/>
+            </a:pPr>
+            <a:r>
+              <a:rPr lang="en-GB" sz="1100" dirty="0">
+                <a:latin typeface="Courier 10 Pitch"/>
+              </a:rPr>
+              <a:t>– Quicker and simpler delivery of patches for bugs and security issues</a:t>
+            </a:r>
+            <a:endParaRPr dirty="0"/>
+          </a:p>
+          <a:p>
+            <a:pPr>
+              <a:lnSpc>
+                <a:spcPct val="100000"/>
+              </a:lnSpc>
+              <a:buSzPct val="25000"/>
+              <a:buFont typeface="StarSymbol"/>
+              <a:buChar char="l"/>
+            </a:pPr>
+            <a:r>
+              <a:rPr lang="en-GB" sz="1100" dirty="0">
+                <a:latin typeface="Courier 10 Pitch"/>
+              </a:rPr>
+              <a:t>– Robustness</a:t>
+            </a:r>
+            <a:endParaRPr dirty="0"/>
+          </a:p>
+          <a:p>
+            <a:pPr>
+              <a:lnSpc>
+                <a:spcPct val="100000"/>
+              </a:lnSpc>
+              <a:buSzPct val="25000"/>
+              <a:buFont typeface="StarSymbol"/>
+              <a:buChar char="l"/>
+            </a:pPr>
+            <a:r>
+              <a:rPr lang="en-GB" sz="1100" dirty="0">
+                <a:latin typeface="Courier 10 Pitch"/>
+              </a:rPr>
+              <a:t>– Footprint</a:t>
+            </a:r>
+            <a:endParaRPr dirty="0"/>
+          </a:p>
+          <a:p>
+            <a:pPr>
+              <a:lnSpc>
+                <a:spcPct val="100000"/>
+              </a:lnSpc>
+            </a:pPr>
+            <a:endParaRPr dirty="0"/>
+          </a:p>
+          <a:p>
+            <a:pPr>
+              <a:lnSpc>
+                <a:spcPct val="100000"/>
+              </a:lnSpc>
+              <a:buSzPct val="25000"/>
+              <a:buFont typeface="StarSymbol"/>
+              <a:buChar char="l"/>
+            </a:pPr>
+            <a:r>
+              <a:rPr lang="en-GB" sz="1100" dirty="0">
+                <a:latin typeface="Courier 10 Pitch"/>
+              </a:rPr>
+              <a:t>At this point we have showed up some of the problems we are currently facing and how modularity can help us to solve many of them.</a:t>
+            </a:r>
+            <a:endParaRPr dirty="0"/>
+          </a:p>
+          <a:p>
+            <a:pPr>
+              <a:lnSpc>
+                <a:spcPct val="100000"/>
+              </a:lnSpc>
+            </a:pPr>
+            <a:endParaRPr dirty="0"/>
+          </a:p>
+          <a:p>
+            <a:pPr>
+              <a:lnSpc>
+                <a:spcPct val="100000"/>
+              </a:lnSpc>
+              <a:buSzPct val="25000"/>
+              <a:buFont typeface="StarSymbol"/>
+              <a:buChar char="l"/>
+            </a:pPr>
+            <a:r>
+              <a:rPr lang="en-GB" sz="1100" dirty="0">
+                <a:latin typeface="Courier 10 Pitch"/>
+              </a:rPr>
+              <a:t>Note that until this point we haven't mentioned </a:t>
+            </a:r>
+            <a:r>
+              <a:rPr lang="en-GB" sz="1100" dirty="0" err="1">
+                <a:latin typeface="Courier 10 Pitch"/>
+              </a:rPr>
+              <a:t>OSGi</a:t>
+            </a:r>
+            <a:r>
+              <a:rPr lang="en-GB" sz="1100" dirty="0">
+                <a:latin typeface="Courier 10 Pitch"/>
+              </a:rPr>
+              <a:t> at all (even </a:t>
+            </a:r>
+            <a:r>
+              <a:rPr lang="en-GB" sz="1100" dirty="0" err="1">
+                <a:latin typeface="Courier 10 Pitch"/>
+              </a:rPr>
+              <a:t>Liferay</a:t>
+            </a:r>
+            <a:r>
+              <a:rPr lang="en-GB" sz="1100" dirty="0">
+                <a:latin typeface="Courier 10 Pitch"/>
+              </a:rPr>
+              <a:t> neither ) ). General problems and a generic solutions</a:t>
+            </a:r>
+            <a:endParaRPr dirty="0"/>
           </a:p>
         </p:txBody>
       </p:sp>
     </p:spTree>
   </p:cSld>
+  <p:clrMapOvr>
+    <a:masterClrMapping/>
+  </p:clrMapOvr>
 </p:notes>
 </file>
 
-<file path=ppt/notesSlides/notesSlide3.xml><?xml version="1.0" encoding="utf-8"?>
-<p:notes xmlns:a="http://schemas.openxmlformats.org/drawingml/2006/main" xmlns:p="http://schemas.openxmlformats.org/presentationml/2006/main" xmlns:r="http://schemas.openxmlformats.org/officeDocument/2006/relationships">
+<file path=ppt/notesSlides/notesSlide4.xml><?xml version="1.0" encoding="utf-8"?>
+<p:notes xmlns:a="http://schemas.openxmlformats.org/drawingml/2006/main" xmlns:r="http://schemas.openxmlformats.org/officeDocument/2006/relationships" xmlns:p="http://schemas.openxmlformats.org/presentationml/2006/main">
   <p:cSld>
     <p:spTree>
       <p:nvGrpSpPr>
@@ -810,7 +1363,7 @@
       </p:grpSpPr>
       <p:sp>
         <p:nvSpPr>
-          <p:cNvPr id="121" name="PlaceHolder 1"/>
+          <p:cNvPr id="123" name="PlaceHolder 1"/>
           <p:cNvSpPr>
             <a:spLocks noGrp="1"/>
           </p:cNvSpPr>
@@ -828,23 +1381,221 @@
           </a:prstGeom>
         </p:spPr>
         <p:txBody>
-          <a:bodyPr bIns="0" lIns="0" rIns="0" tIns="0" wrap="none"/>
-          <a:p>
-            <a:r>
-              <a:rPr lang="en-GB" sz="1100"/>
-              <a:t>Following the idea of the previous slide we can do a quick overview of how complexity and cost are related in modular and monolithic systems.</a:t>
-            </a:r>
-            <a:endParaRPr/>
+          <a:bodyPr wrap="none" lIns="0" tIns="0" rIns="0" bIns="0"/>
+          <a:lstStyle/>
+          <a:p>
+            <a:r>
+              <a:rPr lang="en-GB" sz="1100" dirty="0">
+                <a:latin typeface="Courier 10 Pitch"/>
+              </a:rPr>
+              <a:t>The purpose of this slide is to do an extremely quick and general presentation about the main features of </a:t>
+            </a:r>
+            <a:r>
+              <a:rPr lang="en-GB" sz="1100" dirty="0" err="1">
+                <a:latin typeface="Courier 10 Pitch"/>
+              </a:rPr>
+              <a:t>OSGi</a:t>
+            </a:r>
+            <a:r>
+              <a:rPr lang="en-GB" sz="1100" dirty="0">
+                <a:latin typeface="Courier 10 Pitch"/>
+              </a:rPr>
+              <a:t>: what it is, main benefits</a:t>
+            </a:r>
+            <a:endParaRPr dirty="0"/>
+          </a:p>
+          <a:p>
+            <a:endParaRPr dirty="0"/>
+          </a:p>
+          <a:p>
+            <a:pPr>
+              <a:lnSpc>
+                <a:spcPct val="100000"/>
+              </a:lnSpc>
+            </a:pPr>
+            <a:r>
+              <a:rPr lang="en-GB" sz="1100" dirty="0">
+                <a:latin typeface="Courier 10 Pitch"/>
+              </a:rPr>
+              <a:t>– Reduce complexity developing bundles</a:t>
+            </a:r>
+            <a:endParaRPr dirty="0"/>
+          </a:p>
+          <a:p>
+            <a:pPr>
+              <a:lnSpc>
+                <a:spcPct val="100000"/>
+              </a:lnSpc>
+            </a:pPr>
+            <a:r>
+              <a:rPr lang="en-GB" sz="1100" dirty="0">
+                <a:latin typeface="Courier 10 Pitch"/>
+              </a:rPr>
+              <a:t>– Dynamism: Real world is dynamic; deal with it!</a:t>
+            </a:r>
+            <a:endParaRPr dirty="0"/>
+          </a:p>
+          <a:p>
+            <a:pPr>
+              <a:lnSpc>
+                <a:spcPct val="100000"/>
+              </a:lnSpc>
+            </a:pPr>
+            <a:r>
+              <a:rPr lang="en-GB" sz="1100" dirty="0">
+                <a:latin typeface="Courier 10 Pitch"/>
+              </a:rPr>
+              <a:t>– Deployment mechanism: determine how components are installed and managed</a:t>
+            </a:r>
+            <a:endParaRPr dirty="0"/>
+          </a:p>
+          <a:p>
+            <a:pPr>
+              <a:lnSpc>
+                <a:spcPct val="100000"/>
+              </a:lnSpc>
+            </a:pPr>
+            <a:r>
+              <a:rPr lang="en-GB" sz="1100" dirty="0">
+                <a:latin typeface="Courier 10 Pitch"/>
+              </a:rPr>
+              <a:t>– Dynamic </a:t>
+            </a:r>
+            <a:r>
+              <a:rPr lang="en-GB" sz="1100" dirty="0" err="1">
+                <a:latin typeface="Courier 10 Pitch"/>
+              </a:rPr>
+              <a:t>updates:do</a:t>
+            </a:r>
+            <a:r>
+              <a:rPr lang="en-GB" sz="1100" dirty="0">
+                <a:latin typeface="Courier 10 Pitch"/>
+              </a:rPr>
+              <a:t> not bring down the whole system</a:t>
+            </a:r>
+            <a:endParaRPr dirty="0"/>
+          </a:p>
+          <a:p>
+            <a:pPr>
+              <a:lnSpc>
+                <a:spcPct val="100000"/>
+              </a:lnSpc>
+            </a:pPr>
+            <a:r>
+              <a:rPr lang="en-GB" sz="1100" dirty="0">
+                <a:latin typeface="Courier 10 Pitch"/>
+              </a:rPr>
+              <a:t>– Versioning: multiple versions of the same component</a:t>
+            </a:r>
+            <a:endParaRPr dirty="0"/>
+          </a:p>
+          <a:p>
+            <a:pPr>
+              <a:lnSpc>
+                <a:spcPct val="100000"/>
+              </a:lnSpc>
+            </a:pPr>
+            <a:r>
+              <a:rPr lang="en-GB" sz="1100" dirty="0">
+                <a:latin typeface="Courier 10 Pitch"/>
+              </a:rPr>
+              <a:t>– Small and fast: about 300K jar file</a:t>
+            </a:r>
+            <a:endParaRPr dirty="0"/>
+          </a:p>
+          <a:p>
+            <a:pPr>
+              <a:lnSpc>
+                <a:spcPct val="100000"/>
+              </a:lnSpc>
+            </a:pPr>
+            <a:r>
+              <a:rPr lang="en-GB" sz="1100" dirty="0">
+                <a:latin typeface="Courier 10 Pitch"/>
+              </a:rPr>
+              <a:t>– Non intrusive: runs everywhere.</a:t>
+            </a:r>
+            <a:endParaRPr dirty="0"/>
+          </a:p>
+          <a:p>
+            <a:pPr>
+              <a:lnSpc>
+                <a:spcPct val="100000"/>
+              </a:lnSpc>
+            </a:pPr>
+            <a:r>
+              <a:rPr lang="en-GB" sz="1100" dirty="0">
+                <a:latin typeface="Courier 10 Pitch"/>
+              </a:rPr>
+              <a:t>– Widely used: Eclipse, Glassfish, </a:t>
+            </a:r>
+            <a:r>
+              <a:rPr lang="en-GB" sz="1100" dirty="0" err="1">
+                <a:latin typeface="Courier 10 Pitch"/>
+              </a:rPr>
+              <a:t>JBoss</a:t>
+            </a:r>
+            <a:r>
+              <a:rPr lang="en-GB" sz="1100" dirty="0">
+                <a:latin typeface="Courier 10 Pitch"/>
+              </a:rPr>
+              <a:t>, Virgo RT, . . </a:t>
+            </a:r>
+            <a:r>
+              <a:rPr lang="en-GB" sz="1100" dirty="0" smtClean="0">
+                <a:latin typeface="Courier 10 Pitch"/>
+              </a:rPr>
+              <a:t>.</a:t>
+            </a:r>
+          </a:p>
+          <a:p>
+            <a:pPr>
+              <a:lnSpc>
+                <a:spcPct val="100000"/>
+              </a:lnSpc>
+            </a:pPr>
+            <a:endParaRPr lang="en-GB" sz="1100" dirty="0" smtClean="0">
+              <a:latin typeface="Courier 10 Pitch"/>
+            </a:endParaRPr>
+          </a:p>
+          <a:p>
+            <a:pPr>
+              <a:lnSpc>
+                <a:spcPct val="100000"/>
+              </a:lnSpc>
+            </a:pPr>
+            <a:r>
+              <a:rPr lang="en-GB" sz="1100" dirty="0" smtClean="0">
+                <a:latin typeface="Courier 10 Pitch"/>
+              </a:rPr>
+              <a:t>One</a:t>
+            </a:r>
+            <a:r>
+              <a:rPr lang="en-GB" sz="1100" baseline="0" dirty="0" smtClean="0">
+                <a:latin typeface="Courier 10 Pitch"/>
+              </a:rPr>
+              <a:t> thing I want to highlight is that WE DON</a:t>
+            </a:r>
+            <a:r>
+              <a:rPr lang="en-GB" sz="1100" baseline="0" dirty="0" smtClean="0">
+                <a:latin typeface="Courier 10 Pitch"/>
+              </a:rPr>
+              <a:t>´T WANT to reinvent the wheel.</a:t>
+            </a:r>
+            <a:endParaRPr dirty="0"/>
           </a:p>
         </p:txBody>
       </p:sp>
     </p:spTree>
   </p:cSld>
+  <p:clrMapOvr>
+    <a:masterClrMapping/>
+  </p:clrMapOvr>
 </p:notes>
 </file>
 
-<file path=ppt/notesSlides/notesSlide4.xml><?xml version="1.0" encoding="utf-8"?>
-<p:notes xmlns:a="http://schemas.openxmlformats.org/drawingml/2006/main" xmlns:p="http://schemas.openxmlformats.org/presentationml/2006/main" xmlns:r="http://schemas.openxmlformats.org/officeDocument/2006/relationships">
+<file path=ppt/notesSlides/notesSlide5.xml><?xml version="1.0" encoding="utf-8"?>
+<p:notes xmlns:a="http://schemas.openxmlformats.org/drawingml/2006/main" xmlns:r="http://schemas.openxmlformats.org/officeDocument/2006/relationships" xmlns:p="http://schemas.openxmlformats.org/presentationml/2006/main">
   <p:cSld>
     <p:spTree>
       <p:nvGrpSpPr>
@@ -862,7 +1613,7 @@
       </p:grpSpPr>
       <p:sp>
         <p:nvSpPr>
-          <p:cNvPr id="122" name="PlaceHolder 1"/>
+          <p:cNvPr id="124" name="PlaceHolder 1"/>
           <p:cNvSpPr>
             <a:spLocks noGrp="1"/>
           </p:cNvSpPr>
@@ -873,28 +1624,38 @@
         <p:spPr>
           <a:xfrm>
             <a:off x="756000" y="5078520"/>
-            <a:ext cx="6046920" cy="4810680"/>
-          </a:xfrm>
-          <a:prstGeom prst="rect">
-            <a:avLst/>
-          </a:prstGeom>
-        </p:spPr>
-        <p:txBody>
-          <a:bodyPr bIns="0" lIns="0" rIns="0" tIns="0" wrap="none"/>
+            <a:ext cx="6046920" cy="4810320"/>
+          </a:xfrm>
+          <a:prstGeom prst="rect">
+            <a:avLst/>
+          </a:prstGeom>
+        </p:spPr>
+        <p:txBody>
+          <a:bodyPr wrap="none" lIns="0" tIns="0" rIns="0" bIns="0"/>
+          <a:lstStyle/>
+          <a:p>
+            <a:r>
+              <a:rPr lang="en-GB" sz="1100">
+                <a:latin typeface="Courier 10 Pitch"/>
+              </a:rPr>
+              <a:t>The goal of this slide is just to do a quick presentation of the global OSGi's architecture. A brief summary for every single layer should be enough </a:t>
+            </a:r>
+            <a:endParaRPr/>
+          </a:p>
+          <a:p>
+            <a:endParaRPr/>
+          </a:p>
           <a:p>
             <a:pPr>
               <a:lnSpc>
                 <a:spcPct val="100000"/>
               </a:lnSpc>
-              <a:buSzPct val="25000"/>
-              <a:buFont typeface="StarSymbol"/>
-              <a:buChar char="l"/>
             </a:pPr>
             <a:r>
               <a:rPr lang="en-GB" sz="1100">
                 <a:latin typeface="Courier 10 Pitch"/>
               </a:rPr>
-              <a:t>The goal of this slide is to bring up some of the benefits that modularity give us. The idea is to highlight two kind of benefits: the internals ones, for us, and the external ones, for our developers/users</a:t>
+              <a:t>– Bundles:OSGI components</a:t>
             </a:r>
             <a:endParaRPr/>
           </a:p>
@@ -904,6 +1665,12 @@
                 <a:spcPct val="100000"/>
               </a:lnSpc>
             </a:pPr>
+            <a:r>
+              <a:rPr lang="en-GB" sz="1100">
+                <a:latin typeface="Courier 10 Pitch"/>
+              </a:rPr>
+              <a:t>– Services:Connecting in a dynamic way. POJOs.</a:t>
+            </a:r>
             <a:endParaRPr/>
           </a:p>
           <a:p>
@@ -911,15 +1678,12 @@
               <a:lnSpc>
                 <a:spcPct val="100000"/>
               </a:lnSpc>
-              <a:buSzPct val="25000"/>
-              <a:buFont typeface="StarSymbol"/>
-              <a:buChar char="l"/>
             </a:pPr>
             <a:r>
               <a:rPr lang="en-GB" sz="1100">
                 <a:latin typeface="Courier 10 Pitch"/>
               </a:rPr>
-              <a:t>For “inside” benefits:</a:t>
+              <a:t>– Life-cycle:How to install, start, stop, update and uninstall bundles</a:t>
             </a:r>
             <a:endParaRPr/>
           </a:p>
@@ -929,6 +1693,12 @@
                 <a:spcPct val="100000"/>
               </a:lnSpc>
             </a:pPr>
+            <a:r>
+              <a:rPr lang="en-GB" sz="1100">
+                <a:latin typeface="Courier 10 Pitch"/>
+              </a:rPr>
+              <a:t>– Modules: About encapsulating and importing/exporting code</a:t>
+            </a:r>
             <a:endParaRPr/>
           </a:p>
           <a:p>
@@ -936,21 +1706,12 @@
               <a:lnSpc>
                 <a:spcPct val="100000"/>
               </a:lnSpc>
-              <a:buSzPct val="25000"/>
-              <a:buFont typeface="StarSymbol"/>
-              <a:buChar char="l"/>
             </a:pPr>
             <a:r>
               <a:rPr lang="en-GB" sz="1100">
                 <a:latin typeface="Courier 10 Pitch"/>
               </a:rPr>
-              <a:t>– </a:t>
-            </a:r>
-            <a:r>
-              <a:rPr lang="en-GB" sz="1100">
-                <a:latin typeface="Courier 10 Pitch"/>
-              </a:rPr>
-              <a:t>Decoupled and highly focused components</a:t>
+              <a:t>– Security: All aspects related to security</a:t>
             </a:r>
             <a:endParaRPr/>
           </a:p>
@@ -959,311 +1720,12 @@
               <a:lnSpc>
                 <a:spcPct val="100000"/>
               </a:lnSpc>
-              <a:buSzPct val="25000"/>
-              <a:buFont typeface="StarSymbol"/>
-              <a:buChar char="l"/>
             </a:pPr>
             <a:r>
               <a:rPr lang="en-GB" sz="1100">
                 <a:latin typeface="Courier 10 Pitch"/>
               </a:rPr>
-              <a:t>– </a:t>
-            </a:r>
-            <a:r>
-              <a:rPr lang="en-GB" sz="1100">
-                <a:latin typeface="Courier 10 Pitch"/>
-              </a:rPr>
-              <a:t>Easier development process</a:t>
-            </a:r>
-            <a:endParaRPr/>
-          </a:p>
-          <a:p>
-            <a:pPr>
-              <a:lnSpc>
-                <a:spcPct val="100000"/>
-              </a:lnSpc>
-              <a:buSzPct val="25000"/>
-              <a:buFont typeface="StarSymbol"/>
-              <a:buChar char="l"/>
-            </a:pPr>
-            <a:r>
-              <a:rPr lang="en-GB" sz="1100">
-                <a:latin typeface="Courier 10 Pitch"/>
-              </a:rPr>
-              <a:t>– </a:t>
-            </a:r>
-            <a:r>
-              <a:rPr lang="en-GB" sz="1100">
-                <a:latin typeface="Courier 10 Pitch"/>
-              </a:rPr>
-              <a:t>Simplify current implementations/patterns</a:t>
-            </a:r>
-            <a:endParaRPr/>
-          </a:p>
-          <a:p>
-            <a:pPr>
-              <a:lnSpc>
-                <a:spcPct val="100000"/>
-              </a:lnSpc>
-              <a:buSzPct val="25000"/>
-              <a:buFont typeface="StarSymbol"/>
-              <a:buChar char="l"/>
-            </a:pPr>
-            <a:r>
-              <a:rPr lang="en-GB" sz="1100">
-                <a:latin typeface="Courier 10 Pitch"/>
-              </a:rPr>
-              <a:t>– </a:t>
-            </a:r>
-            <a:r>
-              <a:rPr lang="en-GB" sz="1100">
-                <a:latin typeface="Courier 10 Pitch"/>
-              </a:rPr>
-              <a:t>Easier to implement new features</a:t>
-            </a:r>
-            <a:endParaRPr/>
-          </a:p>
-          <a:p>
-            <a:pPr>
-              <a:lnSpc>
-                <a:spcPct val="100000"/>
-              </a:lnSpc>
-              <a:buSzPct val="25000"/>
-              <a:buFont typeface="StarSymbol"/>
-              <a:buChar char="l"/>
-            </a:pPr>
-            <a:r>
-              <a:rPr lang="en-GB" sz="1100">
-                <a:latin typeface="Courier 10 Pitch"/>
-              </a:rPr>
-              <a:t>– </a:t>
-            </a:r>
-            <a:r>
-              <a:rPr lang="en-GB" sz="1100">
-                <a:latin typeface="Courier 10 Pitch"/>
-              </a:rPr>
-              <a:t>Highly focused teams</a:t>
-            </a:r>
-            <a:endParaRPr/>
-          </a:p>
-          <a:p>
-            <a:pPr>
-              <a:lnSpc>
-                <a:spcPct val="100000"/>
-              </a:lnSpc>
-              <a:buSzPct val="25000"/>
-              <a:buFont typeface="StarSymbol"/>
-              <a:buChar char="l"/>
-            </a:pPr>
-            <a:r>
-              <a:rPr lang="en-GB" sz="1100">
-                <a:latin typeface="Courier 10 Pitch"/>
-              </a:rPr>
-              <a:t>– </a:t>
-            </a:r>
-            <a:r>
-              <a:rPr lang="en-GB" sz="1100">
-                <a:latin typeface="Courier 10 Pitch"/>
-              </a:rPr>
-              <a:t>Easier distributed development</a:t>
-            </a:r>
-            <a:endParaRPr/>
-          </a:p>
-          <a:p>
-            <a:pPr>
-              <a:lnSpc>
-                <a:spcPct val="100000"/>
-              </a:lnSpc>
-            </a:pPr>
-            <a:endParaRPr/>
-          </a:p>
-          <a:p>
-            <a:pPr>
-              <a:lnSpc>
-                <a:spcPct val="100000"/>
-              </a:lnSpc>
-              <a:buSzPct val="25000"/>
-              <a:buFont typeface="StarSymbol"/>
-              <a:buChar char="l"/>
-            </a:pPr>
-            <a:r>
-              <a:rPr lang="en-GB" sz="1100">
-                <a:latin typeface="Courier 10 Pitch"/>
-              </a:rPr>
-              <a:t>For “outside” benefits:</a:t>
-            </a:r>
-            <a:endParaRPr/>
-          </a:p>
-          <a:p>
-            <a:pPr>
-              <a:lnSpc>
-                <a:spcPct val="100000"/>
-              </a:lnSpc>
-            </a:pPr>
-            <a:endParaRPr/>
-          </a:p>
-          <a:p>
-            <a:pPr>
-              <a:lnSpc>
-                <a:spcPct val="100000"/>
-              </a:lnSpc>
-              <a:buSzPct val="25000"/>
-              <a:buFont typeface="StarSymbol"/>
-              <a:buChar char="l"/>
-            </a:pPr>
-            <a:r>
-              <a:rPr lang="en-GB" sz="1100">
-                <a:latin typeface="Courier 10 Pitch"/>
-              </a:rPr>
-              <a:t>– </a:t>
-            </a:r>
-            <a:r>
-              <a:rPr lang="en-GB" sz="1100">
-                <a:latin typeface="Courier 10 Pitch"/>
-              </a:rPr>
-              <a:t>More frequent delivery of new features or improvements</a:t>
-            </a:r>
-            <a:endParaRPr/>
-          </a:p>
-          <a:p>
-            <a:pPr>
-              <a:lnSpc>
-                <a:spcPct val="100000"/>
-              </a:lnSpc>
-              <a:buSzPct val="25000"/>
-              <a:buFont typeface="StarSymbol"/>
-              <a:buChar char="l"/>
-            </a:pPr>
-            <a:r>
-              <a:rPr lang="en-GB" sz="1100">
-                <a:latin typeface="Courier 10 Pitch"/>
-              </a:rPr>
-              <a:t>– </a:t>
-            </a:r>
-            <a:r>
-              <a:rPr lang="en-GB" sz="1100">
-                <a:latin typeface="Courier 10 Pitch"/>
-              </a:rPr>
-              <a:t>Less bugs due to higher degree of focus</a:t>
-            </a:r>
-            <a:endParaRPr/>
-          </a:p>
-          <a:p>
-            <a:pPr>
-              <a:lnSpc>
-                <a:spcPct val="100000"/>
-              </a:lnSpc>
-              <a:buSzPct val="25000"/>
-              <a:buFont typeface="StarSymbol"/>
-              <a:buChar char="l"/>
-            </a:pPr>
-            <a:r>
-              <a:rPr lang="en-GB" sz="1100">
-                <a:latin typeface="Courier 10 Pitch"/>
-              </a:rPr>
-              <a:t>– </a:t>
-            </a:r>
-            <a:r>
-              <a:rPr lang="en-GB" sz="1100">
-                <a:latin typeface="Courier 10 Pitch"/>
-              </a:rPr>
-              <a:t>Quicker and simpler delivery of patches for bugs and security issues</a:t>
-            </a:r>
-            <a:endParaRPr/>
-          </a:p>
-          <a:p>
-            <a:pPr>
-              <a:lnSpc>
-                <a:spcPct val="100000"/>
-              </a:lnSpc>
-              <a:buSzPct val="25000"/>
-              <a:buFont typeface="StarSymbol"/>
-              <a:buChar char="l"/>
-            </a:pPr>
-            <a:r>
-              <a:rPr lang="en-GB" sz="1100">
-                <a:latin typeface="Courier 10 Pitch"/>
-              </a:rPr>
-              <a:t>– </a:t>
-            </a:r>
-            <a:r>
-              <a:rPr lang="en-GB" sz="1100">
-                <a:latin typeface="Courier 10 Pitch"/>
-              </a:rPr>
-              <a:t>Robustness</a:t>
-            </a:r>
-            <a:endParaRPr/>
-          </a:p>
-          <a:p>
-            <a:pPr>
-              <a:lnSpc>
-                <a:spcPct val="100000"/>
-              </a:lnSpc>
-              <a:buSzPct val="25000"/>
-              <a:buFont typeface="StarSymbol"/>
-              <a:buChar char="l"/>
-            </a:pPr>
-            <a:r>
-              <a:rPr lang="en-GB" sz="1100">
-                <a:latin typeface="Courier 10 Pitch"/>
-              </a:rPr>
-              <a:t>– </a:t>
-            </a:r>
-            <a:r>
-              <a:rPr lang="en-GB" sz="1100">
-                <a:latin typeface="Courier 10 Pitch"/>
-              </a:rPr>
-              <a:t>Footprint</a:t>
-            </a:r>
-            <a:endParaRPr/>
-          </a:p>
-          <a:p>
-            <a:pPr>
-              <a:lnSpc>
-                <a:spcPct val="100000"/>
-              </a:lnSpc>
-            </a:pPr>
-            <a:endParaRPr/>
-          </a:p>
-          <a:p>
-            <a:pPr>
-              <a:lnSpc>
-                <a:spcPct val="100000"/>
-              </a:lnSpc>
-              <a:buSzPct val="25000"/>
-              <a:buFont typeface="StarSymbol"/>
-              <a:buChar char="l"/>
-            </a:pPr>
-            <a:r>
-              <a:rPr lang="en-GB" sz="1100">
-                <a:latin typeface="Courier 10 Pitch"/>
-              </a:rPr>
-              <a:t>At this point we have showed up some of the problems we are currently facing and how modularity can help us to solve many of them.</a:t>
-            </a:r>
-            <a:endParaRPr/>
-          </a:p>
-          <a:p>
-            <a:pPr>
-              <a:lnSpc>
-                <a:spcPct val="100000"/>
-              </a:lnSpc>
-            </a:pPr>
-            <a:endParaRPr/>
-          </a:p>
-          <a:p>
-            <a:pPr>
-              <a:lnSpc>
-                <a:spcPct val="100000"/>
-              </a:lnSpc>
-              <a:buSzPct val="25000"/>
-              <a:buFont typeface="StarSymbol"/>
-              <a:buChar char="l"/>
-            </a:pPr>
-            <a:r>
-              <a:rPr lang="en-GB" sz="1100">
-                <a:latin typeface="Courier 10 Pitch"/>
-              </a:rPr>
-              <a:t>Note that until this point we haven't mentioned OSGi at all (even Liferay neither ) ). General problems and a generic solutions</a:t>
+              <a:t>– Execution environment: What methods and classes are available</a:t>
             </a:r>
             <a:endParaRPr/>
           </a:p>
@@ -1271,11 +1733,14 @@
       </p:sp>
     </p:spTree>
   </p:cSld>
+  <p:clrMapOvr>
+    <a:masterClrMapping/>
+  </p:clrMapOvr>
 </p:notes>
 </file>
 
-<file path=ppt/notesSlides/notesSlide5.xml><?xml version="1.0" encoding="utf-8"?>
-<p:notes xmlns:a="http://schemas.openxmlformats.org/drawingml/2006/main" xmlns:p="http://schemas.openxmlformats.org/presentationml/2006/main" xmlns:r="http://schemas.openxmlformats.org/officeDocument/2006/relationships">
+<file path=ppt/notesSlides/notesSlide6.xml><?xml version="1.0" encoding="utf-8"?>
+<p:notes xmlns:a="http://schemas.openxmlformats.org/drawingml/2006/main" xmlns:r="http://schemas.openxmlformats.org/officeDocument/2006/relationships" xmlns:p="http://schemas.openxmlformats.org/presentationml/2006/main">
   <p:cSld>
     <p:spTree>
       <p:nvGrpSpPr>
@@ -1293,7 +1758,7 @@
       </p:grpSpPr>
       <p:sp>
         <p:nvSpPr>
-          <p:cNvPr id="123" name="PlaceHolder 1"/>
+          <p:cNvPr id="125" name="PlaceHolder 1"/>
           <p:cNvSpPr>
             <a:spLocks noGrp="1"/>
           </p:cNvSpPr>
@@ -1311,176 +1776,12 @@
           </a:prstGeom>
         </p:spPr>
         <p:txBody>
-          <a:bodyPr bIns="0" lIns="0" rIns="0" tIns="0" wrap="none"/>
-          <a:p>
-            <a:r>
-              <a:rPr lang="en-GB" sz="1100">
-                <a:latin typeface="Courier 10 Pitch"/>
-              </a:rPr>
-              <a:t>The purpose of this slide is to do an extremely quick and general presentation about the main features of OSGi: what it is, main benefits</a:t>
-            </a:r>
-            <a:endParaRPr/>
-          </a:p>
-          <a:p>
-            <a:endParaRPr/>
-          </a:p>
-          <a:p>
-            <a:pPr>
-              <a:lnSpc>
-                <a:spcPct val="100000"/>
-              </a:lnSpc>
-            </a:pPr>
-            <a:r>
-              <a:rPr lang="en-GB" sz="1100">
-                <a:latin typeface="Courier 10 Pitch"/>
-              </a:rPr>
-              <a:t>– </a:t>
-            </a:r>
-            <a:r>
-              <a:rPr lang="en-GB" sz="1100">
-                <a:latin typeface="Courier 10 Pitch"/>
-              </a:rPr>
-              <a:t>Reduce complexity developing bundles</a:t>
-            </a:r>
-            <a:endParaRPr/>
-          </a:p>
-          <a:p>
-            <a:pPr>
-              <a:lnSpc>
-                <a:spcPct val="100000"/>
-              </a:lnSpc>
-            </a:pPr>
-            <a:r>
-              <a:rPr lang="en-GB" sz="1100">
-                <a:latin typeface="Courier 10 Pitch"/>
-              </a:rPr>
-              <a:t>– </a:t>
-            </a:r>
-            <a:r>
-              <a:rPr lang="en-GB" sz="1100">
-                <a:latin typeface="Courier 10 Pitch"/>
-              </a:rPr>
-              <a:t>Dynamism: Real world is dynamic; deal with it!</a:t>
-            </a:r>
-            <a:endParaRPr/>
-          </a:p>
-          <a:p>
-            <a:pPr>
-              <a:lnSpc>
-                <a:spcPct val="100000"/>
-              </a:lnSpc>
-            </a:pPr>
-            <a:r>
-              <a:rPr lang="en-GB" sz="1100">
-                <a:latin typeface="Courier 10 Pitch"/>
-              </a:rPr>
-              <a:t>– </a:t>
-            </a:r>
-            <a:r>
-              <a:rPr lang="en-GB" sz="1100">
-                <a:latin typeface="Courier 10 Pitch"/>
-              </a:rPr>
-              <a:t>Deployment mechanism: determine how components are installed and managed</a:t>
-            </a:r>
-            <a:endParaRPr/>
-          </a:p>
-          <a:p>
-            <a:pPr>
-              <a:lnSpc>
-                <a:spcPct val="100000"/>
-              </a:lnSpc>
-            </a:pPr>
-            <a:r>
-              <a:rPr lang="en-GB" sz="1100">
-                <a:latin typeface="Courier 10 Pitch"/>
-              </a:rPr>
-              <a:t>– </a:t>
-            </a:r>
-            <a:r>
-              <a:rPr lang="en-GB" sz="1100">
-                <a:latin typeface="Courier 10 Pitch"/>
-              </a:rPr>
-              <a:t>Dynamic updates:do not bring down the whole system</a:t>
-            </a:r>
-            <a:endParaRPr/>
-          </a:p>
-          <a:p>
-            <a:pPr>
-              <a:lnSpc>
-                <a:spcPct val="100000"/>
-              </a:lnSpc>
-            </a:pPr>
-            <a:r>
-              <a:rPr lang="en-GB" sz="1100">
-                <a:latin typeface="Courier 10 Pitch"/>
-              </a:rPr>
-              <a:t>– </a:t>
-            </a:r>
-            <a:r>
-              <a:rPr lang="en-GB" sz="1100">
-                <a:latin typeface="Courier 10 Pitch"/>
-              </a:rPr>
-              <a:t>Versioning: multiple versions of the same component</a:t>
-            </a:r>
-            <a:endParaRPr/>
-          </a:p>
-          <a:p>
-            <a:pPr>
-              <a:lnSpc>
-                <a:spcPct val="100000"/>
-              </a:lnSpc>
-            </a:pPr>
-            <a:r>
-              <a:rPr lang="en-GB" sz="1100">
-                <a:latin typeface="Courier 10 Pitch"/>
-              </a:rPr>
-              <a:t>– </a:t>
-            </a:r>
-            <a:r>
-              <a:rPr lang="en-GB" sz="1100">
-                <a:latin typeface="Courier 10 Pitch"/>
-              </a:rPr>
-              <a:t>Small and fast: about 300K jar file</a:t>
-            </a:r>
-            <a:endParaRPr/>
-          </a:p>
-          <a:p>
-            <a:pPr>
-              <a:lnSpc>
-                <a:spcPct val="100000"/>
-              </a:lnSpc>
-            </a:pPr>
-            <a:r>
-              <a:rPr lang="en-GB" sz="1100">
-                <a:latin typeface="Courier 10 Pitch"/>
-              </a:rPr>
-              <a:t>– </a:t>
-            </a:r>
-            <a:r>
-              <a:rPr lang="en-GB" sz="1100">
-                <a:latin typeface="Courier 10 Pitch"/>
-              </a:rPr>
-              <a:t>Non intrusive: runs everywhere.</a:t>
-            </a:r>
-            <a:endParaRPr/>
-          </a:p>
-          <a:p>
-            <a:pPr>
-              <a:lnSpc>
-                <a:spcPct val="100000"/>
-              </a:lnSpc>
-            </a:pPr>
-            <a:r>
-              <a:rPr lang="en-GB" sz="1100">
-                <a:latin typeface="Courier 10 Pitch"/>
-              </a:rPr>
-              <a:t>– </a:t>
-            </a:r>
-            <a:r>
-              <a:rPr lang="en-GB" sz="1100">
-                <a:latin typeface="Courier 10 Pitch"/>
-              </a:rPr>
-              <a:t>Widely used: Eclipse, Glassfish, JBoss, Virgo RT, . . .</a:t>
+          <a:bodyPr wrap="none" lIns="0" tIns="0" rIns="0" bIns="0"/>
+          <a:lstStyle/>
+          <a:p>
+            <a:r>
+              <a:rPr lang="en-GB"/>
+              <a:t>Just a quick tour over the new Lifecycle we can get for free</a:t>
             </a:r>
             <a:endParaRPr/>
           </a:p>
@@ -1488,11 +1789,14 @@
       </p:sp>
     </p:spTree>
   </p:cSld>
+  <p:clrMapOvr>
+    <a:masterClrMapping/>
+  </p:clrMapOvr>
 </p:notes>
 </file>
 
-<file path=ppt/notesSlides/notesSlide6.xml><?xml version="1.0" encoding="utf-8"?>
-<p:notes xmlns:a="http://schemas.openxmlformats.org/drawingml/2006/main" xmlns:p="http://schemas.openxmlformats.org/presentationml/2006/main" xmlns:r="http://schemas.openxmlformats.org/officeDocument/2006/relationships">
+<file path=ppt/notesSlides/notesSlide7.xml><?xml version="1.0" encoding="utf-8"?>
+<p:notes xmlns:a="http://schemas.openxmlformats.org/drawingml/2006/main" xmlns:r="http://schemas.openxmlformats.org/officeDocument/2006/relationships" xmlns:p="http://schemas.openxmlformats.org/presentationml/2006/main">
   <p:cSld>
     <p:spTree>
       <p:nvGrpSpPr>
@@ -1510,7 +1814,7 @@
       </p:grpSpPr>
       <p:sp>
         <p:nvSpPr>
-          <p:cNvPr id="124" name="PlaceHolder 1"/>
+          <p:cNvPr id="126" name="PlaceHolder 1"/>
           <p:cNvSpPr>
             <a:spLocks noGrp="1"/>
           </p:cNvSpPr>
@@ -1520,26 +1824,48 @@
         </p:nvSpPr>
         <p:spPr>
           <a:xfrm>
-            <a:off x="756000" y="5078520"/>
-            <a:ext cx="6046920" cy="4810320"/>
-          </a:xfrm>
-          <a:prstGeom prst="rect">
-            <a:avLst/>
-          </a:prstGeom>
-        </p:spPr>
-        <p:txBody>
-          <a:bodyPr bIns="0" lIns="0" rIns="0" tIns="0" wrap="none"/>
-          <a:p>
-            <a:r>
-              <a:rPr lang="en-GB" sz="1100">
-                <a:latin typeface="Courier 10 Pitch"/>
-              </a:rPr>
-              <a:t>The goal of this slide is just to do a quick presentation of the global OSGi's architecture. A brief summary for every single layer should be enough </a:t>
-            </a:r>
-            <a:endParaRPr/>
-          </a:p>
-          <a:p>
-            <a:endParaRPr/>
+            <a:off x="648720" y="360000"/>
+            <a:ext cx="6046920" cy="9791640"/>
+          </a:xfrm>
+          <a:prstGeom prst="rect">
+            <a:avLst/>
+          </a:prstGeom>
+        </p:spPr>
+        <p:txBody>
+          <a:bodyPr wrap="none" lIns="0" tIns="0" rIns="0" bIns="0"/>
+          <a:lstStyle/>
+          <a:p>
+            <a:r>
+              <a:rPr lang="en-GB" dirty="0"/>
+              <a:t>The goal is to present how we have tried to apply all the previous concepts to the </a:t>
+            </a:r>
+            <a:r>
+              <a:rPr lang="en-GB" dirty="0" err="1"/>
+              <a:t>Liferay</a:t>
+            </a:r>
+            <a:r>
+              <a:rPr lang="en-GB" dirty="0"/>
+              <a:t> </a:t>
+            </a:r>
+            <a:r>
+              <a:rPr lang="en-GB" dirty="0" err="1"/>
+              <a:t>plaform</a:t>
+            </a:r>
+            <a:r>
+              <a:rPr lang="en-GB" dirty="0"/>
+              <a:t> doing a brief summary of the general architecture of the solution. Something like this</a:t>
+            </a:r>
+            <a:endParaRPr dirty="0"/>
+          </a:p>
+          <a:p>
+            <a:endParaRPr dirty="0"/>
+          </a:p>
+          <a:p>
+            <a:r>
+              <a:rPr lang="en-GB" dirty="0"/>
+              <a:t>Embedded OSGI framework Ideally should be “agnostic”: Felix and Equinox are supported</a:t>
+            </a:r>
+            <a:endParaRPr dirty="0"/>
           </a:p>
           <a:p>
             <a:pPr>
@@ -1547,19 +1873,7 @@
                 <a:spcPct val="100000"/>
               </a:lnSpc>
             </a:pPr>
-            <a:r>
-              <a:rPr lang="en-GB" sz="1100">
-                <a:latin typeface="Courier 10 Pitch"/>
-              </a:rPr>
-              <a:t>– </a:t>
-            </a:r>
-            <a:r>
-              <a:rPr lang="en-GB" sz="1100">
-                <a:latin typeface="Courier 10 Pitch"/>
-              </a:rPr>
-              <a:t>Bundles:OSGI components</a:t>
-            </a:r>
-            <a:endParaRPr/>
+            <a:endParaRPr dirty="0"/>
           </a:p>
           <a:p>
             <a:pPr>
@@ -1568,18 +1882,10 @@
               </a:lnSpc>
             </a:pPr>
             <a:r>
-              <a:rPr lang="en-GB" sz="1100">
-                <a:latin typeface="Courier 10 Pitch"/>
-              </a:rPr>
-              <a:t>– </a:t>
-            </a:r>
-            <a:r>
-              <a:rPr lang="en-GB" sz="1100">
-                <a:latin typeface="Courier 10 Pitch"/>
-              </a:rPr>
-              <a:t>Services:Connecting in a dynamic way. POJOs.</a:t>
-            </a:r>
-            <a:endParaRPr/>
+              <a:rPr lang="en-GB" dirty="0"/>
+              <a:t>HTTP Service implementation</a:t>
+            </a:r>
+            <a:endParaRPr dirty="0"/>
           </a:p>
           <a:p>
             <a:pPr>
@@ -1587,19 +1893,7 @@
                 <a:spcPct val="100000"/>
               </a:lnSpc>
             </a:pPr>
-            <a:r>
-              <a:rPr lang="en-GB" sz="1100">
-                <a:latin typeface="Courier 10 Pitch"/>
-              </a:rPr>
-              <a:t>– </a:t>
-            </a:r>
-            <a:r>
-              <a:rPr lang="en-GB" sz="1100">
-                <a:latin typeface="Courier 10 Pitch"/>
-              </a:rPr>
-              <a:t>Life-cycle:How to install, start, stop, update and uninstall bundles</a:t>
-            </a:r>
-            <a:endParaRPr/>
+            <a:endParaRPr dirty="0"/>
           </a:p>
           <a:p>
             <a:pPr>
@@ -1608,18 +1902,10 @@
               </a:lnSpc>
             </a:pPr>
             <a:r>
-              <a:rPr lang="en-GB" sz="1100">
-                <a:latin typeface="Courier 10 Pitch"/>
-              </a:rPr>
-              <a:t>– </a:t>
-            </a:r>
-            <a:r>
-              <a:rPr lang="en-GB" sz="1100">
-                <a:latin typeface="Courier 10 Pitch"/>
-              </a:rPr>
-              <a:t>Modules: About encapsulating and importing/exporting code</a:t>
-            </a:r>
-            <a:endParaRPr/>
+              <a:rPr lang="en-GB" dirty="0"/>
+              <a:t>Backwards compatible</a:t>
+            </a:r>
+            <a:endParaRPr dirty="0"/>
           </a:p>
           <a:p>
             <a:pPr>
@@ -1627,19 +1913,7 @@
                 <a:spcPct val="100000"/>
               </a:lnSpc>
             </a:pPr>
-            <a:r>
-              <a:rPr lang="en-GB" sz="1100">
-                <a:latin typeface="Courier 10 Pitch"/>
-              </a:rPr>
-              <a:t>– </a:t>
-            </a:r>
-            <a:r>
-              <a:rPr lang="en-GB" sz="1100">
-                <a:latin typeface="Courier 10 Pitch"/>
-              </a:rPr>
-              <a:t>Security: All aspects related to security</a:t>
-            </a:r>
-            <a:endParaRPr/>
+            <a:endParaRPr dirty="0"/>
           </a:p>
           <a:p>
             <a:pPr>
@@ -1648,28 +1922,137 @@
               </a:lnSpc>
             </a:pPr>
             <a:r>
-              <a:rPr lang="en-GB" sz="1100">
-                <a:latin typeface="Courier 10 Pitch"/>
-              </a:rPr>
-              <a:t>– </a:t>
-            </a:r>
-            <a:r>
-              <a:rPr lang="en-GB" sz="1100">
-                <a:latin typeface="Courier 10 Pitch"/>
-              </a:rPr>
-              <a:t>Execution environment: What methods and classes are available</a:t>
-            </a:r>
-            <a:endParaRPr/>
+              <a:rPr lang="en-GB" dirty="0"/>
+              <a:t>Always </a:t>
+            </a:r>
+            <a:r>
+              <a:rPr lang="en-GB" dirty="0" smtClean="0"/>
+              <a:t>enabled</a:t>
+            </a:r>
+          </a:p>
+          <a:p>
+            <a:pPr>
+              <a:lnSpc>
+                <a:spcPct val="100000"/>
+              </a:lnSpc>
+            </a:pPr>
+            <a:endParaRPr lang="en-GB" dirty="0" smtClean="0"/>
+          </a:p>
+          <a:p>
+            <a:pPr>
+              <a:lnSpc>
+                <a:spcPct val="100000"/>
+              </a:lnSpc>
+            </a:pPr>
+            <a:r>
+              <a:rPr lang="en-GB" dirty="0" smtClean="0"/>
+              <a:t>Done</a:t>
+            </a:r>
+            <a:r>
+              <a:rPr lang="en-GB" baseline="0" dirty="0" smtClean="0"/>
+              <a:t> as plugins (except the embedded </a:t>
+            </a:r>
+            <a:r>
+              <a:rPr lang="en-GB" baseline="0" dirty="0" err="1" smtClean="0"/>
+              <a:t>OSGi</a:t>
+            </a:r>
+            <a:r>
+              <a:rPr lang="en-GB" baseline="0" dirty="0" smtClean="0"/>
+              <a:t> container) so it is completely non intrusive.</a:t>
+            </a:r>
+            <a:endParaRPr dirty="0"/>
+          </a:p>
+          <a:p>
+            <a:pPr>
+              <a:lnSpc>
+                <a:spcPct val="100000"/>
+              </a:lnSpc>
+            </a:pPr>
+            <a:endParaRPr dirty="0"/>
+          </a:p>
+          <a:p>
+            <a:pPr>
+              <a:lnSpc>
+                <a:spcPct val="100000"/>
+              </a:lnSpc>
+            </a:pPr>
+            <a:r>
+              <a:rPr lang="en-GB" dirty="0"/>
+              <a:t>The idea of this slide is to present the overall of the architecture built-in inside </a:t>
+            </a:r>
+            <a:r>
+              <a:rPr lang="en-GB" dirty="0" err="1"/>
+              <a:t>Liferay</a:t>
+            </a:r>
+            <a:r>
+              <a:rPr lang="en-GB" dirty="0"/>
+              <a:t> but without going too much deep in the stack (I tend to think most of the people gets bored when you go too deeper</a:t>
+            </a:r>
+            <a:r>
+              <a:rPr lang="en-GB" dirty="0" smtClean="0"/>
+              <a:t>)</a:t>
+            </a:r>
+          </a:p>
+          <a:p>
+            <a:pPr>
+              <a:lnSpc>
+                <a:spcPct val="100000"/>
+              </a:lnSpc>
+            </a:pPr>
+            <a:endParaRPr lang="en-GB" dirty="0" smtClean="0"/>
+          </a:p>
+          <a:p>
+            <a:pPr>
+              <a:lnSpc>
+                <a:spcPct val="100000"/>
+              </a:lnSpc>
+            </a:pPr>
+            <a:r>
+              <a:rPr lang="en-GB" dirty="0" smtClean="0"/>
+              <a:t>Make especial</a:t>
+            </a:r>
+            <a:r>
+              <a:rPr lang="en-GB" baseline="0" dirty="0" smtClean="0"/>
+              <a:t> emphasis on how we can benefits of the deployment aspects of this approach</a:t>
+            </a:r>
+            <a:endParaRPr dirty="0"/>
+          </a:p>
+          <a:p>
+            <a:pPr>
+              <a:lnSpc>
+                <a:spcPct val="100000"/>
+              </a:lnSpc>
+            </a:pPr>
+            <a:endParaRPr dirty="0"/>
+          </a:p>
+          <a:p>
+            <a:pPr>
+              <a:lnSpc>
+                <a:spcPct val="100000"/>
+              </a:lnSpc>
+            </a:pPr>
+            <a:endParaRPr dirty="0"/>
+          </a:p>
+          <a:p>
+            <a:pPr>
+              <a:lnSpc>
+                <a:spcPct val="100000"/>
+              </a:lnSpc>
+            </a:pPr>
+            <a:endParaRPr dirty="0"/>
           </a:p>
         </p:txBody>
       </p:sp>
     </p:spTree>
   </p:cSld>
+  <p:clrMapOvr>
+    <a:masterClrMapping/>
+  </p:clrMapOvr>
 </p:notes>
 </file>
 
-<file path=ppt/notesSlides/notesSlide7.xml><?xml version="1.0" encoding="utf-8"?>
-<p:notes xmlns:a="http://schemas.openxmlformats.org/drawingml/2006/main" xmlns:p="http://schemas.openxmlformats.org/presentationml/2006/main" xmlns:r="http://schemas.openxmlformats.org/officeDocument/2006/relationships">
+<file path=ppt/notesSlides/notesSlide8.xml><?xml version="1.0" encoding="utf-8"?>
+<p:notes xmlns:a="http://schemas.openxmlformats.org/drawingml/2006/main" xmlns:r="http://schemas.openxmlformats.org/officeDocument/2006/relationships" xmlns:p="http://schemas.openxmlformats.org/presentationml/2006/main">
   <p:cSld>
     <p:spTree>
       <p:nvGrpSpPr>
@@ -1687,7 +2070,7 @@
       </p:grpSpPr>
       <p:sp>
         <p:nvSpPr>
-          <p:cNvPr id="125" name="PlaceHolder 1"/>
+          <p:cNvPr id="127" name="PlaceHolder 1"/>
           <p:cNvSpPr>
             <a:spLocks noGrp="1"/>
           </p:cNvSpPr>
@@ -1697,31 +2080,220 @@
         </p:nvSpPr>
         <p:spPr>
           <a:xfrm>
-            <a:off x="756000" y="5078520"/>
-            <a:ext cx="6046920" cy="4810320"/>
-          </a:xfrm>
-          <a:prstGeom prst="rect">
-            <a:avLst/>
-          </a:prstGeom>
-        </p:spPr>
-        <p:txBody>
-          <a:bodyPr bIns="0" lIns="0" rIns="0" tIns="0" wrap="none"/>
-          <a:p>
-            <a:r>
-              <a:rPr lang="en-GB"/>
-              <a:t>Just a quick tour over the new Lifecycle we can get for free</a:t>
-            </a:r>
-            <a:endParaRPr/>
+            <a:off x="648720" y="360000"/>
+            <a:ext cx="6046920" cy="9791640"/>
+          </a:xfrm>
+          <a:prstGeom prst="rect">
+            <a:avLst/>
+          </a:prstGeom>
+        </p:spPr>
+        <p:txBody>
+          <a:bodyPr wrap="none" lIns="0" tIns="0" rIns="0" bIns="0"/>
+          <a:lstStyle/>
+          <a:p>
+            <a:r>
+              <a:rPr lang="en-GB" dirty="0"/>
+              <a:t>This is something Ray and I should discuss: I think many of the stuff mentioned have already been discussed but we should agree anyway :)</a:t>
+            </a:r>
+            <a:endParaRPr dirty="0"/>
+          </a:p>
+          <a:p>
+            <a:endParaRPr dirty="0"/>
+          </a:p>
+          <a:p>
+            <a:r>
+              <a:rPr lang="en-GB" dirty="0"/>
+              <a:t>– Put in place the JSP support once we have already done it. This will allow you to </a:t>
+            </a:r>
+            <a:r>
+              <a:rPr lang="en-GB" dirty="0" smtClean="0"/>
+              <a:t>write your</a:t>
+            </a:r>
+            <a:r>
+              <a:rPr lang="en-GB" baseline="0" dirty="0" smtClean="0"/>
+              <a:t> UI using the JSP: but right now you can already use other alternatives like </a:t>
+            </a:r>
+            <a:r>
+              <a:rPr lang="en-GB" baseline="0" dirty="0" err="1" smtClean="0"/>
+              <a:t>Vaadin</a:t>
+            </a:r>
+            <a:r>
+              <a:rPr lang="en-GB" baseline="0" dirty="0" smtClean="0"/>
+              <a:t> (perfect fit within </a:t>
+            </a:r>
+            <a:r>
+              <a:rPr lang="en-GB" baseline="0" dirty="0" err="1" smtClean="0"/>
+              <a:t>OSGi</a:t>
+            </a:r>
+            <a:r>
+              <a:rPr lang="en-GB" baseline="0" dirty="0" smtClean="0"/>
+              <a:t>), </a:t>
+            </a:r>
+            <a:r>
+              <a:rPr lang="en-GB" baseline="0" dirty="0" err="1" smtClean="0"/>
+              <a:t>Freemarker</a:t>
+            </a:r>
+            <a:r>
+              <a:rPr lang="en-GB" baseline="0" dirty="0" smtClean="0"/>
+              <a:t>,…</a:t>
+            </a:r>
+            <a:endParaRPr dirty="0"/>
+          </a:p>
+          <a:p>
+            <a:endParaRPr dirty="0"/>
+          </a:p>
+          <a:p>
+            <a:r>
+              <a:rPr lang="en-GB" dirty="0"/>
+              <a:t>– Trying to apply some of the concepts previously shown in the </a:t>
+            </a:r>
+            <a:r>
+              <a:rPr lang="en-GB" dirty="0" err="1"/>
+              <a:t>Liferay</a:t>
+            </a:r>
+            <a:r>
+              <a:rPr lang="en-GB" dirty="0"/>
+              <a:t> Core: </a:t>
+            </a:r>
+            <a:endParaRPr dirty="0"/>
+          </a:p>
+          <a:p>
+            <a:r>
+              <a:rPr lang="en-GB" dirty="0"/>
+              <a:t>    – Powerful registry mechanism;</a:t>
+            </a:r>
+            <a:endParaRPr dirty="0"/>
+          </a:p>
+          <a:p>
+            <a:r>
+              <a:rPr lang="en-GB" dirty="0"/>
+              <a:t>    – Easier extensibility and reuse of components</a:t>
+            </a:r>
+            <a:endParaRPr dirty="0"/>
+          </a:p>
+          <a:p>
+            <a:r>
+              <a:rPr lang="en-GB" dirty="0"/>
+              <a:t>    – Get all the benefits from having smaller components like: less bugs, easier to maintain/rewrite, focus, distributed teams, …</a:t>
+            </a:r>
+            <a:endParaRPr dirty="0"/>
+          </a:p>
+          <a:p>
+            <a:endParaRPr dirty="0"/>
+          </a:p>
+          <a:p>
+            <a:r>
+              <a:rPr lang="en-GB" dirty="0"/>
+              <a:t>Some of the features I would like to have:</a:t>
+            </a:r>
+            <a:endParaRPr dirty="0"/>
+          </a:p>
+          <a:p>
+            <a:r>
+              <a:rPr lang="en-GB" dirty="0"/>
+              <a:t>  </a:t>
+            </a:r>
+            <a:endParaRPr dirty="0"/>
+          </a:p>
+          <a:p>
+            <a:r>
+              <a:rPr lang="en-GB" dirty="0"/>
+              <a:t>– Small self-contained modules, so you can remove dependencies with the traditional big application servers</a:t>
+            </a:r>
+            <a:endParaRPr dirty="0"/>
+          </a:p>
+          <a:p>
+            <a:endParaRPr dirty="0"/>
+          </a:p>
+          <a:p>
+            <a:r>
+              <a:rPr lang="en-GB" dirty="0"/>
+              <a:t>– Previous point will allow us to get a huge increase of our architecture's versatility</a:t>
+            </a:r>
+            <a:endParaRPr dirty="0"/>
+          </a:p>
+          <a:p>
+            <a:endParaRPr dirty="0"/>
+          </a:p>
+          <a:p>
+            <a:r>
+              <a:rPr lang="en-GB" dirty="0"/>
+              <a:t>– The previous point will allow us to move </a:t>
+            </a:r>
+            <a:r>
+              <a:rPr lang="en-GB" dirty="0" err="1"/>
+              <a:t>Liferay's</a:t>
+            </a:r>
+            <a:r>
+              <a:rPr lang="en-GB" dirty="0"/>
+              <a:t> resiliency and scaling to the next point: horizontal scaling (distribution), applying some of the </a:t>
+            </a:r>
+            <a:r>
+              <a:rPr lang="en-GB" dirty="0" err="1"/>
+              <a:t>Hystrix</a:t>
+            </a:r>
+            <a:r>
+              <a:rPr lang="en-GB" dirty="0"/>
+              <a:t> concepts to our services, …</a:t>
+            </a:r>
+            <a:endParaRPr dirty="0"/>
+          </a:p>
+          <a:p>
+            <a:endParaRPr dirty="0"/>
+          </a:p>
+          <a:p>
+            <a:r>
+              <a:rPr lang="en-GB" dirty="0"/>
+              <a:t>– Many more … </a:t>
+            </a:r>
+            <a:r>
+              <a:rPr lang="en-GB" dirty="0" smtClean="0"/>
+              <a:t>we need to discuss</a:t>
+            </a:r>
+            <a:endParaRPr dirty="0"/>
+          </a:p>
+          <a:p>
+            <a:endParaRPr dirty="0"/>
+          </a:p>
+          <a:p>
+            <a:endParaRPr dirty="0"/>
+          </a:p>
+          <a:p>
+            <a:pPr>
+              <a:lnSpc>
+                <a:spcPct val="100000"/>
+              </a:lnSpc>
+            </a:pPr>
+            <a:endParaRPr dirty="0"/>
+          </a:p>
+          <a:p>
+            <a:pPr>
+              <a:lnSpc>
+                <a:spcPct val="100000"/>
+              </a:lnSpc>
+            </a:pPr>
+            <a:endParaRPr dirty="0"/>
+          </a:p>
+          <a:p>
+            <a:pPr>
+              <a:lnSpc>
+                <a:spcPct val="100000"/>
+              </a:lnSpc>
+            </a:pPr>
+            <a:endParaRPr dirty="0"/>
           </a:p>
         </p:txBody>
       </p:sp>
     </p:spTree>
   </p:cSld>
+  <p:clrMapOvr>
+    <a:masterClrMapping/>
+  </p:clrMapOvr>
 </p:notes>
 </file>
 
-<file path=ppt/notesSlides/notesSlide8.xml><?xml version="1.0" encoding="utf-8"?>
-<p:notes xmlns:a="http://schemas.openxmlformats.org/drawingml/2006/main" xmlns:p="http://schemas.openxmlformats.org/presentationml/2006/main" xmlns:r="http://schemas.openxmlformats.org/officeDocument/2006/relationships">
+<file path=ppt/notesSlides/notesSlide9.xml><?xml version="1.0" encoding="utf-8"?>
+<p:notes xmlns:a="http://schemas.openxmlformats.org/drawingml/2006/main" xmlns:r="http://schemas.openxmlformats.org/officeDocument/2006/relationships" xmlns:p="http://schemas.openxmlformats.org/presentationml/2006/main">
   <p:cSld>
     <p:spTree>
       <p:nvGrpSpPr>
@@ -1739,7 +2311,7 @@
       </p:grpSpPr>
       <p:sp>
         <p:nvSpPr>
-          <p:cNvPr id="126" name="PlaceHolder 1"/>
+          <p:cNvPr id="128" name="PlaceHolder 1"/>
           <p:cNvSpPr>
             <a:spLocks noGrp="1"/>
           </p:cNvSpPr>
@@ -1757,350 +2329,111 @@
           </a:prstGeom>
         </p:spPr>
         <p:txBody>
-          <a:bodyPr bIns="0" lIns="0" rIns="0" tIns="0" wrap="none"/>
-          <a:p>
-            <a:r>
-              <a:rPr lang="en-GB"/>
-              <a:t>The goal is to present how we have tried to apply all the previous concepts to the Liferay plaform doing a brief summary of the general architecture of the solution. Something like this</a:t>
-            </a:r>
-            <a:endParaRPr/>
-          </a:p>
-          <a:p>
-            <a:endParaRPr/>
-          </a:p>
-          <a:p>
-            <a:r>
-              <a:rPr lang="en-GB"/>
-              <a:t>Embedded OSGI framework Ideally should be “agnostic”: Felix and Equinox are supported</a:t>
-            </a:r>
-            <a:endParaRPr/>
-          </a:p>
-          <a:p>
-            <a:pPr>
-              <a:lnSpc>
-                <a:spcPct val="100000"/>
-              </a:lnSpc>
-            </a:pPr>
-            <a:endParaRPr/>
-          </a:p>
-          <a:p>
-            <a:pPr>
-              <a:lnSpc>
-                <a:spcPct val="100000"/>
-              </a:lnSpc>
-            </a:pPr>
-            <a:r>
-              <a:rPr lang="en-GB"/>
-              <a:t>HTTP Service implementation</a:t>
-            </a:r>
-            <a:endParaRPr/>
-          </a:p>
-          <a:p>
-            <a:pPr>
-              <a:lnSpc>
-                <a:spcPct val="100000"/>
-              </a:lnSpc>
-            </a:pPr>
-            <a:endParaRPr/>
-          </a:p>
-          <a:p>
-            <a:pPr>
-              <a:lnSpc>
-                <a:spcPct val="100000"/>
-              </a:lnSpc>
-            </a:pPr>
-            <a:r>
-              <a:rPr lang="en-GB"/>
-              <a:t>Backwards compatible</a:t>
-            </a:r>
-            <a:endParaRPr/>
-          </a:p>
-          <a:p>
-            <a:pPr>
-              <a:lnSpc>
-                <a:spcPct val="100000"/>
-              </a:lnSpc>
-            </a:pPr>
-            <a:endParaRPr/>
-          </a:p>
-          <a:p>
-            <a:pPr>
-              <a:lnSpc>
-                <a:spcPct val="100000"/>
-              </a:lnSpc>
-            </a:pPr>
-            <a:r>
-              <a:rPr lang="en-GB"/>
-              <a:t>Always enabled</a:t>
-            </a:r>
-            <a:endParaRPr/>
-          </a:p>
-          <a:p>
-            <a:pPr>
-              <a:lnSpc>
-                <a:spcPct val="100000"/>
-              </a:lnSpc>
-            </a:pPr>
-            <a:endParaRPr/>
-          </a:p>
-          <a:p>
-            <a:pPr>
-              <a:lnSpc>
-                <a:spcPct val="100000"/>
-              </a:lnSpc>
-            </a:pPr>
-            <a:r>
-              <a:rPr lang="en-GB"/>
-              <a:t>The idea of this slide is to present the overall of the architecture built-in inside Liferay but without going too much deep in the stack (I tend to think most of the people gets bored when you go too deeper)</a:t>
-            </a:r>
-            <a:endParaRPr/>
-          </a:p>
-          <a:p>
-            <a:pPr>
-              <a:lnSpc>
-                <a:spcPct val="100000"/>
-              </a:lnSpc>
-            </a:pPr>
-            <a:endParaRPr/>
-          </a:p>
-          <a:p>
-            <a:pPr>
-              <a:lnSpc>
-                <a:spcPct val="100000"/>
-              </a:lnSpc>
-            </a:pPr>
-            <a:endParaRPr/>
-          </a:p>
-          <a:p>
-            <a:pPr>
-              <a:lnSpc>
-                <a:spcPct val="100000"/>
-              </a:lnSpc>
-            </a:pPr>
-            <a:endParaRPr/>
+          <a:bodyPr wrap="none" lIns="0" tIns="0" rIns="0" bIns="0"/>
+          <a:lstStyle/>
+          <a:p>
+            <a:r>
+              <a:rPr lang="en-GB" dirty="0"/>
+              <a:t>Hands-on on how to write some example applications:</a:t>
+            </a:r>
+            <a:endParaRPr dirty="0"/>
+          </a:p>
+          <a:p>
+            <a:endParaRPr dirty="0"/>
+          </a:p>
+          <a:p>
+            <a:r>
+              <a:rPr lang="en-GB" dirty="0"/>
+              <a:t>We can use some of the apps we have already </a:t>
+            </a:r>
+            <a:r>
+              <a:rPr lang="en-GB" dirty="0" err="1"/>
+              <a:t>builtin</a:t>
+            </a:r>
+            <a:r>
+              <a:rPr lang="en-GB" dirty="0"/>
+              <a:t> since, IMHO, they can be used for teaching purposes.</a:t>
+            </a:r>
+            <a:endParaRPr dirty="0"/>
+          </a:p>
+          <a:p>
+            <a:endParaRPr dirty="0"/>
+          </a:p>
+          <a:p>
+            <a:r>
+              <a:rPr lang="en-GB" dirty="0"/>
+              <a:t>This will help us not only to show how write the apps but to show the current abilities of the Plugins SDK related with all this new </a:t>
+            </a:r>
+            <a:r>
+              <a:rPr lang="en-GB" dirty="0" smtClean="0"/>
+              <a:t>stuff</a:t>
+            </a:r>
+          </a:p>
+          <a:p>
+            <a:endParaRPr lang="en-GB" dirty="0" smtClean="0"/>
+          </a:p>
+          <a:p>
+            <a:r>
+              <a:rPr lang="en-GB" dirty="0" smtClean="0"/>
+              <a:t>My idea;</a:t>
+            </a:r>
+          </a:p>
+          <a:p>
+            <a:endParaRPr lang="en-GB" dirty="0" smtClean="0"/>
+          </a:p>
+          <a:p>
+            <a:r>
+              <a:rPr lang="en-GB" dirty="0" smtClean="0"/>
+              <a:t>Show</a:t>
+            </a:r>
+            <a:r>
+              <a:rPr lang="en-GB" baseline="0" dirty="0" smtClean="0"/>
+              <a:t> the metrics application in order to expose how you can modularize your application</a:t>
+            </a:r>
+          </a:p>
+          <a:p>
+            <a:r>
+              <a:rPr lang="en-GB" baseline="0" dirty="0" smtClean="0"/>
+              <a:t>Show how to write a new command for the console</a:t>
+            </a:r>
+          </a:p>
+          <a:p>
+            <a:r>
+              <a:rPr lang="en-GB" baseline="0" dirty="0" smtClean="0"/>
+              <a:t>Build a new hook (</a:t>
+            </a:r>
+            <a:r>
+              <a:rPr lang="en-GB" baseline="0" dirty="0" err="1" smtClean="0"/>
+              <a:t>OSGi</a:t>
+            </a:r>
+            <a:r>
+              <a:rPr lang="en-GB" baseline="0" dirty="0" smtClean="0"/>
+              <a:t> based of course </a:t>
+            </a:r>
+            <a:r>
+              <a:rPr lang="en-GB" baseline="0" dirty="0" smtClean="0">
+                <a:sym typeface="Wingdings"/>
+              </a:rPr>
+              <a:t> </a:t>
+            </a:r>
+            <a:r>
+              <a:rPr lang="en-GB" baseline="0" dirty="0" smtClean="0"/>
+              <a:t>)</a:t>
+            </a:r>
+            <a:endParaRPr dirty="0"/>
           </a:p>
         </p:txBody>
       </p:sp>
     </p:spTree>
   </p:cSld>
-</p:notes>
-</file>
-
-<file path=ppt/notesSlides/notesSlide9.xml><?xml version="1.0" encoding="utf-8"?>
-<p:notes xmlns:a="http://schemas.openxmlformats.org/drawingml/2006/main" xmlns:p="http://schemas.openxmlformats.org/presentationml/2006/main" xmlns:r="http://schemas.openxmlformats.org/officeDocument/2006/relationships">
-  <p:cSld>
-    <p:spTree>
-      <p:nvGrpSpPr>
-        <p:cNvPr id="1" name=""/>
-        <p:cNvGrpSpPr/>
-        <p:nvPr/>
-      </p:nvGrpSpPr>
-      <p:grpSpPr>
-        <a:xfrm>
-          <a:off x="0" y="0"/>
-          <a:ext cx="0" cy="0"/>
-          <a:chOff x="0" y="0"/>
-          <a:chExt cx="0" cy="0"/>
-        </a:xfrm>
-      </p:grpSpPr>
-      <p:sp>
-        <p:nvSpPr>
-          <p:cNvPr id="127" name="PlaceHolder 1"/>
-          <p:cNvSpPr>
-            <a:spLocks noGrp="1"/>
-          </p:cNvSpPr>
-          <p:nvPr>
-            <p:ph type="body"/>
-          </p:nvPr>
-        </p:nvSpPr>
-        <p:spPr>
-          <a:xfrm>
-            <a:off x="648720" y="360000"/>
-            <a:ext cx="6046920" cy="9791640"/>
-          </a:xfrm>
-          <a:prstGeom prst="rect">
-            <a:avLst/>
-          </a:prstGeom>
-        </p:spPr>
-        <p:txBody>
-          <a:bodyPr bIns="0" lIns="0" rIns="0" tIns="0" wrap="none"/>
-          <a:p>
-            <a:r>
-              <a:rPr lang="en-GB"/>
-              <a:t>This is something Ray and I should discuss: I think many of the stuff mentioned have already been discussed but we should agree anyway :)</a:t>
-            </a:r>
-            <a:endParaRPr/>
-          </a:p>
-          <a:p>
-            <a:endParaRPr/>
-          </a:p>
-          <a:p>
-            <a:r>
-              <a:rPr lang="en-GB"/>
-              <a:t>– </a:t>
-            </a:r>
-            <a:r>
-              <a:rPr lang="en-GB"/>
-              <a:t>Put in place the JSP support once we have already done it. This will allow you to write</a:t>
-            </a:r>
-            <a:endParaRPr/>
-          </a:p>
-          <a:p>
-            <a:endParaRPr/>
-          </a:p>
-          <a:p>
-            <a:r>
-              <a:rPr lang="en-GB"/>
-              <a:t>– </a:t>
-            </a:r>
-            <a:r>
-              <a:rPr lang="en-GB"/>
-              <a:t>Trying to apply some of the concepts previously shown in the Liferay Core: </a:t>
-            </a:r>
-            <a:endParaRPr/>
-          </a:p>
-          <a:p>
-            <a:r>
-              <a:rPr lang="en-GB"/>
-              <a:t>    – </a:t>
-            </a:r>
-            <a:r>
-              <a:rPr lang="en-GB"/>
-              <a:t>Powerful registry mechanism;</a:t>
-            </a:r>
-            <a:endParaRPr/>
-          </a:p>
-          <a:p>
-            <a:r>
-              <a:rPr lang="en-GB"/>
-              <a:t>    – </a:t>
-            </a:r>
-            <a:r>
-              <a:rPr lang="en-GB"/>
-              <a:t>Easier extensibility and reuse of components</a:t>
-            </a:r>
-            <a:endParaRPr/>
-          </a:p>
-          <a:p>
-            <a:r>
-              <a:rPr lang="en-GB"/>
-              <a:t>    – </a:t>
-            </a:r>
-            <a:r>
-              <a:rPr lang="en-GB"/>
-              <a:t>Get all the benefits from having smaller components like: less bugs, easier to maintain/rewrite, focus, distributed teams, …</a:t>
-            </a:r>
-            <a:endParaRPr/>
-          </a:p>
-          <a:p>
-            <a:endParaRPr/>
-          </a:p>
-          <a:p>
-            <a:r>
-              <a:rPr lang="en-GB"/>
-              <a:t>Some of the features I would like to have:</a:t>
-            </a:r>
-            <a:endParaRPr/>
-          </a:p>
-          <a:p>
-            <a:r>
-              <a:rPr lang="en-GB"/>
-              <a:t>  </a:t>
-            </a:r>
-            <a:endParaRPr/>
-          </a:p>
-          <a:p>
-            <a:r>
-              <a:rPr lang="en-GB"/>
-              <a:t>– </a:t>
-            </a:r>
-            <a:r>
-              <a:rPr lang="en-GB"/>
-              <a:t>Small self-contained modules, so you can remove dependencies with the traditional big application servers</a:t>
-            </a:r>
-            <a:endParaRPr/>
-          </a:p>
-          <a:p>
-            <a:endParaRPr/>
-          </a:p>
-          <a:p>
-            <a:r>
-              <a:rPr lang="en-GB"/>
-              <a:t>– </a:t>
-            </a:r>
-            <a:r>
-              <a:rPr lang="en-GB"/>
-              <a:t>Previous point will allow us to get a huge increase of our architecture's versatility</a:t>
-            </a:r>
-            <a:endParaRPr/>
-          </a:p>
-          <a:p>
-            <a:endParaRPr/>
-          </a:p>
-          <a:p>
-            <a:r>
-              <a:rPr lang="en-GB"/>
-              <a:t>– </a:t>
-            </a:r>
-            <a:r>
-              <a:rPr lang="en-GB"/>
-              <a:t>The previous point will allow us to move Liferay's resiliency and scaling to the next point: horizontal scaling (distribution), applying some of the Hystrix concepts to our services, …</a:t>
-            </a:r>
-            <a:endParaRPr/>
-          </a:p>
-          <a:p>
-            <a:endParaRPr/>
-          </a:p>
-          <a:p>
-            <a:r>
-              <a:rPr lang="en-GB"/>
-              <a:t>– </a:t>
-            </a:r>
-            <a:r>
-              <a:rPr lang="en-GB"/>
-              <a:t>Many more … we</a:t>
-            </a:r>
-            <a:endParaRPr/>
-          </a:p>
-          <a:p>
-            <a:endParaRPr/>
-          </a:p>
-          <a:p>
-            <a:endParaRPr/>
-          </a:p>
-          <a:p>
-            <a:pPr>
-              <a:lnSpc>
-                <a:spcPct val="100000"/>
-              </a:lnSpc>
-            </a:pPr>
-            <a:endParaRPr/>
-          </a:p>
-          <a:p>
-            <a:pPr>
-              <a:lnSpc>
-                <a:spcPct val="100000"/>
-              </a:lnSpc>
-            </a:pPr>
-            <a:endParaRPr/>
-          </a:p>
-          <a:p>
-            <a:pPr>
-              <a:lnSpc>
-                <a:spcPct val="100000"/>
-              </a:lnSpc>
-            </a:pPr>
-            <a:endParaRPr/>
-          </a:p>
-        </p:txBody>
-      </p:sp>
-    </p:spTree>
-  </p:cSld>
+  <p:clrMapOvr>
+    <a:masterClrMapping/>
+  </p:clrMapOvr>
 </p:notes>
 </file>
 
 <file path=ppt/slideLayouts/slideLayout1.xml><?xml version="1.0" encoding="utf-8"?>
-<p:sldLayout xmlns:a="http://schemas.openxmlformats.org/drawingml/2006/main" xmlns:p="http://schemas.openxmlformats.org/presentationml/2006/main" xmlns:r="http://schemas.openxmlformats.org/officeDocument/2006/relationships" preserve="1" type="blank">
+<p:sldLayout xmlns:a="http://schemas.openxmlformats.org/drawingml/2006/main" xmlns:r="http://schemas.openxmlformats.org/officeDocument/2006/relationships" xmlns:p="http://schemas.openxmlformats.org/presentationml/2006/main" type="blank" preserve="1">
   <p:cSld name="Blank Slide">
     <p:spTree>
       <p:nvGrpSpPr>
@@ -2118,11 +2451,14 @@
       </p:grpSpPr>
     </p:spTree>
   </p:cSld>
+  <p:clrMapOvr>
+    <a:masterClrMapping/>
+  </p:clrMapOvr>
 </p:sldLayout>
 </file>
 
 <file path=ppt/slideLayouts/slideLayout10.xml><?xml version="1.0" encoding="utf-8"?>
-<p:sldLayout xmlns:a="http://schemas.openxmlformats.org/drawingml/2006/main" xmlns:p="http://schemas.openxmlformats.org/presentationml/2006/main" xmlns:r="http://schemas.openxmlformats.org/officeDocument/2006/relationships" preserve="1" type="objOverTx">
+<p:sldLayout xmlns:a="http://schemas.openxmlformats.org/drawingml/2006/main" xmlns:r="http://schemas.openxmlformats.org/officeDocument/2006/relationships" xmlns:p="http://schemas.openxmlformats.org/presentationml/2006/main" type="objOverTx" preserve="1">
   <p:cSld name="Title, Content over Content">
     <p:spTree>
       <p:nvGrpSpPr>
@@ -2158,7 +2494,8 @@
           </a:prstGeom>
         </p:spPr>
         <p:txBody>
-          <a:bodyPr anchor="ctr" bIns="0" lIns="0" rIns="0" tIns="0" wrap="none"/>
+          <a:bodyPr wrap="none" lIns="0" tIns="0" rIns="0" bIns="0" anchor="ctr"/>
+          <a:lstStyle/>
           <a:p>
             <a:pPr algn="ctr"/>
             <a:endParaRPr/>
@@ -2185,7 +2522,8 @@
           </a:prstGeom>
         </p:spPr>
         <p:txBody>
-          <a:bodyPr bIns="0" lIns="0" rIns="0" tIns="0" wrap="none"/>
+          <a:bodyPr wrap="none" lIns="0" tIns="0" rIns="0" bIns="0"/>
+          <a:lstStyle/>
           <a:p>
             <a:endParaRPr/>
           </a:p>
@@ -2211,7 +2549,8 @@
           </a:prstGeom>
         </p:spPr>
         <p:txBody>
-          <a:bodyPr bIns="0" lIns="0" rIns="0" tIns="0" wrap="none"/>
+          <a:bodyPr wrap="none" lIns="0" tIns="0" rIns="0" bIns="0"/>
+          <a:lstStyle/>
           <a:p>
             <a:endParaRPr/>
           </a:p>
@@ -2219,11 +2558,14 @@
       </p:sp>
     </p:spTree>
   </p:cSld>
+  <p:clrMapOvr>
+    <a:masterClrMapping/>
+  </p:clrMapOvr>
 </p:sldLayout>
 </file>
 
 <file path=ppt/slideLayouts/slideLayout11.xml><?xml version="1.0" encoding="utf-8"?>
-<p:sldLayout xmlns:a="http://schemas.openxmlformats.org/drawingml/2006/main" xmlns:p="http://schemas.openxmlformats.org/presentationml/2006/main" xmlns:r="http://schemas.openxmlformats.org/officeDocument/2006/relationships" preserve="1" type="fourObj">
+<p:sldLayout xmlns:a="http://schemas.openxmlformats.org/drawingml/2006/main" xmlns:r="http://schemas.openxmlformats.org/officeDocument/2006/relationships" xmlns:p="http://schemas.openxmlformats.org/presentationml/2006/main" type="fourObj" preserve="1">
   <p:cSld name="Title, 4 Content">
     <p:spTree>
       <p:nvGrpSpPr>
@@ -2259,7 +2601,8 @@
           </a:prstGeom>
         </p:spPr>
         <p:txBody>
-          <a:bodyPr anchor="ctr" bIns="0" lIns="0" rIns="0" tIns="0" wrap="none"/>
+          <a:bodyPr wrap="none" lIns="0" tIns="0" rIns="0" bIns="0" anchor="ctr"/>
+          <a:lstStyle/>
           <a:p>
             <a:pPr algn="ctr"/>
             <a:endParaRPr/>
@@ -2286,7 +2629,8 @@
           </a:prstGeom>
         </p:spPr>
         <p:txBody>
-          <a:bodyPr bIns="0" lIns="0" rIns="0" tIns="0" wrap="none"/>
+          <a:bodyPr wrap="none" lIns="0" tIns="0" rIns="0" bIns="0"/>
+          <a:lstStyle/>
           <a:p>
             <a:endParaRPr/>
           </a:p>
@@ -2312,7 +2656,8 @@
           </a:prstGeom>
         </p:spPr>
         <p:txBody>
-          <a:bodyPr bIns="0" lIns="0" rIns="0" tIns="0" wrap="none"/>
+          <a:bodyPr wrap="none" lIns="0" tIns="0" rIns="0" bIns="0"/>
+          <a:lstStyle/>
           <a:p>
             <a:endParaRPr/>
           </a:p>
@@ -2338,7 +2683,8 @@
           </a:prstGeom>
         </p:spPr>
         <p:txBody>
-          <a:bodyPr bIns="0" lIns="0" rIns="0" tIns="0" wrap="none"/>
+          <a:bodyPr wrap="none" lIns="0" tIns="0" rIns="0" bIns="0"/>
+          <a:lstStyle/>
           <a:p>
             <a:endParaRPr/>
           </a:p>
@@ -2364,7 +2710,8 @@
           </a:prstGeom>
         </p:spPr>
         <p:txBody>
-          <a:bodyPr bIns="0" lIns="0" rIns="0" tIns="0" wrap="none"/>
+          <a:bodyPr wrap="none" lIns="0" tIns="0" rIns="0" bIns="0"/>
+          <a:lstStyle/>
           <a:p>
             <a:endParaRPr/>
           </a:p>
@@ -2372,11 +2719,14 @@
       </p:sp>
     </p:spTree>
   </p:cSld>
+  <p:clrMapOvr>
+    <a:masterClrMapping/>
+  </p:clrMapOvr>
 </p:sldLayout>
 </file>
 
 <file path=ppt/slideLayouts/slideLayout12.xml><?xml version="1.0" encoding="utf-8"?>
-<p:sldLayout xmlns:a="http://schemas.openxmlformats.org/drawingml/2006/main" xmlns:p="http://schemas.openxmlformats.org/presentationml/2006/main" xmlns:r="http://schemas.openxmlformats.org/officeDocument/2006/relationships" preserve="1" type="blank">
+<p:sldLayout xmlns:a="http://schemas.openxmlformats.org/drawingml/2006/main" xmlns:r="http://schemas.openxmlformats.org/officeDocument/2006/relationships" xmlns:p="http://schemas.openxmlformats.org/presentationml/2006/main" type="blank" preserve="1">
   <p:cSld name="Title, 6 Content">
     <p:spTree>
       <p:nvGrpSpPr>
@@ -2412,7 +2762,8 @@
           </a:prstGeom>
         </p:spPr>
         <p:txBody>
-          <a:bodyPr anchor="ctr" bIns="0" lIns="0" rIns="0" tIns="0" wrap="none"/>
+          <a:bodyPr wrap="none" lIns="0" tIns="0" rIns="0" bIns="0" anchor="ctr"/>
+          <a:lstStyle/>
           <a:p>
             <a:pPr algn="ctr"/>
             <a:endParaRPr/>
@@ -2439,7 +2790,8 @@
           </a:prstGeom>
         </p:spPr>
         <p:txBody>
-          <a:bodyPr bIns="0" lIns="0" rIns="0" tIns="0" wrap="none"/>
+          <a:bodyPr wrap="none" lIns="0" tIns="0" rIns="0" bIns="0"/>
+          <a:lstStyle/>
           <a:p>
             <a:endParaRPr/>
           </a:p>
@@ -2465,7 +2817,8 @@
           </a:prstGeom>
         </p:spPr>
         <p:txBody>
-          <a:bodyPr bIns="0" lIns="0" rIns="0" tIns="0" wrap="none"/>
+          <a:bodyPr wrap="none" lIns="0" tIns="0" rIns="0" bIns="0"/>
+          <a:lstStyle/>
           <a:p>
             <a:endParaRPr/>
           </a:p>
@@ -2473,11 +2826,14 @@
       </p:sp>
     </p:spTree>
   </p:cSld>
+  <p:clrMapOvr>
+    <a:masterClrMapping/>
+  </p:clrMapOvr>
 </p:sldLayout>
 </file>
 
 <file path=ppt/slideLayouts/slideLayout13.xml><?xml version="1.0" encoding="utf-8"?>
-<p:sldLayout xmlns:a="http://schemas.openxmlformats.org/drawingml/2006/main" xmlns:p="http://schemas.openxmlformats.org/presentationml/2006/main" xmlns:r="http://schemas.openxmlformats.org/officeDocument/2006/relationships" preserve="1" type="blank">
+<p:sldLayout xmlns:a="http://schemas.openxmlformats.org/drawingml/2006/main" xmlns:r="http://schemas.openxmlformats.org/officeDocument/2006/relationships" xmlns:p="http://schemas.openxmlformats.org/presentationml/2006/main" type="blank" preserve="1">
   <p:cSld name="Blank Slide">
     <p:spTree>
       <p:nvGrpSpPr>
@@ -2495,11 +2851,14 @@
       </p:grpSpPr>
     </p:spTree>
   </p:cSld>
+  <p:clrMapOvr>
+    <a:masterClrMapping/>
+  </p:clrMapOvr>
 </p:sldLayout>
 </file>
 
 <file path=ppt/slideLayouts/slideLayout14.xml><?xml version="1.0" encoding="utf-8"?>
-<p:sldLayout xmlns:a="http://schemas.openxmlformats.org/drawingml/2006/main" xmlns:p="http://schemas.openxmlformats.org/presentationml/2006/main" xmlns:r="http://schemas.openxmlformats.org/officeDocument/2006/relationships" preserve="1" type="tx">
+<p:sldLayout xmlns:a="http://schemas.openxmlformats.org/drawingml/2006/main" xmlns:r="http://schemas.openxmlformats.org/officeDocument/2006/relationships" xmlns:p="http://schemas.openxmlformats.org/presentationml/2006/main" type="tx" preserve="1">
   <p:cSld name="Title Slide">
     <p:spTree>
       <p:nvGrpSpPr>
@@ -2535,7 +2894,8 @@
           </a:prstGeom>
         </p:spPr>
         <p:txBody>
-          <a:bodyPr anchor="ctr" bIns="0" lIns="0" rIns="0" tIns="0" wrap="none"/>
+          <a:bodyPr wrap="none" lIns="0" tIns="0" rIns="0" bIns="0" anchor="ctr"/>
+          <a:lstStyle/>
           <a:p>
             <a:pPr algn="ctr"/>
             <a:endParaRPr/>
@@ -2562,7 +2922,8 @@
           </a:prstGeom>
         </p:spPr>
         <p:txBody>
-          <a:bodyPr anchor="ctr" bIns="0" lIns="0" rIns="0" tIns="0" wrap="none"/>
+          <a:bodyPr wrap="none" lIns="0" tIns="0" rIns="0" bIns="0" anchor="ctr"/>
+          <a:lstStyle/>
           <a:p>
             <a:pPr algn="ctr"/>
             <a:endParaRPr/>
@@ -2571,11 +2932,14 @@
       </p:sp>
     </p:spTree>
   </p:cSld>
+  <p:clrMapOvr>
+    <a:masterClrMapping/>
+  </p:clrMapOvr>
 </p:sldLayout>
 </file>
 
 <file path=ppt/slideLayouts/slideLayout15.xml><?xml version="1.0" encoding="utf-8"?>
-<p:sldLayout xmlns:a="http://schemas.openxmlformats.org/drawingml/2006/main" xmlns:p="http://schemas.openxmlformats.org/presentationml/2006/main" xmlns:r="http://schemas.openxmlformats.org/officeDocument/2006/relationships" preserve="1" type="obj">
+<p:sldLayout xmlns:a="http://schemas.openxmlformats.org/drawingml/2006/main" xmlns:r="http://schemas.openxmlformats.org/officeDocument/2006/relationships" xmlns:p="http://schemas.openxmlformats.org/presentationml/2006/main" type="obj" preserve="1">
   <p:cSld name="Title, Content">
     <p:spTree>
       <p:nvGrpSpPr>
@@ -2611,7 +2975,8 @@
           </a:prstGeom>
         </p:spPr>
         <p:txBody>
-          <a:bodyPr anchor="ctr" bIns="0" lIns="0" rIns="0" tIns="0" wrap="none"/>
+          <a:bodyPr wrap="none" lIns="0" tIns="0" rIns="0" bIns="0" anchor="ctr"/>
+          <a:lstStyle/>
           <a:p>
             <a:pPr algn="ctr"/>
             <a:endParaRPr/>
@@ -2638,7 +3003,8 @@
           </a:prstGeom>
         </p:spPr>
         <p:txBody>
-          <a:bodyPr bIns="0" lIns="0" rIns="0" tIns="0" wrap="none"/>
+          <a:bodyPr wrap="none" lIns="0" tIns="0" rIns="0" bIns="0"/>
+          <a:lstStyle/>
           <a:p>
             <a:endParaRPr/>
           </a:p>
@@ -2646,11 +3012,14 @@
       </p:sp>
     </p:spTree>
   </p:cSld>
+  <p:clrMapOvr>
+    <a:masterClrMapping/>
+  </p:clrMapOvr>
 </p:sldLayout>
 </file>
 
 <file path=ppt/slideLayouts/slideLayout16.xml><?xml version="1.0" encoding="utf-8"?>
-<p:sldLayout xmlns:a="http://schemas.openxmlformats.org/drawingml/2006/main" xmlns:p="http://schemas.openxmlformats.org/presentationml/2006/main" xmlns:r="http://schemas.openxmlformats.org/officeDocument/2006/relationships" preserve="1" type="twoObj">
+<p:sldLayout xmlns:a="http://schemas.openxmlformats.org/drawingml/2006/main" xmlns:r="http://schemas.openxmlformats.org/officeDocument/2006/relationships" xmlns:p="http://schemas.openxmlformats.org/presentationml/2006/main" type="twoObj" preserve="1">
   <p:cSld name="Title, 2 Content">
     <p:spTree>
       <p:nvGrpSpPr>
@@ -2686,7 +3055,8 @@
           </a:prstGeom>
         </p:spPr>
         <p:txBody>
-          <a:bodyPr anchor="ctr" bIns="0" lIns="0" rIns="0" tIns="0" wrap="none"/>
+          <a:bodyPr wrap="none" lIns="0" tIns="0" rIns="0" bIns="0" anchor="ctr"/>
+          <a:lstStyle/>
           <a:p>
             <a:pPr algn="ctr"/>
             <a:endParaRPr/>
@@ -2713,7 +3083,8 @@
           </a:prstGeom>
         </p:spPr>
         <p:txBody>
-          <a:bodyPr bIns="0" lIns="0" rIns="0" tIns="0" wrap="none"/>
+          <a:bodyPr wrap="none" lIns="0" tIns="0" rIns="0" bIns="0"/>
+          <a:lstStyle/>
           <a:p>
             <a:endParaRPr/>
           </a:p>
@@ -2739,7 +3110,8 @@
           </a:prstGeom>
         </p:spPr>
         <p:txBody>
-          <a:bodyPr bIns="0" lIns="0" rIns="0" tIns="0" wrap="none"/>
+          <a:bodyPr wrap="none" lIns="0" tIns="0" rIns="0" bIns="0"/>
+          <a:lstStyle/>
           <a:p>
             <a:endParaRPr/>
           </a:p>
@@ -2747,11 +3119,14 @@
       </p:sp>
     </p:spTree>
   </p:cSld>
+  <p:clrMapOvr>
+    <a:masterClrMapping/>
+  </p:clrMapOvr>
 </p:sldLayout>
 </file>
 
 <file path=ppt/slideLayouts/slideLayout17.xml><?xml version="1.0" encoding="utf-8"?>
-<p:sldLayout xmlns:a="http://schemas.openxmlformats.org/drawingml/2006/main" xmlns:p="http://schemas.openxmlformats.org/presentationml/2006/main" xmlns:r="http://schemas.openxmlformats.org/officeDocument/2006/relationships" preserve="1" type="titleOnly">
+<p:sldLayout xmlns:a="http://schemas.openxmlformats.org/drawingml/2006/main" xmlns:r="http://schemas.openxmlformats.org/officeDocument/2006/relationships" xmlns:p="http://schemas.openxmlformats.org/presentationml/2006/main" type="titleOnly" preserve="1">
   <p:cSld name="Title Only">
     <p:spTree>
       <p:nvGrpSpPr>
@@ -2787,7 +3162,8 @@
           </a:prstGeom>
         </p:spPr>
         <p:txBody>
-          <a:bodyPr anchor="ctr" bIns="0" lIns="0" rIns="0" tIns="0" wrap="none"/>
+          <a:bodyPr wrap="none" lIns="0" tIns="0" rIns="0" bIns="0" anchor="ctr"/>
+          <a:lstStyle/>
           <a:p>
             <a:pPr algn="ctr"/>
             <a:endParaRPr/>
@@ -2796,11 +3172,14 @@
       </p:sp>
     </p:spTree>
   </p:cSld>
+  <p:clrMapOvr>
+    <a:masterClrMapping/>
+  </p:clrMapOvr>
 </p:sldLayout>
 </file>
 
 <file path=ppt/slideLayouts/slideLayout18.xml><?xml version="1.0" encoding="utf-8"?>
-<p:sldLayout xmlns:a="http://schemas.openxmlformats.org/drawingml/2006/main" xmlns:p="http://schemas.openxmlformats.org/presentationml/2006/main" xmlns:r="http://schemas.openxmlformats.org/officeDocument/2006/relationships" preserve="1" type="objOnly">
+<p:sldLayout xmlns:a="http://schemas.openxmlformats.org/drawingml/2006/main" xmlns:r="http://schemas.openxmlformats.org/officeDocument/2006/relationships" xmlns:p="http://schemas.openxmlformats.org/presentationml/2006/main" type="objOnly" preserve="1">
   <p:cSld name="Centered Text">
     <p:spTree>
       <p:nvGrpSpPr>
@@ -2836,7 +3215,8 @@
           </a:prstGeom>
         </p:spPr>
         <p:txBody>
-          <a:bodyPr anchor="ctr" bIns="0" lIns="0" rIns="0" tIns="0" wrap="none"/>
+          <a:bodyPr wrap="none" lIns="0" tIns="0" rIns="0" bIns="0" anchor="ctr"/>
+          <a:lstStyle/>
           <a:p>
             <a:pPr algn="ctr"/>
             <a:endParaRPr/>
@@ -2845,11 +3225,14 @@
       </p:sp>
     </p:spTree>
   </p:cSld>
+  <p:clrMapOvr>
+    <a:masterClrMapping/>
+  </p:clrMapOvr>
 </p:sldLayout>
 </file>
 
 <file path=ppt/slideLayouts/slideLayout19.xml><?xml version="1.0" encoding="utf-8"?>
-<p:sldLayout xmlns:a="http://schemas.openxmlformats.org/drawingml/2006/main" xmlns:p="http://schemas.openxmlformats.org/presentationml/2006/main" xmlns:r="http://schemas.openxmlformats.org/officeDocument/2006/relationships" preserve="1" type="twoObjAndObj">
+<p:sldLayout xmlns:a="http://schemas.openxmlformats.org/drawingml/2006/main" xmlns:r="http://schemas.openxmlformats.org/officeDocument/2006/relationships" xmlns:p="http://schemas.openxmlformats.org/presentationml/2006/main" type="twoObjAndObj" preserve="1">
   <p:cSld name="Title, 2 Content and Content">
     <p:spTree>
       <p:nvGrpSpPr>
@@ -2885,7 +3268,8 @@
           </a:prstGeom>
         </p:spPr>
         <p:txBody>
-          <a:bodyPr anchor="ctr" bIns="0" lIns="0" rIns="0" tIns="0" wrap="none"/>
+          <a:bodyPr wrap="none" lIns="0" tIns="0" rIns="0" bIns="0" anchor="ctr"/>
+          <a:lstStyle/>
           <a:p>
             <a:pPr algn="ctr"/>
             <a:endParaRPr/>
@@ -2912,7 +3296,8 @@
           </a:prstGeom>
         </p:spPr>
         <p:txBody>
-          <a:bodyPr bIns="0" lIns="0" rIns="0" tIns="0" wrap="none"/>
+          <a:bodyPr wrap="none" lIns="0" tIns="0" rIns="0" bIns="0"/>
+          <a:lstStyle/>
           <a:p>
             <a:endParaRPr/>
           </a:p>
@@ -2938,7 +3323,8 @@
           </a:prstGeom>
         </p:spPr>
         <p:txBody>
-          <a:bodyPr bIns="0" lIns="0" rIns="0" tIns="0" wrap="none"/>
+          <a:bodyPr wrap="none" lIns="0" tIns="0" rIns="0" bIns="0"/>
+          <a:lstStyle/>
           <a:p>
             <a:endParaRPr/>
           </a:p>
@@ -2964,7 +3350,8 @@
           </a:prstGeom>
         </p:spPr>
         <p:txBody>
-          <a:bodyPr bIns="0" lIns="0" rIns="0" tIns="0" wrap="none"/>
+          <a:bodyPr wrap="none" lIns="0" tIns="0" rIns="0" bIns="0"/>
+          <a:lstStyle/>
           <a:p>
             <a:endParaRPr/>
           </a:p>
@@ -2972,11 +3359,14 @@
       </p:sp>
     </p:spTree>
   </p:cSld>
+  <p:clrMapOvr>
+    <a:masterClrMapping/>
+  </p:clrMapOvr>
 </p:sldLayout>
 </file>
 
 <file path=ppt/slideLayouts/slideLayout2.xml><?xml version="1.0" encoding="utf-8"?>
-<p:sldLayout xmlns:a="http://schemas.openxmlformats.org/drawingml/2006/main" xmlns:p="http://schemas.openxmlformats.org/presentationml/2006/main" xmlns:r="http://schemas.openxmlformats.org/officeDocument/2006/relationships" preserve="1" type="tx">
+<p:sldLayout xmlns:a="http://schemas.openxmlformats.org/drawingml/2006/main" xmlns:r="http://schemas.openxmlformats.org/officeDocument/2006/relationships" xmlns:p="http://schemas.openxmlformats.org/presentationml/2006/main" type="tx" preserve="1">
   <p:cSld name="Title Slide">
     <p:spTree>
       <p:nvGrpSpPr>
@@ -3012,7 +3402,8 @@
           </a:prstGeom>
         </p:spPr>
         <p:txBody>
-          <a:bodyPr anchor="ctr" bIns="0" lIns="0" rIns="0" tIns="0" wrap="none"/>
+          <a:bodyPr wrap="none" lIns="0" tIns="0" rIns="0" bIns="0" anchor="ctr"/>
+          <a:lstStyle/>
           <a:p>
             <a:pPr algn="ctr"/>
             <a:endParaRPr/>
@@ -3039,7 +3430,8 @@
           </a:prstGeom>
         </p:spPr>
         <p:txBody>
-          <a:bodyPr anchor="ctr" bIns="0" lIns="0" rIns="0" tIns="0" wrap="none"/>
+          <a:bodyPr wrap="none" lIns="0" tIns="0" rIns="0" bIns="0" anchor="ctr"/>
+          <a:lstStyle/>
           <a:p>
             <a:pPr algn="ctr"/>
             <a:endParaRPr/>
@@ -3048,11 +3440,14 @@
       </p:sp>
     </p:spTree>
   </p:cSld>
+  <p:clrMapOvr>
+    <a:masterClrMapping/>
+  </p:clrMapOvr>
 </p:sldLayout>
 </file>
 
 <file path=ppt/slideLayouts/slideLayout20.xml><?xml version="1.0" encoding="utf-8"?>
-<p:sldLayout xmlns:a="http://schemas.openxmlformats.org/drawingml/2006/main" xmlns:p="http://schemas.openxmlformats.org/presentationml/2006/main" xmlns:r="http://schemas.openxmlformats.org/officeDocument/2006/relationships" preserve="1" type="objAndTwoObj">
+<p:sldLayout xmlns:a="http://schemas.openxmlformats.org/drawingml/2006/main" xmlns:r="http://schemas.openxmlformats.org/officeDocument/2006/relationships" xmlns:p="http://schemas.openxmlformats.org/presentationml/2006/main" type="objAndTwoObj" preserve="1">
   <p:cSld name="Title Content and 2 Content">
     <p:spTree>
       <p:nvGrpSpPr>
@@ -3088,7 +3483,8 @@
           </a:prstGeom>
         </p:spPr>
         <p:txBody>
-          <a:bodyPr anchor="ctr" bIns="0" lIns="0" rIns="0" tIns="0" wrap="none"/>
+          <a:bodyPr wrap="none" lIns="0" tIns="0" rIns="0" bIns="0" anchor="ctr"/>
+          <a:lstStyle/>
           <a:p>
             <a:pPr algn="ctr"/>
             <a:endParaRPr/>
@@ -3115,7 +3511,8 @@
           </a:prstGeom>
         </p:spPr>
         <p:txBody>
-          <a:bodyPr bIns="0" lIns="0" rIns="0" tIns="0" wrap="none"/>
+          <a:bodyPr wrap="none" lIns="0" tIns="0" rIns="0" bIns="0"/>
+          <a:lstStyle/>
           <a:p>
             <a:endParaRPr/>
           </a:p>
@@ -3141,7 +3538,8 @@
           </a:prstGeom>
         </p:spPr>
         <p:txBody>
-          <a:bodyPr bIns="0" lIns="0" rIns="0" tIns="0" wrap="none"/>
+          <a:bodyPr wrap="none" lIns="0" tIns="0" rIns="0" bIns="0"/>
+          <a:lstStyle/>
           <a:p>
             <a:endParaRPr/>
           </a:p>
@@ -3167,7 +3565,8 @@
           </a:prstGeom>
         </p:spPr>
         <p:txBody>
-          <a:bodyPr bIns="0" lIns="0" rIns="0" tIns="0" wrap="none"/>
+          <a:bodyPr wrap="none" lIns="0" tIns="0" rIns="0" bIns="0"/>
+          <a:lstStyle/>
           <a:p>
             <a:endParaRPr/>
           </a:p>
@@ -3175,11 +3574,14 @@
       </p:sp>
     </p:spTree>
   </p:cSld>
+  <p:clrMapOvr>
+    <a:masterClrMapping/>
+  </p:clrMapOvr>
 </p:sldLayout>
 </file>
 
 <file path=ppt/slideLayouts/slideLayout21.xml><?xml version="1.0" encoding="utf-8"?>
-<p:sldLayout xmlns:a="http://schemas.openxmlformats.org/drawingml/2006/main" xmlns:p="http://schemas.openxmlformats.org/presentationml/2006/main" xmlns:r="http://schemas.openxmlformats.org/officeDocument/2006/relationships" preserve="1" type="twoObjOverTx">
+<p:sldLayout xmlns:a="http://schemas.openxmlformats.org/drawingml/2006/main" xmlns:r="http://schemas.openxmlformats.org/officeDocument/2006/relationships" xmlns:p="http://schemas.openxmlformats.org/presentationml/2006/main" type="twoObjOverTx" preserve="1">
   <p:cSld name="Title, 2 Content over Content">
     <p:spTree>
       <p:nvGrpSpPr>
@@ -3215,7 +3617,8 @@
           </a:prstGeom>
         </p:spPr>
         <p:txBody>
-          <a:bodyPr anchor="ctr" bIns="0" lIns="0" rIns="0" tIns="0" wrap="none"/>
+          <a:bodyPr wrap="none" lIns="0" tIns="0" rIns="0" bIns="0" anchor="ctr"/>
+          <a:lstStyle/>
           <a:p>
             <a:pPr algn="ctr"/>
             <a:endParaRPr/>
@@ -3242,7 +3645,8 @@
           </a:prstGeom>
         </p:spPr>
         <p:txBody>
-          <a:bodyPr bIns="0" lIns="0" rIns="0" tIns="0" wrap="none"/>
+          <a:bodyPr wrap="none" lIns="0" tIns="0" rIns="0" bIns="0"/>
+          <a:lstStyle/>
           <a:p>
             <a:endParaRPr/>
           </a:p>
@@ -3268,7 +3672,8 @@
           </a:prstGeom>
         </p:spPr>
         <p:txBody>
-          <a:bodyPr bIns="0" lIns="0" rIns="0" tIns="0" wrap="none"/>
+          <a:bodyPr wrap="none" lIns="0" tIns="0" rIns="0" bIns="0"/>
+          <a:lstStyle/>
           <a:p>
             <a:endParaRPr/>
           </a:p>
@@ -3294,7 +3699,8 @@
           </a:prstGeom>
         </p:spPr>
         <p:txBody>
-          <a:bodyPr bIns="0" lIns="0" rIns="0" tIns="0" wrap="none"/>
+          <a:bodyPr wrap="none" lIns="0" tIns="0" rIns="0" bIns="0"/>
+          <a:lstStyle/>
           <a:p>
             <a:endParaRPr/>
           </a:p>
@@ -3302,11 +3708,14 @@
       </p:sp>
     </p:spTree>
   </p:cSld>
+  <p:clrMapOvr>
+    <a:masterClrMapping/>
+  </p:clrMapOvr>
 </p:sldLayout>
 </file>
 
 <file path=ppt/slideLayouts/slideLayout22.xml><?xml version="1.0" encoding="utf-8"?>
-<p:sldLayout xmlns:a="http://schemas.openxmlformats.org/drawingml/2006/main" xmlns:p="http://schemas.openxmlformats.org/presentationml/2006/main" xmlns:r="http://schemas.openxmlformats.org/officeDocument/2006/relationships" preserve="1" type="objOverTx">
+<p:sldLayout xmlns:a="http://schemas.openxmlformats.org/drawingml/2006/main" xmlns:r="http://schemas.openxmlformats.org/officeDocument/2006/relationships" xmlns:p="http://schemas.openxmlformats.org/presentationml/2006/main" type="objOverTx" preserve="1">
   <p:cSld name="Title, Content over Content">
     <p:spTree>
       <p:nvGrpSpPr>
@@ -3342,7 +3751,8 @@
           </a:prstGeom>
         </p:spPr>
         <p:txBody>
-          <a:bodyPr anchor="ctr" bIns="0" lIns="0" rIns="0" tIns="0" wrap="none"/>
+          <a:bodyPr wrap="none" lIns="0" tIns="0" rIns="0" bIns="0" anchor="ctr"/>
+          <a:lstStyle/>
           <a:p>
             <a:pPr algn="ctr"/>
             <a:endParaRPr/>
@@ -3369,7 +3779,8 @@
           </a:prstGeom>
         </p:spPr>
         <p:txBody>
-          <a:bodyPr bIns="0" lIns="0" rIns="0" tIns="0" wrap="none"/>
+          <a:bodyPr wrap="none" lIns="0" tIns="0" rIns="0" bIns="0"/>
+          <a:lstStyle/>
           <a:p>
             <a:endParaRPr/>
           </a:p>
@@ -3395,7 +3806,8 @@
           </a:prstGeom>
         </p:spPr>
         <p:txBody>
-          <a:bodyPr bIns="0" lIns="0" rIns="0" tIns="0" wrap="none"/>
+          <a:bodyPr wrap="none" lIns="0" tIns="0" rIns="0" bIns="0"/>
+          <a:lstStyle/>
           <a:p>
             <a:endParaRPr/>
           </a:p>
@@ -3403,11 +3815,14 @@
       </p:sp>
     </p:spTree>
   </p:cSld>
+  <p:clrMapOvr>
+    <a:masterClrMapping/>
+  </p:clrMapOvr>
 </p:sldLayout>
 </file>
 
 <file path=ppt/slideLayouts/slideLayout23.xml><?xml version="1.0" encoding="utf-8"?>
-<p:sldLayout xmlns:a="http://schemas.openxmlformats.org/drawingml/2006/main" xmlns:p="http://schemas.openxmlformats.org/presentationml/2006/main" xmlns:r="http://schemas.openxmlformats.org/officeDocument/2006/relationships" preserve="1" type="fourObj">
+<p:sldLayout xmlns:a="http://schemas.openxmlformats.org/drawingml/2006/main" xmlns:r="http://schemas.openxmlformats.org/officeDocument/2006/relationships" xmlns:p="http://schemas.openxmlformats.org/presentationml/2006/main" type="fourObj" preserve="1">
   <p:cSld name="Title, 4 Content">
     <p:spTree>
       <p:nvGrpSpPr>
@@ -3443,7 +3858,8 @@
           </a:prstGeom>
         </p:spPr>
         <p:txBody>
-          <a:bodyPr anchor="ctr" bIns="0" lIns="0" rIns="0" tIns="0" wrap="none"/>
+          <a:bodyPr wrap="none" lIns="0" tIns="0" rIns="0" bIns="0" anchor="ctr"/>
+          <a:lstStyle/>
           <a:p>
             <a:pPr algn="ctr"/>
             <a:endParaRPr/>
@@ -3470,7 +3886,8 @@
           </a:prstGeom>
         </p:spPr>
         <p:txBody>
-          <a:bodyPr bIns="0" lIns="0" rIns="0" tIns="0" wrap="none"/>
+          <a:bodyPr wrap="none" lIns="0" tIns="0" rIns="0" bIns="0"/>
+          <a:lstStyle/>
           <a:p>
             <a:endParaRPr/>
           </a:p>
@@ -3496,7 +3913,8 @@
           </a:prstGeom>
         </p:spPr>
         <p:txBody>
-          <a:bodyPr bIns="0" lIns="0" rIns="0" tIns="0" wrap="none"/>
+          <a:bodyPr wrap="none" lIns="0" tIns="0" rIns="0" bIns="0"/>
+          <a:lstStyle/>
           <a:p>
             <a:endParaRPr/>
           </a:p>
@@ -3522,7 +3940,8 @@
           </a:prstGeom>
         </p:spPr>
         <p:txBody>
-          <a:bodyPr bIns="0" lIns="0" rIns="0" tIns="0" wrap="none"/>
+          <a:bodyPr wrap="none" lIns="0" tIns="0" rIns="0" bIns="0"/>
+          <a:lstStyle/>
           <a:p>
             <a:endParaRPr/>
           </a:p>
@@ -3548,7 +3967,8 @@
           </a:prstGeom>
         </p:spPr>
         <p:txBody>
-          <a:bodyPr bIns="0" lIns="0" rIns="0" tIns="0" wrap="none"/>
+          <a:bodyPr wrap="none" lIns="0" tIns="0" rIns="0" bIns="0"/>
+          <a:lstStyle/>
           <a:p>
             <a:endParaRPr/>
           </a:p>
@@ -3556,11 +3976,14 @@
       </p:sp>
     </p:spTree>
   </p:cSld>
+  <p:clrMapOvr>
+    <a:masterClrMapping/>
+  </p:clrMapOvr>
 </p:sldLayout>
 </file>
 
 <file path=ppt/slideLayouts/slideLayout24.xml><?xml version="1.0" encoding="utf-8"?>
-<p:sldLayout xmlns:a="http://schemas.openxmlformats.org/drawingml/2006/main" xmlns:p="http://schemas.openxmlformats.org/presentationml/2006/main" xmlns:r="http://schemas.openxmlformats.org/officeDocument/2006/relationships" preserve="1" type="blank">
+<p:sldLayout xmlns:a="http://schemas.openxmlformats.org/drawingml/2006/main" xmlns:r="http://schemas.openxmlformats.org/officeDocument/2006/relationships" xmlns:p="http://schemas.openxmlformats.org/presentationml/2006/main" type="blank" preserve="1">
   <p:cSld name="Title, 6 Content">
     <p:spTree>
       <p:nvGrpSpPr>
@@ -3596,7 +4019,8 @@
           </a:prstGeom>
         </p:spPr>
         <p:txBody>
-          <a:bodyPr anchor="ctr" bIns="0" lIns="0" rIns="0" tIns="0" wrap="none"/>
+          <a:bodyPr wrap="none" lIns="0" tIns="0" rIns="0" bIns="0" anchor="ctr"/>
+          <a:lstStyle/>
           <a:p>
             <a:pPr algn="ctr"/>
             <a:endParaRPr/>
@@ -3623,7 +4047,8 @@
           </a:prstGeom>
         </p:spPr>
         <p:txBody>
-          <a:bodyPr bIns="0" lIns="0" rIns="0" tIns="0" wrap="none"/>
+          <a:bodyPr wrap="none" lIns="0" tIns="0" rIns="0" bIns="0"/>
+          <a:lstStyle/>
           <a:p>
             <a:endParaRPr/>
           </a:p>
@@ -3649,7 +4074,8 @@
           </a:prstGeom>
         </p:spPr>
         <p:txBody>
-          <a:bodyPr bIns="0" lIns="0" rIns="0" tIns="0" wrap="none"/>
+          <a:bodyPr wrap="none" lIns="0" tIns="0" rIns="0" bIns="0"/>
+          <a:lstStyle/>
           <a:p>
             <a:endParaRPr/>
           </a:p>
@@ -3657,11 +4083,14 @@
       </p:sp>
     </p:spTree>
   </p:cSld>
+  <p:clrMapOvr>
+    <a:masterClrMapping/>
+  </p:clrMapOvr>
 </p:sldLayout>
 </file>
 
 <file path=ppt/slideLayouts/slideLayout25.xml><?xml version="1.0" encoding="utf-8"?>
-<p:sldLayout xmlns:a="http://schemas.openxmlformats.org/drawingml/2006/main" xmlns:p="http://schemas.openxmlformats.org/presentationml/2006/main" xmlns:r="http://schemas.openxmlformats.org/officeDocument/2006/relationships" preserve="1" type="blank">
+<p:sldLayout xmlns:a="http://schemas.openxmlformats.org/drawingml/2006/main" xmlns:r="http://schemas.openxmlformats.org/officeDocument/2006/relationships" xmlns:p="http://schemas.openxmlformats.org/presentationml/2006/main" type="blank" preserve="1">
   <p:cSld name="Blank Slide">
     <p:spTree>
       <p:nvGrpSpPr>
@@ -3679,11 +4108,14 @@
       </p:grpSpPr>
     </p:spTree>
   </p:cSld>
+  <p:clrMapOvr>
+    <a:masterClrMapping/>
+  </p:clrMapOvr>
 </p:sldLayout>
 </file>
 
 <file path=ppt/slideLayouts/slideLayout26.xml><?xml version="1.0" encoding="utf-8"?>
-<p:sldLayout xmlns:a="http://schemas.openxmlformats.org/drawingml/2006/main" xmlns:p="http://schemas.openxmlformats.org/presentationml/2006/main" xmlns:r="http://schemas.openxmlformats.org/officeDocument/2006/relationships" preserve="1" type="tx">
+<p:sldLayout xmlns:a="http://schemas.openxmlformats.org/drawingml/2006/main" xmlns:r="http://schemas.openxmlformats.org/officeDocument/2006/relationships" xmlns:p="http://schemas.openxmlformats.org/presentationml/2006/main" type="tx" preserve="1">
   <p:cSld name="Title Slide">
     <p:spTree>
       <p:nvGrpSpPr>
@@ -3719,7 +4151,8 @@
           </a:prstGeom>
         </p:spPr>
         <p:txBody>
-          <a:bodyPr anchor="ctr" bIns="0" lIns="0" rIns="0" tIns="0" wrap="none"/>
+          <a:bodyPr wrap="none" lIns="0" tIns="0" rIns="0" bIns="0" anchor="ctr"/>
+          <a:lstStyle/>
           <a:p>
             <a:pPr algn="ctr"/>
             <a:endParaRPr/>
@@ -3746,7 +4179,8 @@
           </a:prstGeom>
         </p:spPr>
         <p:txBody>
-          <a:bodyPr anchor="ctr" bIns="0" lIns="0" rIns="0" tIns="0" wrap="none"/>
+          <a:bodyPr wrap="none" lIns="0" tIns="0" rIns="0" bIns="0" anchor="ctr"/>
+          <a:lstStyle/>
           <a:p>
             <a:pPr algn="ctr"/>
             <a:endParaRPr/>
@@ -3755,11 +4189,14 @@
       </p:sp>
     </p:spTree>
   </p:cSld>
+  <p:clrMapOvr>
+    <a:masterClrMapping/>
+  </p:clrMapOvr>
 </p:sldLayout>
 </file>
 
 <file path=ppt/slideLayouts/slideLayout27.xml><?xml version="1.0" encoding="utf-8"?>
-<p:sldLayout xmlns:a="http://schemas.openxmlformats.org/drawingml/2006/main" xmlns:p="http://schemas.openxmlformats.org/presentationml/2006/main" xmlns:r="http://schemas.openxmlformats.org/officeDocument/2006/relationships" preserve="1" type="obj">
+<p:sldLayout xmlns:a="http://schemas.openxmlformats.org/drawingml/2006/main" xmlns:r="http://schemas.openxmlformats.org/officeDocument/2006/relationships" xmlns:p="http://schemas.openxmlformats.org/presentationml/2006/main" type="obj" preserve="1">
   <p:cSld name="Title, Content">
     <p:spTree>
       <p:nvGrpSpPr>
@@ -3795,7 +4232,8 @@
           </a:prstGeom>
         </p:spPr>
         <p:txBody>
-          <a:bodyPr anchor="ctr" bIns="0" lIns="0" rIns="0" tIns="0" wrap="none"/>
+          <a:bodyPr wrap="none" lIns="0" tIns="0" rIns="0" bIns="0" anchor="ctr"/>
+          <a:lstStyle/>
           <a:p>
             <a:pPr algn="ctr"/>
             <a:endParaRPr/>
@@ -3822,7 +4260,8 @@
           </a:prstGeom>
         </p:spPr>
         <p:txBody>
-          <a:bodyPr bIns="0" lIns="0" rIns="0" tIns="0" wrap="none"/>
+          <a:bodyPr wrap="none" lIns="0" tIns="0" rIns="0" bIns="0"/>
+          <a:lstStyle/>
           <a:p>
             <a:endParaRPr/>
           </a:p>
@@ -3830,11 +4269,14 @@
       </p:sp>
     </p:spTree>
   </p:cSld>
+  <p:clrMapOvr>
+    <a:masterClrMapping/>
+  </p:clrMapOvr>
 </p:sldLayout>
 </file>
 
 <file path=ppt/slideLayouts/slideLayout28.xml><?xml version="1.0" encoding="utf-8"?>
-<p:sldLayout xmlns:a="http://schemas.openxmlformats.org/drawingml/2006/main" xmlns:p="http://schemas.openxmlformats.org/presentationml/2006/main" xmlns:r="http://schemas.openxmlformats.org/officeDocument/2006/relationships" preserve="1" type="twoObj">
+<p:sldLayout xmlns:a="http://schemas.openxmlformats.org/drawingml/2006/main" xmlns:r="http://schemas.openxmlformats.org/officeDocument/2006/relationships" xmlns:p="http://schemas.openxmlformats.org/presentationml/2006/main" type="twoObj" preserve="1">
   <p:cSld name="Title, 2 Content">
     <p:spTree>
       <p:nvGrpSpPr>
@@ -3870,7 +4312,8 @@
           </a:prstGeom>
         </p:spPr>
         <p:txBody>
-          <a:bodyPr anchor="ctr" bIns="0" lIns="0" rIns="0" tIns="0" wrap="none"/>
+          <a:bodyPr wrap="none" lIns="0" tIns="0" rIns="0" bIns="0" anchor="ctr"/>
+          <a:lstStyle/>
           <a:p>
             <a:pPr algn="ctr"/>
             <a:endParaRPr/>
@@ -3897,7 +4340,8 @@
           </a:prstGeom>
         </p:spPr>
         <p:txBody>
-          <a:bodyPr bIns="0" lIns="0" rIns="0" tIns="0" wrap="none"/>
+          <a:bodyPr wrap="none" lIns="0" tIns="0" rIns="0" bIns="0"/>
+          <a:lstStyle/>
           <a:p>
             <a:endParaRPr/>
           </a:p>
@@ -3923,7 +4367,8 @@
           </a:prstGeom>
         </p:spPr>
         <p:txBody>
-          <a:bodyPr bIns="0" lIns="0" rIns="0" tIns="0" wrap="none"/>
+          <a:bodyPr wrap="none" lIns="0" tIns="0" rIns="0" bIns="0"/>
+          <a:lstStyle/>
           <a:p>
             <a:endParaRPr/>
           </a:p>
@@ -3931,11 +4376,14 @@
       </p:sp>
     </p:spTree>
   </p:cSld>
+  <p:clrMapOvr>
+    <a:masterClrMapping/>
+  </p:clrMapOvr>
 </p:sldLayout>
 </file>
 
 <file path=ppt/slideLayouts/slideLayout29.xml><?xml version="1.0" encoding="utf-8"?>
-<p:sldLayout xmlns:a="http://schemas.openxmlformats.org/drawingml/2006/main" xmlns:p="http://schemas.openxmlformats.org/presentationml/2006/main" xmlns:r="http://schemas.openxmlformats.org/officeDocument/2006/relationships" preserve="1" type="titleOnly">
+<p:sldLayout xmlns:a="http://schemas.openxmlformats.org/drawingml/2006/main" xmlns:r="http://schemas.openxmlformats.org/officeDocument/2006/relationships" xmlns:p="http://schemas.openxmlformats.org/presentationml/2006/main" type="titleOnly" preserve="1">
   <p:cSld name="Title Only">
     <p:spTree>
       <p:nvGrpSpPr>
@@ -3971,7 +4419,8 @@
           </a:prstGeom>
         </p:spPr>
         <p:txBody>
-          <a:bodyPr anchor="ctr" bIns="0" lIns="0" rIns="0" tIns="0" wrap="none"/>
+          <a:bodyPr wrap="none" lIns="0" tIns="0" rIns="0" bIns="0" anchor="ctr"/>
+          <a:lstStyle/>
           <a:p>
             <a:pPr algn="ctr"/>
             <a:endParaRPr/>
@@ -3980,11 +4429,14 @@
       </p:sp>
     </p:spTree>
   </p:cSld>
+  <p:clrMapOvr>
+    <a:masterClrMapping/>
+  </p:clrMapOvr>
 </p:sldLayout>
 </file>
 
 <file path=ppt/slideLayouts/slideLayout3.xml><?xml version="1.0" encoding="utf-8"?>
-<p:sldLayout xmlns:a="http://schemas.openxmlformats.org/drawingml/2006/main" xmlns:p="http://schemas.openxmlformats.org/presentationml/2006/main" xmlns:r="http://schemas.openxmlformats.org/officeDocument/2006/relationships" preserve="1" type="obj">
+<p:sldLayout xmlns:a="http://schemas.openxmlformats.org/drawingml/2006/main" xmlns:r="http://schemas.openxmlformats.org/officeDocument/2006/relationships" xmlns:p="http://schemas.openxmlformats.org/presentationml/2006/main" type="obj" preserve="1">
   <p:cSld name="Title, Content">
     <p:spTree>
       <p:nvGrpSpPr>
@@ -4020,7 +4472,8 @@
           </a:prstGeom>
         </p:spPr>
         <p:txBody>
-          <a:bodyPr anchor="ctr" bIns="0" lIns="0" rIns="0" tIns="0" wrap="none"/>
+          <a:bodyPr wrap="none" lIns="0" tIns="0" rIns="0" bIns="0" anchor="ctr"/>
+          <a:lstStyle/>
           <a:p>
             <a:pPr algn="ctr"/>
             <a:endParaRPr/>
@@ -4047,7 +4500,8 @@
           </a:prstGeom>
         </p:spPr>
         <p:txBody>
-          <a:bodyPr bIns="0" lIns="0" rIns="0" tIns="0" wrap="none"/>
+          <a:bodyPr wrap="none" lIns="0" tIns="0" rIns="0" bIns="0"/>
+          <a:lstStyle/>
           <a:p>
             <a:endParaRPr/>
           </a:p>
@@ -4055,11 +4509,14 @@
       </p:sp>
     </p:spTree>
   </p:cSld>
+  <p:clrMapOvr>
+    <a:masterClrMapping/>
+  </p:clrMapOvr>
 </p:sldLayout>
 </file>
 
 <file path=ppt/slideLayouts/slideLayout30.xml><?xml version="1.0" encoding="utf-8"?>
-<p:sldLayout xmlns:a="http://schemas.openxmlformats.org/drawingml/2006/main" xmlns:p="http://schemas.openxmlformats.org/presentationml/2006/main" xmlns:r="http://schemas.openxmlformats.org/officeDocument/2006/relationships" preserve="1" type="objOnly">
+<p:sldLayout xmlns:a="http://schemas.openxmlformats.org/drawingml/2006/main" xmlns:r="http://schemas.openxmlformats.org/officeDocument/2006/relationships" xmlns:p="http://schemas.openxmlformats.org/presentationml/2006/main" type="objOnly" preserve="1">
   <p:cSld name="Centered Text">
     <p:spTree>
       <p:nvGrpSpPr>
@@ -4095,7 +4552,8 @@
           </a:prstGeom>
         </p:spPr>
         <p:txBody>
-          <a:bodyPr anchor="ctr" bIns="0" lIns="0" rIns="0" tIns="0" wrap="none"/>
+          <a:bodyPr wrap="none" lIns="0" tIns="0" rIns="0" bIns="0" anchor="ctr"/>
+          <a:lstStyle/>
           <a:p>
             <a:pPr algn="ctr"/>
             <a:endParaRPr/>
@@ -4104,11 +4562,14 @@
       </p:sp>
     </p:spTree>
   </p:cSld>
+  <p:clrMapOvr>
+    <a:masterClrMapping/>
+  </p:clrMapOvr>
 </p:sldLayout>
 </file>
 
 <file path=ppt/slideLayouts/slideLayout31.xml><?xml version="1.0" encoding="utf-8"?>
-<p:sldLayout xmlns:a="http://schemas.openxmlformats.org/drawingml/2006/main" xmlns:p="http://schemas.openxmlformats.org/presentationml/2006/main" xmlns:r="http://schemas.openxmlformats.org/officeDocument/2006/relationships" preserve="1" type="twoObjAndObj">
+<p:sldLayout xmlns:a="http://schemas.openxmlformats.org/drawingml/2006/main" xmlns:r="http://schemas.openxmlformats.org/officeDocument/2006/relationships" xmlns:p="http://schemas.openxmlformats.org/presentationml/2006/main" type="twoObjAndObj" preserve="1">
   <p:cSld name="Title, 2 Content and Content">
     <p:spTree>
       <p:nvGrpSpPr>
@@ -4144,7 +4605,8 @@
           </a:prstGeom>
         </p:spPr>
         <p:txBody>
-          <a:bodyPr anchor="ctr" bIns="0" lIns="0" rIns="0" tIns="0" wrap="none"/>
+          <a:bodyPr wrap="none" lIns="0" tIns="0" rIns="0" bIns="0" anchor="ctr"/>
+          <a:lstStyle/>
           <a:p>
             <a:pPr algn="ctr"/>
             <a:endParaRPr/>
@@ -4171,7 +4633,8 @@
           </a:prstGeom>
         </p:spPr>
         <p:txBody>
-          <a:bodyPr bIns="0" lIns="0" rIns="0" tIns="0" wrap="none"/>
+          <a:bodyPr wrap="none" lIns="0" tIns="0" rIns="0" bIns="0"/>
+          <a:lstStyle/>
           <a:p>
             <a:endParaRPr/>
           </a:p>
@@ -4197,7 +4660,8 @@
           </a:prstGeom>
         </p:spPr>
         <p:txBody>
-          <a:bodyPr bIns="0" lIns="0" rIns="0" tIns="0" wrap="none"/>
+          <a:bodyPr wrap="none" lIns="0" tIns="0" rIns="0" bIns="0"/>
+          <a:lstStyle/>
           <a:p>
             <a:endParaRPr/>
           </a:p>
@@ -4223,7 +4687,8 @@
           </a:prstGeom>
         </p:spPr>
         <p:txBody>
-          <a:bodyPr bIns="0" lIns="0" rIns="0" tIns="0" wrap="none"/>
+          <a:bodyPr wrap="none" lIns="0" tIns="0" rIns="0" bIns="0"/>
+          <a:lstStyle/>
           <a:p>
             <a:endParaRPr/>
           </a:p>
@@ -4231,11 +4696,14 @@
       </p:sp>
     </p:spTree>
   </p:cSld>
+  <p:clrMapOvr>
+    <a:masterClrMapping/>
+  </p:clrMapOvr>
 </p:sldLayout>
 </file>
 
 <file path=ppt/slideLayouts/slideLayout32.xml><?xml version="1.0" encoding="utf-8"?>
-<p:sldLayout xmlns:a="http://schemas.openxmlformats.org/drawingml/2006/main" xmlns:p="http://schemas.openxmlformats.org/presentationml/2006/main" xmlns:r="http://schemas.openxmlformats.org/officeDocument/2006/relationships" preserve="1" type="objAndTwoObj">
+<p:sldLayout xmlns:a="http://schemas.openxmlformats.org/drawingml/2006/main" xmlns:r="http://schemas.openxmlformats.org/officeDocument/2006/relationships" xmlns:p="http://schemas.openxmlformats.org/presentationml/2006/main" type="objAndTwoObj" preserve="1">
   <p:cSld name="Title Content and 2 Content">
     <p:spTree>
       <p:nvGrpSpPr>
@@ -4271,7 +4739,8 @@
           </a:prstGeom>
         </p:spPr>
         <p:txBody>
-          <a:bodyPr anchor="ctr" bIns="0" lIns="0" rIns="0" tIns="0" wrap="none"/>
+          <a:bodyPr wrap="none" lIns="0" tIns="0" rIns="0" bIns="0" anchor="ctr"/>
+          <a:lstStyle/>
           <a:p>
             <a:pPr algn="ctr"/>
             <a:endParaRPr/>
@@ -4298,7 +4767,8 @@
           </a:prstGeom>
         </p:spPr>
         <p:txBody>
-          <a:bodyPr bIns="0" lIns="0" rIns="0" tIns="0" wrap="none"/>
+          <a:bodyPr wrap="none" lIns="0" tIns="0" rIns="0" bIns="0"/>
+          <a:lstStyle/>
           <a:p>
             <a:endParaRPr/>
           </a:p>
@@ -4324,7 +4794,8 @@
           </a:prstGeom>
         </p:spPr>
         <p:txBody>
-          <a:bodyPr bIns="0" lIns="0" rIns="0" tIns="0" wrap="none"/>
+          <a:bodyPr wrap="none" lIns="0" tIns="0" rIns="0" bIns="0"/>
+          <a:lstStyle/>
           <a:p>
             <a:endParaRPr/>
           </a:p>
@@ -4350,7 +4821,8 @@
           </a:prstGeom>
         </p:spPr>
         <p:txBody>
-          <a:bodyPr bIns="0" lIns="0" rIns="0" tIns="0" wrap="none"/>
+          <a:bodyPr wrap="none" lIns="0" tIns="0" rIns="0" bIns="0"/>
+          <a:lstStyle/>
           <a:p>
             <a:endParaRPr/>
           </a:p>
@@ -4358,11 +4830,14 @@
       </p:sp>
     </p:spTree>
   </p:cSld>
+  <p:clrMapOvr>
+    <a:masterClrMapping/>
+  </p:clrMapOvr>
 </p:sldLayout>
 </file>
 
 <file path=ppt/slideLayouts/slideLayout33.xml><?xml version="1.0" encoding="utf-8"?>
-<p:sldLayout xmlns:a="http://schemas.openxmlformats.org/drawingml/2006/main" xmlns:p="http://schemas.openxmlformats.org/presentationml/2006/main" xmlns:r="http://schemas.openxmlformats.org/officeDocument/2006/relationships" preserve="1" type="twoObjOverTx">
+<p:sldLayout xmlns:a="http://schemas.openxmlformats.org/drawingml/2006/main" xmlns:r="http://schemas.openxmlformats.org/officeDocument/2006/relationships" xmlns:p="http://schemas.openxmlformats.org/presentationml/2006/main" type="twoObjOverTx" preserve="1">
   <p:cSld name="Title, 2 Content over Content">
     <p:spTree>
       <p:nvGrpSpPr>
@@ -4398,7 +4873,8 @@
           </a:prstGeom>
         </p:spPr>
         <p:txBody>
-          <a:bodyPr anchor="ctr" bIns="0" lIns="0" rIns="0" tIns="0" wrap="none"/>
+          <a:bodyPr wrap="none" lIns="0" tIns="0" rIns="0" bIns="0" anchor="ctr"/>
+          <a:lstStyle/>
           <a:p>
             <a:pPr algn="ctr"/>
             <a:endParaRPr/>
@@ -4425,7 +4901,8 @@
           </a:prstGeom>
         </p:spPr>
         <p:txBody>
-          <a:bodyPr bIns="0" lIns="0" rIns="0" tIns="0" wrap="none"/>
+          <a:bodyPr wrap="none" lIns="0" tIns="0" rIns="0" bIns="0"/>
+          <a:lstStyle/>
           <a:p>
             <a:endParaRPr/>
           </a:p>
@@ -4451,7 +4928,8 @@
           </a:prstGeom>
         </p:spPr>
         <p:txBody>
-          <a:bodyPr bIns="0" lIns="0" rIns="0" tIns="0" wrap="none"/>
+          <a:bodyPr wrap="none" lIns="0" tIns="0" rIns="0" bIns="0"/>
+          <a:lstStyle/>
           <a:p>
             <a:endParaRPr/>
           </a:p>
@@ -4477,7 +4955,8 @@
           </a:prstGeom>
         </p:spPr>
         <p:txBody>
-          <a:bodyPr bIns="0" lIns="0" rIns="0" tIns="0" wrap="none"/>
+          <a:bodyPr wrap="none" lIns="0" tIns="0" rIns="0" bIns="0"/>
+          <a:lstStyle/>
           <a:p>
             <a:endParaRPr/>
           </a:p>
@@ -4485,11 +4964,14 @@
       </p:sp>
     </p:spTree>
   </p:cSld>
+  <p:clrMapOvr>
+    <a:masterClrMapping/>
+  </p:clrMapOvr>
 </p:sldLayout>
 </file>
 
 <file path=ppt/slideLayouts/slideLayout34.xml><?xml version="1.0" encoding="utf-8"?>
-<p:sldLayout xmlns:a="http://schemas.openxmlformats.org/drawingml/2006/main" xmlns:p="http://schemas.openxmlformats.org/presentationml/2006/main" xmlns:r="http://schemas.openxmlformats.org/officeDocument/2006/relationships" preserve="1" type="objOverTx">
+<p:sldLayout xmlns:a="http://schemas.openxmlformats.org/drawingml/2006/main" xmlns:r="http://schemas.openxmlformats.org/officeDocument/2006/relationships" xmlns:p="http://schemas.openxmlformats.org/presentationml/2006/main" type="objOverTx" preserve="1">
   <p:cSld name="Title, Content over Content">
     <p:spTree>
       <p:nvGrpSpPr>
@@ -4525,7 +5007,8 @@
           </a:prstGeom>
         </p:spPr>
         <p:txBody>
-          <a:bodyPr anchor="ctr" bIns="0" lIns="0" rIns="0" tIns="0" wrap="none"/>
+          <a:bodyPr wrap="none" lIns="0" tIns="0" rIns="0" bIns="0" anchor="ctr"/>
+          <a:lstStyle/>
           <a:p>
             <a:pPr algn="ctr"/>
             <a:endParaRPr/>
@@ -4552,7 +5035,8 @@
           </a:prstGeom>
         </p:spPr>
         <p:txBody>
-          <a:bodyPr bIns="0" lIns="0" rIns="0" tIns="0" wrap="none"/>
+          <a:bodyPr wrap="none" lIns="0" tIns="0" rIns="0" bIns="0"/>
+          <a:lstStyle/>
           <a:p>
             <a:endParaRPr/>
           </a:p>
@@ -4578,7 +5062,8 @@
           </a:prstGeom>
         </p:spPr>
         <p:txBody>
-          <a:bodyPr bIns="0" lIns="0" rIns="0" tIns="0" wrap="none"/>
+          <a:bodyPr wrap="none" lIns="0" tIns="0" rIns="0" bIns="0"/>
+          <a:lstStyle/>
           <a:p>
             <a:endParaRPr/>
           </a:p>
@@ -4586,11 +5071,14 @@
       </p:sp>
     </p:spTree>
   </p:cSld>
+  <p:clrMapOvr>
+    <a:masterClrMapping/>
+  </p:clrMapOvr>
 </p:sldLayout>
 </file>
 
 <file path=ppt/slideLayouts/slideLayout35.xml><?xml version="1.0" encoding="utf-8"?>
-<p:sldLayout xmlns:a="http://schemas.openxmlformats.org/drawingml/2006/main" xmlns:p="http://schemas.openxmlformats.org/presentationml/2006/main" xmlns:r="http://schemas.openxmlformats.org/officeDocument/2006/relationships" preserve="1" type="fourObj">
+<p:sldLayout xmlns:a="http://schemas.openxmlformats.org/drawingml/2006/main" xmlns:r="http://schemas.openxmlformats.org/officeDocument/2006/relationships" xmlns:p="http://schemas.openxmlformats.org/presentationml/2006/main" type="fourObj" preserve="1">
   <p:cSld name="Title, 4 Content">
     <p:spTree>
       <p:nvGrpSpPr>
@@ -4626,7 +5114,8 @@
           </a:prstGeom>
         </p:spPr>
         <p:txBody>
-          <a:bodyPr anchor="ctr" bIns="0" lIns="0" rIns="0" tIns="0" wrap="none"/>
+          <a:bodyPr wrap="none" lIns="0" tIns="0" rIns="0" bIns="0" anchor="ctr"/>
+          <a:lstStyle/>
           <a:p>
             <a:pPr algn="ctr"/>
             <a:endParaRPr/>
@@ -4653,7 +5142,8 @@
           </a:prstGeom>
         </p:spPr>
         <p:txBody>
-          <a:bodyPr bIns="0" lIns="0" rIns="0" tIns="0" wrap="none"/>
+          <a:bodyPr wrap="none" lIns="0" tIns="0" rIns="0" bIns="0"/>
+          <a:lstStyle/>
           <a:p>
             <a:endParaRPr/>
           </a:p>
@@ -4679,7 +5169,8 @@
           </a:prstGeom>
         </p:spPr>
         <p:txBody>
-          <a:bodyPr bIns="0" lIns="0" rIns="0" tIns="0" wrap="none"/>
+          <a:bodyPr wrap="none" lIns="0" tIns="0" rIns="0" bIns="0"/>
+          <a:lstStyle/>
           <a:p>
             <a:endParaRPr/>
           </a:p>
@@ -4705,7 +5196,8 @@
           </a:prstGeom>
         </p:spPr>
         <p:txBody>
-          <a:bodyPr bIns="0" lIns="0" rIns="0" tIns="0" wrap="none"/>
+          <a:bodyPr wrap="none" lIns="0" tIns="0" rIns="0" bIns="0"/>
+          <a:lstStyle/>
           <a:p>
             <a:endParaRPr/>
           </a:p>
@@ -4731,7 +5223,8 @@
           </a:prstGeom>
         </p:spPr>
         <p:txBody>
-          <a:bodyPr bIns="0" lIns="0" rIns="0" tIns="0" wrap="none"/>
+          <a:bodyPr wrap="none" lIns="0" tIns="0" rIns="0" bIns="0"/>
+          <a:lstStyle/>
           <a:p>
             <a:endParaRPr/>
           </a:p>
@@ -4739,11 +5232,14 @@
       </p:sp>
     </p:spTree>
   </p:cSld>
+  <p:clrMapOvr>
+    <a:masterClrMapping/>
+  </p:clrMapOvr>
 </p:sldLayout>
 </file>
 
 <file path=ppt/slideLayouts/slideLayout36.xml><?xml version="1.0" encoding="utf-8"?>
-<p:sldLayout xmlns:a="http://schemas.openxmlformats.org/drawingml/2006/main" xmlns:p="http://schemas.openxmlformats.org/presentationml/2006/main" xmlns:r="http://schemas.openxmlformats.org/officeDocument/2006/relationships" preserve="1" type="blank">
+<p:sldLayout xmlns:a="http://schemas.openxmlformats.org/drawingml/2006/main" xmlns:r="http://schemas.openxmlformats.org/officeDocument/2006/relationships" xmlns:p="http://schemas.openxmlformats.org/presentationml/2006/main" type="blank" preserve="1">
   <p:cSld name="Title, 6 Content">
     <p:spTree>
       <p:nvGrpSpPr>
@@ -4779,7 +5275,8 @@
           </a:prstGeom>
         </p:spPr>
         <p:txBody>
-          <a:bodyPr anchor="ctr" bIns="0" lIns="0" rIns="0" tIns="0" wrap="none"/>
+          <a:bodyPr wrap="none" lIns="0" tIns="0" rIns="0" bIns="0" anchor="ctr"/>
+          <a:lstStyle/>
           <a:p>
             <a:pPr algn="ctr"/>
             <a:endParaRPr/>
@@ -4806,7 +5303,8 @@
           </a:prstGeom>
         </p:spPr>
         <p:txBody>
-          <a:bodyPr bIns="0" lIns="0" rIns="0" tIns="0" wrap="none"/>
+          <a:bodyPr wrap="none" lIns="0" tIns="0" rIns="0" bIns="0"/>
+          <a:lstStyle/>
           <a:p>
             <a:endParaRPr/>
           </a:p>
@@ -4832,7 +5330,8 @@
           </a:prstGeom>
         </p:spPr>
         <p:txBody>
-          <a:bodyPr bIns="0" lIns="0" rIns="0" tIns="0" wrap="none"/>
+          <a:bodyPr wrap="none" lIns="0" tIns="0" rIns="0" bIns="0"/>
+          <a:lstStyle/>
           <a:p>
             <a:endParaRPr/>
           </a:p>
@@ -4840,11 +5339,14 @@
       </p:sp>
     </p:spTree>
   </p:cSld>
+  <p:clrMapOvr>
+    <a:masterClrMapping/>
+  </p:clrMapOvr>
 </p:sldLayout>
 </file>
 
 <file path=ppt/slideLayouts/slideLayout4.xml><?xml version="1.0" encoding="utf-8"?>
-<p:sldLayout xmlns:a="http://schemas.openxmlformats.org/drawingml/2006/main" xmlns:p="http://schemas.openxmlformats.org/presentationml/2006/main" xmlns:r="http://schemas.openxmlformats.org/officeDocument/2006/relationships" preserve="1" type="twoObj">
+<p:sldLayout xmlns:a="http://schemas.openxmlformats.org/drawingml/2006/main" xmlns:r="http://schemas.openxmlformats.org/officeDocument/2006/relationships" xmlns:p="http://schemas.openxmlformats.org/presentationml/2006/main" type="twoObj" preserve="1">
   <p:cSld name="Title, 2 Content">
     <p:spTree>
       <p:nvGrpSpPr>
@@ -4880,7 +5382,8 @@
           </a:prstGeom>
         </p:spPr>
         <p:txBody>
-          <a:bodyPr anchor="ctr" bIns="0" lIns="0" rIns="0" tIns="0" wrap="none"/>
+          <a:bodyPr wrap="none" lIns="0" tIns="0" rIns="0" bIns="0" anchor="ctr"/>
+          <a:lstStyle/>
           <a:p>
             <a:pPr algn="ctr"/>
             <a:endParaRPr/>
@@ -4907,7 +5410,8 @@
           </a:prstGeom>
         </p:spPr>
         <p:txBody>
-          <a:bodyPr bIns="0" lIns="0" rIns="0" tIns="0" wrap="none"/>
+          <a:bodyPr wrap="none" lIns="0" tIns="0" rIns="0" bIns="0"/>
+          <a:lstStyle/>
           <a:p>
             <a:endParaRPr/>
           </a:p>
@@ -4933,7 +5437,8 @@
           </a:prstGeom>
         </p:spPr>
         <p:txBody>
-          <a:bodyPr bIns="0" lIns="0" rIns="0" tIns="0" wrap="none"/>
+          <a:bodyPr wrap="none" lIns="0" tIns="0" rIns="0" bIns="0"/>
+          <a:lstStyle/>
           <a:p>
             <a:endParaRPr/>
           </a:p>
@@ -4941,11 +5446,14 @@
       </p:sp>
     </p:spTree>
   </p:cSld>
+  <p:clrMapOvr>
+    <a:masterClrMapping/>
+  </p:clrMapOvr>
 </p:sldLayout>
 </file>
 
 <file path=ppt/slideLayouts/slideLayout5.xml><?xml version="1.0" encoding="utf-8"?>
-<p:sldLayout xmlns:a="http://schemas.openxmlformats.org/drawingml/2006/main" xmlns:p="http://schemas.openxmlformats.org/presentationml/2006/main" xmlns:r="http://schemas.openxmlformats.org/officeDocument/2006/relationships" preserve="1" type="titleOnly">
+<p:sldLayout xmlns:a="http://schemas.openxmlformats.org/drawingml/2006/main" xmlns:r="http://schemas.openxmlformats.org/officeDocument/2006/relationships" xmlns:p="http://schemas.openxmlformats.org/presentationml/2006/main" type="titleOnly" preserve="1">
   <p:cSld name="Title Only">
     <p:spTree>
       <p:nvGrpSpPr>
@@ -4981,7 +5489,8 @@
           </a:prstGeom>
         </p:spPr>
         <p:txBody>
-          <a:bodyPr anchor="ctr" bIns="0" lIns="0" rIns="0" tIns="0" wrap="none"/>
+          <a:bodyPr wrap="none" lIns="0" tIns="0" rIns="0" bIns="0" anchor="ctr"/>
+          <a:lstStyle/>
           <a:p>
             <a:pPr algn="ctr"/>
             <a:endParaRPr/>
@@ -4990,11 +5499,14 @@
       </p:sp>
     </p:spTree>
   </p:cSld>
+  <p:clrMapOvr>
+    <a:masterClrMapping/>
+  </p:clrMapOvr>
 </p:sldLayout>
 </file>
 
 <file path=ppt/slideLayouts/slideLayout6.xml><?xml version="1.0" encoding="utf-8"?>
-<p:sldLayout xmlns:a="http://schemas.openxmlformats.org/drawingml/2006/main" xmlns:p="http://schemas.openxmlformats.org/presentationml/2006/main" xmlns:r="http://schemas.openxmlformats.org/officeDocument/2006/relationships" preserve="1" type="objOnly">
+<p:sldLayout xmlns:a="http://schemas.openxmlformats.org/drawingml/2006/main" xmlns:r="http://schemas.openxmlformats.org/officeDocument/2006/relationships" xmlns:p="http://schemas.openxmlformats.org/presentationml/2006/main" type="objOnly" preserve="1">
   <p:cSld name="Centered Text">
     <p:spTree>
       <p:nvGrpSpPr>
@@ -5030,7 +5542,8 @@
           </a:prstGeom>
         </p:spPr>
         <p:txBody>
-          <a:bodyPr anchor="ctr" bIns="0" lIns="0" rIns="0" tIns="0" wrap="none"/>
+          <a:bodyPr wrap="none" lIns="0" tIns="0" rIns="0" bIns="0" anchor="ctr"/>
+          <a:lstStyle/>
           <a:p>
             <a:pPr algn="ctr"/>
             <a:endParaRPr/>
@@ -5039,11 +5552,14 @@
       </p:sp>
     </p:spTree>
   </p:cSld>
+  <p:clrMapOvr>
+    <a:masterClrMapping/>
+  </p:clrMapOvr>
 </p:sldLayout>
 </file>
 
 <file path=ppt/slideLayouts/slideLayout7.xml><?xml version="1.0" encoding="utf-8"?>
-<p:sldLayout xmlns:a="http://schemas.openxmlformats.org/drawingml/2006/main" xmlns:p="http://schemas.openxmlformats.org/presentationml/2006/main" xmlns:r="http://schemas.openxmlformats.org/officeDocument/2006/relationships" preserve="1" type="twoObjAndObj">
+<p:sldLayout xmlns:a="http://schemas.openxmlformats.org/drawingml/2006/main" xmlns:r="http://schemas.openxmlformats.org/officeDocument/2006/relationships" xmlns:p="http://schemas.openxmlformats.org/presentationml/2006/main" type="twoObjAndObj" preserve="1">
   <p:cSld name="Title, 2 Content and Content">
     <p:spTree>
       <p:nvGrpSpPr>
@@ -5079,7 +5595,8 @@
           </a:prstGeom>
         </p:spPr>
         <p:txBody>
-          <a:bodyPr anchor="ctr" bIns="0" lIns="0" rIns="0" tIns="0" wrap="none"/>
+          <a:bodyPr wrap="none" lIns="0" tIns="0" rIns="0" bIns="0" anchor="ctr"/>
+          <a:lstStyle/>
           <a:p>
             <a:pPr algn="ctr"/>
             <a:endParaRPr/>
@@ -5106,7 +5623,8 @@
           </a:prstGeom>
         </p:spPr>
         <p:txBody>
-          <a:bodyPr bIns="0" lIns="0" rIns="0" tIns="0" wrap="none"/>
+          <a:bodyPr wrap="none" lIns="0" tIns="0" rIns="0" bIns="0"/>
+          <a:lstStyle/>
           <a:p>
             <a:endParaRPr/>
           </a:p>
@@ -5132,7 +5650,8 @@
           </a:prstGeom>
         </p:spPr>
         <p:txBody>
-          <a:bodyPr bIns="0" lIns="0" rIns="0" tIns="0" wrap="none"/>
+          <a:bodyPr wrap="none" lIns="0" tIns="0" rIns="0" bIns="0"/>
+          <a:lstStyle/>
           <a:p>
             <a:endParaRPr/>
           </a:p>
@@ -5158,7 +5677,8 @@
           </a:prstGeom>
         </p:spPr>
         <p:txBody>
-          <a:bodyPr bIns="0" lIns="0" rIns="0" tIns="0" wrap="none"/>
+          <a:bodyPr wrap="none" lIns="0" tIns="0" rIns="0" bIns="0"/>
+          <a:lstStyle/>
           <a:p>
             <a:endParaRPr/>
           </a:p>
@@ -5166,11 +5686,14 @@
       </p:sp>
     </p:spTree>
   </p:cSld>
+  <p:clrMapOvr>
+    <a:masterClrMapping/>
+  </p:clrMapOvr>
 </p:sldLayout>
 </file>
 
 <file path=ppt/slideLayouts/slideLayout8.xml><?xml version="1.0" encoding="utf-8"?>
-<p:sldLayout xmlns:a="http://schemas.openxmlformats.org/drawingml/2006/main" xmlns:p="http://schemas.openxmlformats.org/presentationml/2006/main" xmlns:r="http://schemas.openxmlformats.org/officeDocument/2006/relationships" preserve="1" type="objAndTwoObj">
+<p:sldLayout xmlns:a="http://schemas.openxmlformats.org/drawingml/2006/main" xmlns:r="http://schemas.openxmlformats.org/officeDocument/2006/relationships" xmlns:p="http://schemas.openxmlformats.org/presentationml/2006/main" type="objAndTwoObj" preserve="1">
   <p:cSld name="Title Content and 2 Content">
     <p:spTree>
       <p:nvGrpSpPr>
@@ -5206,7 +5729,8 @@
           </a:prstGeom>
         </p:spPr>
         <p:txBody>
-          <a:bodyPr anchor="ctr" bIns="0" lIns="0" rIns="0" tIns="0" wrap="none"/>
+          <a:bodyPr wrap="none" lIns="0" tIns="0" rIns="0" bIns="0" anchor="ctr"/>
+          <a:lstStyle/>
           <a:p>
             <a:pPr algn="ctr"/>
             <a:endParaRPr/>
@@ -5233,7 +5757,8 @@
           </a:prstGeom>
         </p:spPr>
         <p:txBody>
-          <a:bodyPr bIns="0" lIns="0" rIns="0" tIns="0" wrap="none"/>
+          <a:bodyPr wrap="none" lIns="0" tIns="0" rIns="0" bIns="0"/>
+          <a:lstStyle/>
           <a:p>
             <a:endParaRPr/>
           </a:p>
@@ -5259,7 +5784,8 @@
           </a:prstGeom>
         </p:spPr>
         <p:txBody>
-          <a:bodyPr bIns="0" lIns="0" rIns="0" tIns="0" wrap="none"/>
+          <a:bodyPr wrap="none" lIns="0" tIns="0" rIns="0" bIns="0"/>
+          <a:lstStyle/>
           <a:p>
             <a:endParaRPr/>
           </a:p>
@@ -5285,7 +5811,8 @@
           </a:prstGeom>
         </p:spPr>
         <p:txBody>
-          <a:bodyPr bIns="0" lIns="0" rIns="0" tIns="0" wrap="none"/>
+          <a:bodyPr wrap="none" lIns="0" tIns="0" rIns="0" bIns="0"/>
+          <a:lstStyle/>
           <a:p>
             <a:endParaRPr/>
           </a:p>
@@ -5293,11 +5820,14 @@
       </p:sp>
     </p:spTree>
   </p:cSld>
+  <p:clrMapOvr>
+    <a:masterClrMapping/>
+  </p:clrMapOvr>
 </p:sldLayout>
 </file>
 
 <file path=ppt/slideLayouts/slideLayout9.xml><?xml version="1.0" encoding="utf-8"?>
-<p:sldLayout xmlns:a="http://schemas.openxmlformats.org/drawingml/2006/main" xmlns:p="http://schemas.openxmlformats.org/presentationml/2006/main" xmlns:r="http://schemas.openxmlformats.org/officeDocument/2006/relationships" preserve="1" type="twoObjOverTx">
+<p:sldLayout xmlns:a="http://schemas.openxmlformats.org/drawingml/2006/main" xmlns:r="http://schemas.openxmlformats.org/officeDocument/2006/relationships" xmlns:p="http://schemas.openxmlformats.org/presentationml/2006/main" type="twoObjOverTx" preserve="1">
   <p:cSld name="Title, 2 Content over Content">
     <p:spTree>
       <p:nvGrpSpPr>
@@ -5333,7 +5863,8 @@
           </a:prstGeom>
         </p:spPr>
         <p:txBody>
-          <a:bodyPr anchor="ctr" bIns="0" lIns="0" rIns="0" tIns="0" wrap="none"/>
+          <a:bodyPr wrap="none" lIns="0" tIns="0" rIns="0" bIns="0" anchor="ctr"/>
+          <a:lstStyle/>
           <a:p>
             <a:pPr algn="ctr"/>
             <a:endParaRPr/>
@@ -5360,7 +5891,8 @@
           </a:prstGeom>
         </p:spPr>
         <p:txBody>
-          <a:bodyPr bIns="0" lIns="0" rIns="0" tIns="0" wrap="none"/>
+          <a:bodyPr wrap="none" lIns="0" tIns="0" rIns="0" bIns="0"/>
+          <a:lstStyle/>
           <a:p>
             <a:endParaRPr/>
           </a:p>
@@ -5386,7 +5918,8 @@
           </a:prstGeom>
         </p:spPr>
         <p:txBody>
-          <a:bodyPr bIns="0" lIns="0" rIns="0" tIns="0" wrap="none"/>
+          <a:bodyPr wrap="none" lIns="0" tIns="0" rIns="0" bIns="0"/>
+          <a:lstStyle/>
           <a:p>
             <a:endParaRPr/>
           </a:p>
@@ -5412,7 +5945,8 @@
           </a:prstGeom>
         </p:spPr>
         <p:txBody>
-          <a:bodyPr bIns="0" lIns="0" rIns="0" tIns="0" wrap="none"/>
+          <a:bodyPr wrap="none" lIns="0" tIns="0" rIns="0" bIns="0"/>
+          <a:lstStyle/>
           <a:p>
             <a:endParaRPr/>
           </a:p>
@@ -5420,17 +5954,21 @@
       </p:sp>
     </p:spTree>
   </p:cSld>
+  <p:clrMapOvr>
+    <a:masterClrMapping/>
+  </p:clrMapOvr>
 </p:sldLayout>
 </file>
 
 <file path=ppt/slideMasters/slideMaster1.xml><?xml version="1.0" encoding="utf-8"?>
-<p:sldMaster xmlns:a="http://schemas.openxmlformats.org/drawingml/2006/main" xmlns:p="http://schemas.openxmlformats.org/presentationml/2006/main" xmlns:r="http://schemas.openxmlformats.org/officeDocument/2006/relationships">
+<p:sldMaster xmlns:a="http://schemas.openxmlformats.org/drawingml/2006/main" xmlns:r="http://schemas.openxmlformats.org/officeDocument/2006/relationships" xmlns:p="http://schemas.openxmlformats.org/presentationml/2006/main">
   <p:cSld>
     <p:bg>
       <p:bgPr>
         <a:solidFill>
-          <a:srgbClr val="ffffff"/>
+          <a:srgbClr val="FFFFFF"/>
         </a:solidFill>
+        <a:effectLst/>
       </p:bgPr>
     </p:bg>
     <p:spTree>
@@ -5449,12 +5987,12 @@
       </p:grpSpPr>
       <p:pic>
         <p:nvPicPr>
-          <p:cNvPr descr="" id="0" name="Picture 5"/>
+          <p:cNvPr id="3" name="Picture 5"/>
           <p:cNvPicPr/>
           <p:nvPr/>
         </p:nvPicPr>
         <p:blipFill>
-          <a:blip r:embed="rId2"/>
+          <a:blip r:embed="rId14"/>
           <a:stretch>
             <a:fillRect/>
           </a:stretch>
@@ -5471,7 +6009,7 @@
       </p:pic>
       <p:sp>
         <p:nvSpPr>
-          <p:cNvPr id="1" name="PlaceHolder 1"/>
+          <p:cNvPr id="4" name="PlaceHolder 1"/>
           <p:cNvSpPr>
             <a:spLocks noGrp="1"/>
           </p:cNvSpPr>
@@ -5489,7 +6027,8 @@
           </a:prstGeom>
         </p:spPr>
         <p:txBody>
-          <a:bodyPr anchor="ctr" bIns="0" lIns="0" rIns="0" tIns="0" wrap="none"/>
+          <a:bodyPr wrap="none" lIns="0" tIns="0" rIns="0" bIns="0" anchor="ctr"/>
+          <a:lstStyle/>
           <a:p>
             <a:pPr algn="ctr"/>
             <a:r>
@@ -5520,7 +6059,8 @@
           </a:prstGeom>
         </p:spPr>
         <p:txBody>
-          <a:bodyPr bIns="0" lIns="0" rIns="0" tIns="0" wrap="none"/>
+          <a:bodyPr wrap="none" lIns="0" tIns="0" rIns="0" bIns="0"/>
+          <a:lstStyle/>
           <a:p>
             <a:pPr>
               <a:buSzPct val="25000"/>
@@ -5609,27 +6149,37 @@
       </p:sp>
     </p:spTree>
   </p:cSld>
-  <p:clrMap accent1="accent1" accent2="accent2" accent3="accent3" accent4="accent4" accent5="accent5" accent6="accent6" bg1="lt1" bg2="lt2" folHlink="folHlink" hlink="hlink" tx1="dk1" tx2="dk2"/>
+  <p:clrMap bg1="lt1" tx1="dk1" bg2="lt2" tx2="dk2" accent1="accent1" accent2="accent2" accent3="accent3" accent4="accent4" accent5="accent5" accent6="accent6" hlink="hlink" folHlink="folHlink"/>
   <p:sldLayoutIdLst>
-    <p:sldLayoutId id="2147483649" r:id="rId3"/>
-    <p:sldLayoutId id="2147483650" r:id="rId4"/>
-    <p:sldLayoutId id="2147483651" r:id="rId5"/>
-    <p:sldLayoutId id="2147483652" r:id="rId6"/>
-    <p:sldLayoutId id="2147483653" r:id="rId7"/>
-    <p:sldLayoutId id="2147483654" r:id="rId8"/>
-    <p:sldLayoutId id="2147483655" r:id="rId9"/>
-    <p:sldLayoutId id="2147483656" r:id="rId10"/>
-    <p:sldLayoutId id="2147483657" r:id="rId11"/>
-    <p:sldLayoutId id="2147483658" r:id="rId12"/>
-    <p:sldLayoutId id="2147483659" r:id="rId13"/>
-    <p:sldLayoutId id="2147483660" r:id="rId14"/>
+    <p:sldLayoutId id="2147483649" r:id="rId1"/>
+    <p:sldLayoutId id="2147483650" r:id="rId2"/>
+    <p:sldLayoutId id="2147483651" r:id="rId3"/>
+    <p:sldLayoutId id="2147483652" r:id="rId4"/>
+    <p:sldLayoutId id="2147483653" r:id="rId5"/>
+    <p:sldLayoutId id="2147483654" r:id="rId6"/>
+    <p:sldLayoutId id="2147483655" r:id="rId7"/>
+    <p:sldLayoutId id="2147483656" r:id="rId8"/>
+    <p:sldLayoutId id="2147483657" r:id="rId9"/>
+    <p:sldLayoutId id="2147483658" r:id="rId10"/>
+    <p:sldLayoutId id="2147483659" r:id="rId11"/>
+    <p:sldLayoutId id="2147483660" r:id="rId12"/>
   </p:sldLayoutIdLst>
+  <p:txStyles>
+    <p:titleStyle/>
+    <p:bodyStyle/>
+    <p:otherStyle/>
+  </p:txStyles>
 </p:sldMaster>
 </file>
 
 <file path=ppt/slideMasters/slideMaster2.xml><?xml version="1.0" encoding="utf-8"?>
-<p:sldMaster xmlns:a="http://schemas.openxmlformats.org/drawingml/2006/main" xmlns:p="http://schemas.openxmlformats.org/presentationml/2006/main" xmlns:r="http://schemas.openxmlformats.org/officeDocument/2006/relationships">
+<p:sldMaster xmlns:a="http://schemas.openxmlformats.org/drawingml/2006/main" xmlns:r="http://schemas.openxmlformats.org/officeDocument/2006/relationships" xmlns:p="http://schemas.openxmlformats.org/presentationml/2006/main">
   <p:cSld>
+    <p:bg>
+      <p:bgRef idx="1001">
+        <a:schemeClr val="bg1"/>
+      </p:bgRef>
+    </p:bg>
     <p:spTree>
       <p:nvGrpSpPr>
         <p:cNvPr id="1" name=""/>
@@ -5664,7 +6214,8 @@
           </a:prstGeom>
         </p:spPr>
         <p:txBody>
-          <a:bodyPr anchor="ctr" bIns="0" lIns="0" rIns="0" tIns="0" wrap="none"/>
+          <a:bodyPr wrap="none" lIns="0" tIns="0" rIns="0" bIns="0" anchor="ctr"/>
+          <a:lstStyle/>
           <a:p>
             <a:pPr algn="ctr"/>
             <a:r>
@@ -5695,7 +6246,8 @@
           </a:prstGeom>
         </p:spPr>
         <p:txBody>
-          <a:bodyPr bIns="0" lIns="0" rIns="0" tIns="0" wrap="none"/>
+          <a:bodyPr wrap="none" lIns="0" tIns="0" rIns="0" bIns="0"/>
+          <a:lstStyle/>
           <a:p>
             <a:pPr>
               <a:buSzPct val="25000"/>
@@ -5784,32 +6336,38 @@
       </p:sp>
     </p:spTree>
   </p:cSld>
-  <p:clrMap accent1="accent1" accent2="accent2" accent3="accent3" accent4="accent4" accent5="accent5" accent6="accent6" bg1="lt1" bg2="lt2" folHlink="folHlink" hlink="hlink" tx1="dk1" tx2="dk2"/>
+  <p:clrMap bg1="lt1" tx1="dk1" bg2="lt2" tx2="dk2" accent1="accent1" accent2="accent2" accent3="accent3" accent4="accent4" accent5="accent5" accent6="accent6" hlink="hlink" folHlink="folHlink"/>
   <p:sldLayoutIdLst>
-    <p:sldLayoutId id="2147483662" r:id="rId2"/>
-    <p:sldLayoutId id="2147483663" r:id="rId3"/>
-    <p:sldLayoutId id="2147483664" r:id="rId4"/>
-    <p:sldLayoutId id="2147483665" r:id="rId5"/>
-    <p:sldLayoutId id="2147483666" r:id="rId6"/>
-    <p:sldLayoutId id="2147483667" r:id="rId7"/>
-    <p:sldLayoutId id="2147483668" r:id="rId8"/>
-    <p:sldLayoutId id="2147483669" r:id="rId9"/>
-    <p:sldLayoutId id="2147483670" r:id="rId10"/>
-    <p:sldLayoutId id="2147483671" r:id="rId11"/>
-    <p:sldLayoutId id="2147483672" r:id="rId12"/>
-    <p:sldLayoutId id="2147483673" r:id="rId13"/>
+    <p:sldLayoutId id="2147483662" r:id="rId1"/>
+    <p:sldLayoutId id="2147483663" r:id="rId2"/>
+    <p:sldLayoutId id="2147483664" r:id="rId3"/>
+    <p:sldLayoutId id="2147483665" r:id="rId4"/>
+    <p:sldLayoutId id="2147483666" r:id="rId5"/>
+    <p:sldLayoutId id="2147483667" r:id="rId6"/>
+    <p:sldLayoutId id="2147483668" r:id="rId7"/>
+    <p:sldLayoutId id="2147483669" r:id="rId8"/>
+    <p:sldLayoutId id="2147483670" r:id="rId9"/>
+    <p:sldLayoutId id="2147483671" r:id="rId10"/>
+    <p:sldLayoutId id="2147483672" r:id="rId11"/>
+    <p:sldLayoutId id="2147483673" r:id="rId12"/>
   </p:sldLayoutIdLst>
+  <p:txStyles>
+    <p:titleStyle/>
+    <p:bodyStyle/>
+    <p:otherStyle/>
+  </p:txStyles>
 </p:sldMaster>
 </file>
 
 <file path=ppt/slideMasters/slideMaster3.xml><?xml version="1.0" encoding="utf-8"?>
-<p:sldMaster xmlns:a="http://schemas.openxmlformats.org/drawingml/2006/main" xmlns:p="http://schemas.openxmlformats.org/presentationml/2006/main" xmlns:r="http://schemas.openxmlformats.org/officeDocument/2006/relationships">
+<p:sldMaster xmlns:a="http://schemas.openxmlformats.org/drawingml/2006/main" xmlns:r="http://schemas.openxmlformats.org/officeDocument/2006/relationships" xmlns:p="http://schemas.openxmlformats.org/presentationml/2006/main">
   <p:cSld>
     <p:bg>
       <p:bgPr>
         <a:solidFill>
-          <a:srgbClr val="ffffff"/>
+          <a:srgbClr val="FFFFFF"/>
         </a:solidFill>
+        <a:effectLst/>
       </p:bgPr>
     </p:bg>
     <p:spTree>
@@ -5828,12 +6386,12 @@
       </p:grpSpPr>
       <p:pic>
         <p:nvPicPr>
-          <p:cNvPr descr="" id="69" name="Picture 4"/>
+          <p:cNvPr id="69" name="Picture 4"/>
           <p:cNvPicPr/>
           <p:nvPr/>
         </p:nvPicPr>
         <p:blipFill>
-          <a:blip r:embed="rId2"/>
+          <a:blip r:embed="rId14"/>
           <a:stretch>
             <a:fillRect/>
           </a:stretch>
@@ -5868,7 +6426,8 @@
           </a:prstGeom>
         </p:spPr>
         <p:txBody>
-          <a:bodyPr anchor="ctr" bIns="0" lIns="0" rIns="0" tIns="0" wrap="none"/>
+          <a:bodyPr wrap="none" lIns="0" tIns="0" rIns="0" bIns="0" anchor="ctr"/>
+          <a:lstStyle/>
           <a:p>
             <a:pPr algn="ctr"/>
             <a:r>
@@ -5899,7 +6458,8 @@
           </a:prstGeom>
         </p:spPr>
         <p:txBody>
-          <a:bodyPr bIns="0" lIns="0" rIns="0" tIns="0" wrap="none"/>
+          <a:bodyPr wrap="none" lIns="0" tIns="0" rIns="0" bIns="0"/>
+          <a:lstStyle/>
           <a:p>
             <a:pPr>
               <a:buSzPct val="25000"/>
@@ -5988,26 +6548,31 @@
       </p:sp>
     </p:spTree>
   </p:cSld>
-  <p:clrMap accent1="accent1" accent2="accent2" accent3="accent3" accent4="accent4" accent5="accent5" accent6="accent6" bg1="lt1" bg2="lt2" folHlink="folHlink" hlink="hlink" tx1="dk1" tx2="dk2"/>
+  <p:clrMap bg1="lt1" tx1="dk1" bg2="lt2" tx2="dk2" accent1="accent1" accent2="accent2" accent3="accent3" accent4="accent4" accent5="accent5" accent6="accent6" hlink="hlink" folHlink="folHlink"/>
   <p:sldLayoutIdLst>
-    <p:sldLayoutId id="2147483675" r:id="rId3"/>
-    <p:sldLayoutId id="2147483676" r:id="rId4"/>
-    <p:sldLayoutId id="2147483677" r:id="rId5"/>
-    <p:sldLayoutId id="2147483678" r:id="rId6"/>
-    <p:sldLayoutId id="2147483679" r:id="rId7"/>
-    <p:sldLayoutId id="2147483680" r:id="rId8"/>
-    <p:sldLayoutId id="2147483681" r:id="rId9"/>
-    <p:sldLayoutId id="2147483682" r:id="rId10"/>
-    <p:sldLayoutId id="2147483683" r:id="rId11"/>
-    <p:sldLayoutId id="2147483684" r:id="rId12"/>
-    <p:sldLayoutId id="2147483685" r:id="rId13"/>
-    <p:sldLayoutId id="2147483686" r:id="rId14"/>
+    <p:sldLayoutId id="2147483675" r:id="rId1"/>
+    <p:sldLayoutId id="2147483676" r:id="rId2"/>
+    <p:sldLayoutId id="2147483677" r:id="rId3"/>
+    <p:sldLayoutId id="2147483678" r:id="rId4"/>
+    <p:sldLayoutId id="2147483679" r:id="rId5"/>
+    <p:sldLayoutId id="2147483680" r:id="rId6"/>
+    <p:sldLayoutId id="2147483681" r:id="rId7"/>
+    <p:sldLayoutId id="2147483682" r:id="rId8"/>
+    <p:sldLayoutId id="2147483683" r:id="rId9"/>
+    <p:sldLayoutId id="2147483684" r:id="rId10"/>
+    <p:sldLayoutId id="2147483685" r:id="rId11"/>
+    <p:sldLayoutId id="2147483686" r:id="rId12"/>
   </p:sldLayoutIdLst>
+  <p:txStyles>
+    <p:titleStyle/>
+    <p:bodyStyle/>
+    <p:otherStyle/>
+  </p:txStyles>
 </p:sldMaster>
 </file>
 
 <file path=ppt/slides/slide1.xml><?xml version="1.0" encoding="utf-8"?>
-<p:sld xmlns:a="http://schemas.openxmlformats.org/drawingml/2006/main" xmlns:p="http://schemas.openxmlformats.org/presentationml/2006/main" xmlns:r="http://schemas.openxmlformats.org/officeDocument/2006/relationships">
+<p:sld xmlns:a="http://schemas.openxmlformats.org/drawingml/2006/main" xmlns:r="http://schemas.openxmlformats.org/officeDocument/2006/relationships" xmlns:p="http://schemas.openxmlformats.org/presentationml/2006/main">
   <p:cSld>
     <p:spTree>
       <p:nvGrpSpPr>
@@ -6039,7 +6604,8 @@
           </a:prstGeom>
         </p:spPr>
         <p:txBody>
-          <a:bodyPr bIns="45000" lIns="90000" rIns="90000" tIns="45000"/>
+          <a:bodyPr lIns="90000" tIns="45000" rIns="90000" bIns="45000"/>
+          <a:lstStyle/>
           <a:p>
             <a:pPr>
               <a:lnSpc>
@@ -6047,7 +6613,7 @@
               </a:lnSpc>
             </a:pPr>
             <a:r>
-              <a:rPr b="1" lang="en-GB" sz="3200">
+              <a:rPr lang="en-GB" sz="3200" b="1">
                 <a:solidFill>
                   <a:srgbClr val="595959"/>
                 </a:solidFill>
@@ -6076,7 +6642,8 @@
           </a:prstGeom>
         </p:spPr>
         <p:txBody>
-          <a:bodyPr bIns="45000" lIns="90000" rIns="90000" tIns="45000"/>
+          <a:bodyPr lIns="90000" tIns="45000" rIns="90000" bIns="45000"/>
+          <a:lstStyle/>
           <a:p>
             <a:pPr>
               <a:lnSpc>
@@ -6084,15 +6651,15 @@
               </a:lnSpc>
             </a:pPr>
             <a:r>
-              <a:rPr lang="en-GB" sz="1200">
+              <a:rPr lang="en-GB" sz="1200" dirty="0" smtClean="0">
                 <a:solidFill>
                   <a:srgbClr val="595959"/>
                 </a:solidFill>
                 <a:latin typeface="Arial"/>
               </a:rPr>
-              <a:t>Software Engineer</a:t>
-            </a:r>
-            <a:endParaRPr/>
+              <a:t>Job Title</a:t>
+            </a:r>
+            <a:endParaRPr dirty="0"/>
           </a:p>
         </p:txBody>
       </p:sp>
@@ -6112,7 +6679,8 @@
           </a:prstGeom>
         </p:spPr>
         <p:txBody>
-          <a:bodyPr bIns="45000" lIns="90000" rIns="90000" tIns="45000"/>
+          <a:bodyPr lIns="90000" tIns="45000" rIns="90000" bIns="45000"/>
+          <a:lstStyle/>
           <a:p>
             <a:pPr>
               <a:lnSpc>
@@ -6148,7 +6716,8 @@
           </a:prstGeom>
         </p:spPr>
         <p:txBody>
-          <a:bodyPr bIns="45000" lIns="90000" rIns="90000" tIns="45000"/>
+          <a:bodyPr lIns="90000" tIns="45000" rIns="90000" bIns="45000"/>
+          <a:lstStyle/>
           <a:p>
             <a:pPr>
               <a:lnSpc>
@@ -6156,36 +6725,39 @@
               </a:lnSpc>
             </a:pPr>
             <a:r>
-              <a:rPr lang="en-GB">
+              <a:rPr lang="en-GB" dirty="0" smtClean="0">
                 <a:solidFill>
                   <a:srgbClr val="595959"/>
                 </a:solidFill>
                 <a:latin typeface="Arial"/>
               </a:rPr>
-              <a:t>Miguel Ángel Pastor Olivar</a:t>
-            </a:r>
-            <a:endParaRPr/>
+              <a:t>Name</a:t>
+            </a:r>
+            <a:endParaRPr dirty="0"/>
           </a:p>
         </p:txBody>
       </p:sp>
     </p:spTree>
   </p:cSld>
+  <p:clrMapOvr>
+    <a:masterClrMapping/>
+  </p:clrMapOvr>
   <p:timing>
     <p:tnLst>
       <p:par>
-        <p:cTn dur="indefinite" id="1" nodeType="tmRoot" restart="never">
+        <p:cTn xmlns:p14="http://schemas.microsoft.com/office/powerpoint/2010/main" id="1" dur="indefinite" restart="never" nodeType="tmRoot">
           <p:childTnLst>
             <p:seq>
               <p:cTn id="2" nodeType="mainSeq"/>
               <p:prevCondLst>
-                <p:cond delay="0" evt="onPrev">
+                <p:cond evt="onPrev" delay="0">
                   <p:tgtEl>
                     <p:sldTgt/>
                   </p:tgtEl>
                 </p:cond>
               </p:prevCondLst>
               <p:nextCondLst>
-                <p:cond delay="0" evt="onNext">
+                <p:cond evt="onNext" delay="0">
                   <p:tgtEl>
                     <p:sldTgt/>
                   </p:tgtEl>
@@ -6201,16 +6773,17 @@
 </file>
 
 <file path=ppt/slides/slide10.xml><?xml version="1.0" encoding="utf-8"?>
-<p:sld xmlns:a="http://schemas.openxmlformats.org/drawingml/2006/main" xmlns:p="http://schemas.openxmlformats.org/presentationml/2006/main" xmlns:r="http://schemas.openxmlformats.org/officeDocument/2006/relationships">
+<p:sld xmlns:a="http://schemas.openxmlformats.org/drawingml/2006/main" xmlns:r="http://schemas.openxmlformats.org/officeDocument/2006/relationships" xmlns:p="http://schemas.openxmlformats.org/presentationml/2006/main">
   <p:cSld>
     <p:bg>
       <p:bgPr>
         <a:blipFill>
-          <a:blip r:embed="rId1"/>
+          <a:blip r:embed="rId3"/>
           <a:stretch>
             <a:fillRect/>
           </a:stretch>
         </a:blipFill>
+        <a:effectLst/>
       </p:bgPr>
     </p:bg>
     <p:spTree>
@@ -6229,22 +6802,25 @@
       </p:grpSpPr>
     </p:spTree>
   </p:cSld>
+  <p:clrMapOvr>
+    <a:masterClrMapping/>
+  </p:clrMapOvr>
   <p:timing>
     <p:tnLst>
       <p:par>
-        <p:cTn dur="indefinite" id="19" nodeType="tmRoot" restart="never">
+        <p:cTn xmlns:p14="http://schemas.microsoft.com/office/powerpoint/2010/main" id="1" dur="indefinite" restart="never" nodeType="tmRoot">
           <p:childTnLst>
             <p:seq>
-              <p:cTn id="20" nodeType="mainSeq"/>
+              <p:cTn id="2" nodeType="mainSeq"/>
               <p:prevCondLst>
-                <p:cond delay="0" evt="onPrev">
+                <p:cond evt="onPrev" delay="0">
                   <p:tgtEl>
                     <p:sldTgt/>
                   </p:tgtEl>
                 </p:cond>
               </p:prevCondLst>
               <p:nextCondLst>
-                <p:cond delay="0" evt="onNext">
+                <p:cond evt="onNext" delay="0">
                   <p:tgtEl>
                     <p:sldTgt/>
                   </p:tgtEl>
@@ -6260,16 +6836,17 @@
 </file>
 
 <file path=ppt/slides/slide11.xml><?xml version="1.0" encoding="utf-8"?>
-<p:sld xmlns:a="http://schemas.openxmlformats.org/drawingml/2006/main" xmlns:p="http://schemas.openxmlformats.org/presentationml/2006/main" xmlns:r="http://schemas.openxmlformats.org/officeDocument/2006/relationships">
+<p:sld xmlns:a="http://schemas.openxmlformats.org/drawingml/2006/main" xmlns:r="http://schemas.openxmlformats.org/officeDocument/2006/relationships" xmlns:p="http://schemas.openxmlformats.org/presentationml/2006/main">
   <p:cSld>
     <p:bg>
       <p:bgPr>
         <a:blipFill>
-          <a:blip r:embed="rId1"/>
+          <a:blip r:embed="rId3"/>
           <a:stretch>
             <a:fillRect/>
           </a:stretch>
         </a:blipFill>
+        <a:effectLst/>
       </p:bgPr>
     </p:bg>
     <p:spTree>
@@ -6288,22 +6865,25 @@
       </p:grpSpPr>
     </p:spTree>
   </p:cSld>
+  <p:clrMapOvr>
+    <a:masterClrMapping/>
+  </p:clrMapOvr>
   <p:timing>
     <p:tnLst>
       <p:par>
-        <p:cTn dur="indefinite" id="21" nodeType="tmRoot" restart="never">
+        <p:cTn xmlns:p14="http://schemas.microsoft.com/office/powerpoint/2010/main" id="1" dur="indefinite" restart="never" nodeType="tmRoot">
           <p:childTnLst>
             <p:seq>
-              <p:cTn id="22" nodeType="mainSeq"/>
+              <p:cTn id="2" nodeType="mainSeq"/>
               <p:prevCondLst>
-                <p:cond delay="0" evt="onPrev">
+                <p:cond evt="onPrev" delay="0">
                   <p:tgtEl>
                     <p:sldTgt/>
                   </p:tgtEl>
                 </p:cond>
               </p:prevCondLst>
               <p:nextCondLst>
-                <p:cond delay="0" evt="onNext">
+                <p:cond evt="onNext" delay="0">
                   <p:tgtEl>
                     <p:sldTgt/>
                   </p:tgtEl>
@@ -6318,17 +6898,18 @@
 </p:sld>
 </file>
 
-<file path=ppt/slides/slide2.xml><?xml version="1.0" encoding="utf-8"?>
-<p:sld xmlns:a="http://schemas.openxmlformats.org/drawingml/2006/main" xmlns:p="http://schemas.openxmlformats.org/presentationml/2006/main" xmlns:r="http://schemas.openxmlformats.org/officeDocument/2006/relationships">
+<file path=ppt/slides/slide12.xml><?xml version="1.0" encoding="utf-8"?>
+<p:sld xmlns:a="http://schemas.openxmlformats.org/drawingml/2006/main" xmlns:r="http://schemas.openxmlformats.org/officeDocument/2006/relationships" xmlns:p="http://schemas.openxmlformats.org/presentationml/2006/main">
   <p:cSld>
     <p:bg>
       <p:bgPr>
         <a:blipFill>
-          <a:blip r:embed="rId1"/>
+          <a:blip r:embed="rId2"/>
           <a:stretch>
             <a:fillRect/>
           </a:stretch>
         </a:blipFill>
+        <a:effectLst/>
       </p:bgPr>
     </p:bg>
     <p:spTree>
@@ -6347,22 +6928,25 @@
       </p:grpSpPr>
     </p:spTree>
   </p:cSld>
+  <p:clrMapOvr>
+    <a:masterClrMapping/>
+  </p:clrMapOvr>
   <p:timing>
     <p:tnLst>
       <p:par>
-        <p:cTn dur="indefinite" id="3" nodeType="tmRoot" restart="never">
+        <p:cTn xmlns:p14="http://schemas.microsoft.com/office/powerpoint/2010/main" id="1" dur="indefinite" restart="never" nodeType="tmRoot">
           <p:childTnLst>
             <p:seq>
-              <p:cTn id="4" nodeType="mainSeq"/>
+              <p:cTn id="2" nodeType="mainSeq"/>
               <p:prevCondLst>
-                <p:cond delay="0" evt="onPrev">
+                <p:cond evt="onPrev" delay="0">
                   <p:tgtEl>
                     <p:sldTgt/>
                   </p:tgtEl>
                 </p:cond>
               </p:prevCondLst>
               <p:nextCondLst>
-                <p:cond delay="0" evt="onNext">
+                <p:cond evt="onNext" delay="0">
                   <p:tgtEl>
                     <p:sldTgt/>
                   </p:tgtEl>
@@ -6377,183 +6961,18 @@
 </p:sld>
 </file>
 
-<file path=ppt/slides/slide3.xml><?xml version="1.0" encoding="utf-8"?>
-<p:sld xmlns:a="http://schemas.openxmlformats.org/drawingml/2006/main" xmlns:p="http://schemas.openxmlformats.org/presentationml/2006/main" xmlns:r="http://schemas.openxmlformats.org/officeDocument/2006/relationships">
-  <p:cSld>
-    <p:spTree>
-      <p:nvGrpSpPr>
-        <p:cNvPr id="1" name=""/>
-        <p:cNvGrpSpPr/>
-        <p:nvPr/>
-      </p:nvGrpSpPr>
-      <p:grpSpPr>
-        <a:xfrm>
-          <a:off x="0" y="0"/>
-          <a:ext cx="0" cy="0"/>
-          <a:chOff x="0" y="0"/>
-          <a:chExt cx="0" cy="0"/>
-        </a:xfrm>
-      </p:grpSpPr>
-      <p:graphicFrame>
-        <p:nvGraphicFramePr>
-          <p:cNvPr id="113" name=""/>
-          <p:cNvGraphicFramePr/>
-          <p:nvPr/>
-        </p:nvGraphicFramePr>
-        <p:xfrm>
-          <a:off x="648000" y="432000"/>
-          <a:ext cx="7702920" cy="5038920"/>
-        </p:xfrm>
-        <a:graphic>
-          <a:graphicData uri="http://schemas.openxmlformats.org/drawingml/2006/chart">
-            <c:chart xmlns:c="http://schemas.openxmlformats.org/drawingml/2006/chart" xmlns:r="http://schemas.openxmlformats.org/officeDocument/2006/relationships" r:id="rId1"/>
-          </a:graphicData>
-        </a:graphic>
-      </p:graphicFrame>
-      <p:sp>
-        <p:nvSpPr>
-          <p:cNvPr id="114" name="CustomShape 1"/>
-          <p:cNvSpPr/>
-          <p:nvPr/>
-        </p:nvSpPr>
-        <p:spPr>
-          <a:xfrm>
-            <a:off x="612000" y="972000"/>
-            <a:ext cx="574920" cy="244800"/>
-          </a:xfrm>
-          <a:prstGeom prst="rect">
-            <a:avLst/>
-          </a:prstGeom>
-        </p:spPr>
-        <p:txBody>
-          <a:bodyPr bIns="45000" lIns="90000" rIns="90000" tIns="45000" wrap="none"/>
-          <a:p>
-            <a:r>
-              <a:rPr b="1" lang="en-GB" sz="1100"/>
-              <a:t>Cost</a:t>
-            </a:r>
-            <a:endParaRPr/>
-          </a:p>
-        </p:txBody>
-      </p:sp>
-      <p:sp>
-        <p:nvSpPr>
-          <p:cNvPr id="115" name="CustomShape 2"/>
-          <p:cNvSpPr/>
-          <p:nvPr/>
-        </p:nvSpPr>
-        <p:spPr>
-          <a:xfrm>
-            <a:off x="6480000" y="4932000"/>
-            <a:ext cx="934920" cy="400320"/>
-          </a:xfrm>
-          <a:prstGeom prst="rect">
-            <a:avLst/>
-          </a:prstGeom>
-        </p:spPr>
-        <p:txBody>
-          <a:bodyPr bIns="45000" lIns="90000" rIns="90000" tIns="45000" wrap="none"/>
-          <a:p>
-            <a:r>
-              <a:rPr b="1" lang="en-GB" sz="1100"/>
-              <a:t>Complexity</a:t>
-            </a:r>
-            <a:endParaRPr/>
-          </a:p>
-        </p:txBody>
-      </p:sp>
-      <p:sp>
-        <p:nvSpPr>
-          <p:cNvPr id="116" name="Line 3"/>
-          <p:cNvSpPr/>
-          <p:nvPr/>
-        </p:nvSpPr>
-        <p:spPr>
-          <a:xfrm flipV="1">
-            <a:off x="5832000" y="2160000"/>
-            <a:ext cx="432000" cy="288000"/>
-          </a:xfrm>
-          <a:prstGeom prst="line">
-            <a:avLst/>
-          </a:prstGeom>
-          <a:ln w="36000">
-            <a:solidFill>
-              <a:srgbClr val="000000"/>
-            </a:solidFill>
-            <a:round/>
-            <a:tailEnd len="med" type="triangle" w="med"/>
-          </a:ln>
-        </p:spPr>
-      </p:sp>
-      <p:sp>
-        <p:nvSpPr>
-          <p:cNvPr id="117" name="CustomShape 4"/>
-          <p:cNvSpPr/>
-          <p:nvPr/>
-        </p:nvSpPr>
-        <p:spPr>
-          <a:xfrm>
-            <a:off x="5184000" y="1800000"/>
-            <a:ext cx="1222920" cy="244800"/>
-          </a:xfrm>
-          <a:prstGeom prst="rect">
-            <a:avLst/>
-          </a:prstGeom>
-        </p:spPr>
-        <p:txBody>
-          <a:bodyPr bIns="45000" lIns="90000" rIns="90000" tIns="45000" wrap="none"/>
-          <a:p>
-            <a:r>
-              <a:rPr b="1" lang="en-GB" sz="1100"/>
-              <a:t>Unmanageable</a:t>
-            </a:r>
-            <a:endParaRPr/>
-          </a:p>
-        </p:txBody>
-      </p:sp>
-    </p:spTree>
-  </p:cSld>
-  <p:timing>
-    <p:tnLst>
-      <p:par>
-        <p:cTn dur="indefinite" id="5" nodeType="tmRoot" restart="never">
-          <p:childTnLst>
-            <p:seq>
-              <p:cTn id="6" nodeType="mainSeq"/>
-              <p:prevCondLst>
-                <p:cond delay="0" evt="onPrev">
-                  <p:tgtEl>
-                    <p:sldTgt/>
-                  </p:tgtEl>
-                </p:cond>
-              </p:prevCondLst>
-              <p:nextCondLst>
-                <p:cond delay="0" evt="onNext">
-                  <p:tgtEl>
-                    <p:sldTgt/>
-                  </p:tgtEl>
-                </p:cond>
-              </p:nextCondLst>
-            </p:seq>
-          </p:childTnLst>
-        </p:cTn>
-      </p:par>
-    </p:tnLst>
-  </p:timing>
-</p:sld>
-</file>
-
-<file path=ppt/slides/slide4.xml><?xml version="1.0" encoding="utf-8"?>
-<p:sld xmlns:a="http://schemas.openxmlformats.org/drawingml/2006/main" xmlns:p="http://schemas.openxmlformats.org/presentationml/2006/main" xmlns:r="http://schemas.openxmlformats.org/officeDocument/2006/relationships">
+<file path=ppt/slides/slide2.xml><?xml version="1.0" encoding="utf-8"?>
+<p:sld xmlns:a="http://schemas.openxmlformats.org/drawingml/2006/main" xmlns:r="http://schemas.openxmlformats.org/officeDocument/2006/relationships" xmlns:p="http://schemas.openxmlformats.org/presentationml/2006/main">
   <p:cSld>
     <p:bg>
       <p:bgPr>
         <a:blipFill>
-          <a:blip r:embed="rId1"/>
+          <a:blip r:embed="rId3"/>
           <a:stretch>
             <a:fillRect/>
           </a:stretch>
         </a:blipFill>
+        <a:effectLst/>
       </p:bgPr>
     </p:bg>
     <p:spTree>
@@ -6572,22 +6991,25 @@
       </p:grpSpPr>
     </p:spTree>
   </p:cSld>
+  <p:clrMapOvr>
+    <a:masterClrMapping/>
+  </p:clrMapOvr>
   <p:timing>
     <p:tnLst>
       <p:par>
-        <p:cTn dur="indefinite" id="7" nodeType="tmRoot" restart="never">
+        <p:cTn xmlns:p14="http://schemas.microsoft.com/office/powerpoint/2010/main" id="1" dur="indefinite" restart="never" nodeType="tmRoot">
           <p:childTnLst>
             <p:seq>
-              <p:cTn id="8" nodeType="mainSeq"/>
+              <p:cTn id="2" nodeType="mainSeq"/>
               <p:prevCondLst>
-                <p:cond delay="0" evt="onPrev">
+                <p:cond evt="onPrev" delay="0">
                   <p:tgtEl>
                     <p:sldTgt/>
                   </p:tgtEl>
                 </p:cond>
               </p:prevCondLst>
               <p:nextCondLst>
-                <p:cond delay="0" evt="onNext">
+                <p:cond evt="onNext" delay="0">
                   <p:tgtEl>
                     <p:sldTgt/>
                   </p:tgtEl>
@@ -6602,17 +7024,196 @@
 </p:sld>
 </file>
 
-<file path=ppt/slides/slide5.xml><?xml version="1.0" encoding="utf-8"?>
-<p:sld xmlns:a="http://schemas.openxmlformats.org/drawingml/2006/main" xmlns:p="http://schemas.openxmlformats.org/presentationml/2006/main" xmlns:r="http://schemas.openxmlformats.org/officeDocument/2006/relationships">
+<file path=ppt/slides/slide3.xml><?xml version="1.0" encoding="utf-8"?>
+<p:sld xmlns:a="http://schemas.openxmlformats.org/drawingml/2006/main" xmlns:r="http://schemas.openxmlformats.org/officeDocument/2006/relationships" xmlns:p="http://schemas.openxmlformats.org/presentationml/2006/main">
+  <p:cSld>
+    <p:spTree>
+      <p:nvGrpSpPr>
+        <p:cNvPr id="1" name=""/>
+        <p:cNvGrpSpPr/>
+        <p:nvPr/>
+      </p:nvGrpSpPr>
+      <p:grpSpPr>
+        <a:xfrm>
+          <a:off x="0" y="0"/>
+          <a:ext cx="0" cy="0"/>
+          <a:chOff x="0" y="0"/>
+          <a:chExt cx="0" cy="0"/>
+        </a:xfrm>
+      </p:grpSpPr>
+      <p:graphicFrame>
+        <p:nvGraphicFramePr>
+          <p:cNvPr id="113" name="Gráfico 112"/>
+          <p:cNvGraphicFramePr/>
+          <p:nvPr>
+            <p:extLst>
+              <p:ext uri="{D42A27DB-BD31-4B8C-83A1-F6EECF244321}">
+                <p14:modId xmlns:p14="http://schemas.microsoft.com/office/powerpoint/2010/main" val="2695812790"/>
+              </p:ext>
+            </p:extLst>
+          </p:nvPr>
+        </p:nvGraphicFramePr>
+        <p:xfrm>
+          <a:off x="648000" y="432000"/>
+          <a:ext cx="7702920" cy="5038920"/>
+        </p:xfrm>
+        <a:graphic>
+          <a:graphicData uri="http://schemas.openxmlformats.org/drawingml/2006/chart">
+            <c:chart xmlns:c="http://schemas.openxmlformats.org/drawingml/2006/chart" xmlns:r="http://schemas.openxmlformats.org/officeDocument/2006/relationships" r:id="rId3"/>
+          </a:graphicData>
+        </a:graphic>
+      </p:graphicFrame>
+      <p:sp>
+        <p:nvSpPr>
+          <p:cNvPr id="114" name="CustomShape 1"/>
+          <p:cNvSpPr/>
+          <p:nvPr/>
+        </p:nvSpPr>
+        <p:spPr>
+          <a:xfrm>
+            <a:off x="612000" y="972000"/>
+            <a:ext cx="574920" cy="244800"/>
+          </a:xfrm>
+          <a:prstGeom prst="rect">
+            <a:avLst/>
+          </a:prstGeom>
+        </p:spPr>
+        <p:txBody>
+          <a:bodyPr wrap="none" lIns="90000" tIns="45000" rIns="90000" bIns="45000"/>
+          <a:lstStyle/>
+          <a:p>
+            <a:r>
+              <a:rPr lang="en-GB" sz="1100" b="1"/>
+              <a:t>Cost</a:t>
+            </a:r>
+            <a:endParaRPr/>
+          </a:p>
+        </p:txBody>
+      </p:sp>
+      <p:sp>
+        <p:nvSpPr>
+          <p:cNvPr id="115" name="CustomShape 2"/>
+          <p:cNvSpPr/>
+          <p:nvPr/>
+        </p:nvSpPr>
+        <p:spPr>
+          <a:xfrm>
+            <a:off x="6480000" y="4932000"/>
+            <a:ext cx="934920" cy="400320"/>
+          </a:xfrm>
+          <a:prstGeom prst="rect">
+            <a:avLst/>
+          </a:prstGeom>
+        </p:spPr>
+        <p:txBody>
+          <a:bodyPr wrap="none" lIns="90000" tIns="45000" rIns="90000" bIns="45000"/>
+          <a:lstStyle/>
+          <a:p>
+            <a:r>
+              <a:rPr lang="en-GB" sz="1100" b="1"/>
+              <a:t>Complexity</a:t>
+            </a:r>
+            <a:endParaRPr/>
+          </a:p>
+        </p:txBody>
+      </p:sp>
+      <p:sp>
+        <p:nvSpPr>
+          <p:cNvPr id="116" name="Line 3"/>
+          <p:cNvSpPr/>
+          <p:nvPr/>
+        </p:nvSpPr>
+        <p:spPr>
+          <a:xfrm flipV="1">
+            <a:off x="6592230" y="1332000"/>
+            <a:ext cx="432000" cy="288000"/>
+          </a:xfrm>
+          <a:prstGeom prst="line">
+            <a:avLst/>
+          </a:prstGeom>
+          <a:ln w="36000">
+            <a:solidFill>
+              <a:srgbClr val="000000"/>
+            </a:solidFill>
+            <a:round/>
+            <a:tailEnd type="triangle" w="med" len="med"/>
+          </a:ln>
+        </p:spPr>
+      </p:sp>
+      <p:sp>
+        <p:nvSpPr>
+          <p:cNvPr id="117" name="CustomShape 4"/>
+          <p:cNvSpPr/>
+          <p:nvPr/>
+        </p:nvSpPr>
+        <p:spPr>
+          <a:xfrm>
+            <a:off x="5944230" y="972000"/>
+            <a:ext cx="1222920" cy="244800"/>
+          </a:xfrm>
+          <a:prstGeom prst="rect">
+            <a:avLst/>
+          </a:prstGeom>
+        </p:spPr>
+        <p:txBody>
+          <a:bodyPr wrap="none" lIns="90000" tIns="45000" rIns="90000" bIns="45000"/>
+          <a:lstStyle/>
+          <a:p>
+            <a:r>
+              <a:rPr lang="en-GB" sz="1100" b="1" dirty="0"/>
+              <a:t>Unmanageable</a:t>
+            </a:r>
+            <a:endParaRPr dirty="0"/>
+          </a:p>
+        </p:txBody>
+      </p:sp>
+    </p:spTree>
+  </p:cSld>
+  <p:clrMapOvr>
+    <a:masterClrMapping/>
+  </p:clrMapOvr>
+  <p:timing>
+    <p:tnLst>
+      <p:par>
+        <p:cTn xmlns:p14="http://schemas.microsoft.com/office/powerpoint/2010/main" id="1" dur="indefinite" restart="never" nodeType="tmRoot">
+          <p:childTnLst>
+            <p:seq>
+              <p:cTn id="2" nodeType="mainSeq"/>
+              <p:prevCondLst>
+                <p:cond evt="onPrev" delay="0">
+                  <p:tgtEl>
+                    <p:sldTgt/>
+                  </p:tgtEl>
+                </p:cond>
+              </p:prevCondLst>
+              <p:nextCondLst>
+                <p:cond evt="onNext" delay="0">
+                  <p:tgtEl>
+                    <p:sldTgt/>
+                  </p:tgtEl>
+                </p:cond>
+              </p:nextCondLst>
+            </p:seq>
+          </p:childTnLst>
+        </p:cTn>
+      </p:par>
+    </p:tnLst>
+  </p:timing>
+</p:sld>
+</file>
+
+<file path=ppt/slides/slide4.xml><?xml version="1.0" encoding="utf-8"?>
+<p:sld xmlns:a="http://schemas.openxmlformats.org/drawingml/2006/main" xmlns:r="http://schemas.openxmlformats.org/officeDocument/2006/relationships" xmlns:p="http://schemas.openxmlformats.org/presentationml/2006/main">
   <p:cSld>
     <p:bg>
       <p:bgPr>
         <a:blipFill>
-          <a:blip r:embed="rId1"/>
+          <a:blip r:embed="rId3"/>
           <a:stretch>
             <a:fillRect/>
           </a:stretch>
         </a:blipFill>
+        <a:effectLst/>
       </p:bgPr>
     </p:bg>
     <p:spTree>
@@ -6631,22 +7232,25 @@
       </p:grpSpPr>
     </p:spTree>
   </p:cSld>
+  <p:clrMapOvr>
+    <a:masterClrMapping/>
+  </p:clrMapOvr>
   <p:timing>
     <p:tnLst>
       <p:par>
-        <p:cTn dur="indefinite" id="9" nodeType="tmRoot" restart="never">
+        <p:cTn xmlns:p14="http://schemas.microsoft.com/office/powerpoint/2010/main" id="1" dur="indefinite" restart="never" nodeType="tmRoot">
           <p:childTnLst>
             <p:seq>
-              <p:cTn id="10" nodeType="mainSeq"/>
+              <p:cTn id="2" nodeType="mainSeq"/>
               <p:prevCondLst>
-                <p:cond delay="0" evt="onPrev">
+                <p:cond evt="onPrev" delay="0">
                   <p:tgtEl>
                     <p:sldTgt/>
                   </p:tgtEl>
                 </p:cond>
               </p:prevCondLst>
               <p:nextCondLst>
-                <p:cond delay="0" evt="onNext">
+                <p:cond evt="onNext" delay="0">
                   <p:tgtEl>
                     <p:sldTgt/>
                   </p:tgtEl>
@@ -6661,159 +7265,18 @@
 </p:sld>
 </file>
 
-<file path=ppt/slides/slide6.xml><?xml version="1.0" encoding="utf-8"?>
-<p:sld xmlns:a="http://schemas.openxmlformats.org/drawingml/2006/main" xmlns:p="http://schemas.openxmlformats.org/presentationml/2006/main" xmlns:r="http://schemas.openxmlformats.org/officeDocument/2006/relationships">
-  <p:cSld>
-    <p:spTree>
-      <p:nvGrpSpPr>
-        <p:cNvPr id="1" name=""/>
-        <p:cNvGrpSpPr/>
-        <p:nvPr/>
-      </p:nvGrpSpPr>
-      <p:grpSpPr>
-        <a:xfrm>
-          <a:off x="0" y="0"/>
-          <a:ext cx="0" cy="0"/>
-          <a:chOff x="0" y="0"/>
-          <a:chExt cx="0" cy="0"/>
-        </a:xfrm>
-      </p:grpSpPr>
-      <p:pic>
-        <p:nvPicPr>
-          <p:cNvPr descr="" id="118" name=""/>
-          <p:cNvPicPr/>
-          <p:nvPr/>
-        </p:nvPicPr>
-        <p:blipFill>
-          <a:blip r:embed="rId1"/>
-          <a:stretch>
-            <a:fillRect/>
-          </a:stretch>
-        </p:blipFill>
-        <p:spPr>
-          <a:xfrm>
-            <a:off x="504000" y="523440"/>
-            <a:ext cx="7632000" cy="5020560"/>
-          </a:xfrm>
-          <a:prstGeom prst="rect">
-            <a:avLst/>
-          </a:prstGeom>
-        </p:spPr>
-      </p:pic>
-    </p:spTree>
-  </p:cSld>
-  <p:timing>
-    <p:tnLst>
-      <p:par>
-        <p:cTn dur="indefinite" id="11" nodeType="tmRoot" restart="never">
-          <p:childTnLst>
-            <p:seq>
-              <p:cTn id="12" nodeType="mainSeq"/>
-              <p:prevCondLst>
-                <p:cond delay="0" evt="onPrev">
-                  <p:tgtEl>
-                    <p:sldTgt/>
-                  </p:tgtEl>
-                </p:cond>
-              </p:prevCondLst>
-              <p:nextCondLst>
-                <p:cond delay="0" evt="onNext">
-                  <p:tgtEl>
-                    <p:sldTgt/>
-                  </p:tgtEl>
-                </p:cond>
-              </p:nextCondLst>
-            </p:seq>
-          </p:childTnLst>
-        </p:cTn>
-      </p:par>
-    </p:tnLst>
-  </p:timing>
-</p:sld>
-</file>
-
-<file path=ppt/slides/slide7.xml><?xml version="1.0" encoding="utf-8"?>
-<p:sld xmlns:a="http://schemas.openxmlformats.org/drawingml/2006/main" xmlns:p="http://schemas.openxmlformats.org/presentationml/2006/main" xmlns:r="http://schemas.openxmlformats.org/officeDocument/2006/relationships">
-  <p:cSld>
-    <p:spTree>
-      <p:nvGrpSpPr>
-        <p:cNvPr id="1" name=""/>
-        <p:cNvGrpSpPr/>
-        <p:nvPr/>
-      </p:nvGrpSpPr>
-      <p:grpSpPr>
-        <a:xfrm>
-          <a:off x="0" y="0"/>
-          <a:ext cx="0" cy="0"/>
-          <a:chOff x="0" y="0"/>
-          <a:chExt cx="0" cy="0"/>
-        </a:xfrm>
-      </p:grpSpPr>
-      <p:pic>
-        <p:nvPicPr>
-          <p:cNvPr descr="" id="119" name=""/>
-          <p:cNvPicPr/>
-          <p:nvPr/>
-        </p:nvPicPr>
-        <p:blipFill>
-          <a:blip r:embed="rId1"/>
-          <a:stretch>
-            <a:fillRect/>
-          </a:stretch>
-        </p:blipFill>
-        <p:spPr>
-          <a:xfrm>
-            <a:off x="792000" y="386280"/>
-            <a:ext cx="7560000" cy="5013720"/>
-          </a:xfrm>
-          <a:prstGeom prst="rect">
-            <a:avLst/>
-          </a:prstGeom>
-        </p:spPr>
-      </p:pic>
-    </p:spTree>
-  </p:cSld>
-  <p:timing>
-    <p:tnLst>
-      <p:par>
-        <p:cTn dur="indefinite" id="13" nodeType="tmRoot" restart="never">
-          <p:childTnLst>
-            <p:seq>
-              <p:cTn id="14" nodeType="mainSeq"/>
-              <p:prevCondLst>
-                <p:cond delay="0" evt="onPrev">
-                  <p:tgtEl>
-                    <p:sldTgt/>
-                  </p:tgtEl>
-                </p:cond>
-              </p:prevCondLst>
-              <p:nextCondLst>
-                <p:cond delay="0" evt="onNext">
-                  <p:tgtEl>
-                    <p:sldTgt/>
-                  </p:tgtEl>
-                </p:cond>
-              </p:nextCondLst>
-            </p:seq>
-          </p:childTnLst>
-        </p:cTn>
-      </p:par>
-    </p:tnLst>
-  </p:timing>
-</p:sld>
-</file>
-
-<file path=ppt/slides/slide8.xml><?xml version="1.0" encoding="utf-8"?>
-<p:sld xmlns:a="http://schemas.openxmlformats.org/drawingml/2006/main" xmlns:p="http://schemas.openxmlformats.org/presentationml/2006/main" xmlns:r="http://schemas.openxmlformats.org/officeDocument/2006/relationships">
+<file path=ppt/slides/slide5.xml><?xml version="1.0" encoding="utf-8"?>
+<p:sld xmlns:a="http://schemas.openxmlformats.org/drawingml/2006/main" xmlns:r="http://schemas.openxmlformats.org/officeDocument/2006/relationships" xmlns:p="http://schemas.openxmlformats.org/presentationml/2006/main">
   <p:cSld>
     <p:bg>
       <p:bgPr>
         <a:blipFill>
-          <a:blip r:embed="rId1"/>
+          <a:blip r:embed="rId3"/>
           <a:stretch>
             <a:fillRect/>
           </a:stretch>
         </a:blipFill>
+        <a:effectLst/>
       </p:bgPr>
     </p:bg>
     <p:spTree>
@@ -6832,22 +7295,25 @@
       </p:grpSpPr>
     </p:spTree>
   </p:cSld>
+  <p:clrMapOvr>
+    <a:masterClrMapping/>
+  </p:clrMapOvr>
   <p:timing>
     <p:tnLst>
       <p:par>
-        <p:cTn dur="indefinite" id="15" nodeType="tmRoot" restart="never">
+        <p:cTn xmlns:p14="http://schemas.microsoft.com/office/powerpoint/2010/main" id="1" dur="indefinite" restart="never" nodeType="tmRoot">
           <p:childTnLst>
             <p:seq>
-              <p:cTn id="16" nodeType="mainSeq"/>
+              <p:cTn id="2" nodeType="mainSeq"/>
               <p:prevCondLst>
-                <p:cond delay="0" evt="onPrev">
+                <p:cond evt="onPrev" delay="0">
                   <p:tgtEl>
                     <p:sldTgt/>
                   </p:tgtEl>
                 </p:cond>
               </p:prevCondLst>
               <p:nextCondLst>
-                <p:cond delay="0" evt="onNext">
+                <p:cond evt="onNext" delay="0">
                   <p:tgtEl>
                     <p:sldTgt/>
                   </p:tgtEl>
@@ -6862,17 +7328,166 @@
 </p:sld>
 </file>
 
-<file path=ppt/slides/slide9.xml><?xml version="1.0" encoding="utf-8"?>
-<p:sld xmlns:a="http://schemas.openxmlformats.org/drawingml/2006/main" xmlns:p="http://schemas.openxmlformats.org/presentationml/2006/main" xmlns:r="http://schemas.openxmlformats.org/officeDocument/2006/relationships">
+<file path=ppt/slides/slide6.xml><?xml version="1.0" encoding="utf-8"?>
+<p:sld xmlns:a="http://schemas.openxmlformats.org/drawingml/2006/main" xmlns:r="http://schemas.openxmlformats.org/officeDocument/2006/relationships" xmlns:p="http://schemas.openxmlformats.org/presentationml/2006/main">
+  <p:cSld>
+    <p:spTree>
+      <p:nvGrpSpPr>
+        <p:cNvPr id="1" name=""/>
+        <p:cNvGrpSpPr/>
+        <p:nvPr/>
+      </p:nvGrpSpPr>
+      <p:grpSpPr>
+        <a:xfrm>
+          <a:off x="0" y="0"/>
+          <a:ext cx="0" cy="0"/>
+          <a:chOff x="0" y="0"/>
+          <a:chExt cx="0" cy="0"/>
+        </a:xfrm>
+      </p:grpSpPr>
+      <p:pic>
+        <p:nvPicPr>
+          <p:cNvPr id="118" name="Imagen 117"/>
+          <p:cNvPicPr/>
+          <p:nvPr/>
+        </p:nvPicPr>
+        <p:blipFill>
+          <a:blip r:embed="rId3"/>
+          <a:stretch>
+            <a:fillRect/>
+          </a:stretch>
+        </p:blipFill>
+        <p:spPr>
+          <a:xfrm>
+            <a:off x="504000" y="523440"/>
+            <a:ext cx="7632000" cy="5020560"/>
+          </a:xfrm>
+          <a:prstGeom prst="rect">
+            <a:avLst/>
+          </a:prstGeom>
+        </p:spPr>
+      </p:pic>
+    </p:spTree>
+  </p:cSld>
+  <p:clrMapOvr>
+    <a:masterClrMapping/>
+  </p:clrMapOvr>
+  <p:timing>
+    <p:tnLst>
+      <p:par>
+        <p:cTn xmlns:p14="http://schemas.microsoft.com/office/powerpoint/2010/main" id="1" dur="indefinite" restart="never" nodeType="tmRoot">
+          <p:childTnLst>
+            <p:seq>
+              <p:cTn id="2" nodeType="mainSeq"/>
+              <p:prevCondLst>
+                <p:cond evt="onPrev" delay="0">
+                  <p:tgtEl>
+                    <p:sldTgt/>
+                  </p:tgtEl>
+                </p:cond>
+              </p:prevCondLst>
+              <p:nextCondLst>
+                <p:cond evt="onNext" delay="0">
+                  <p:tgtEl>
+                    <p:sldTgt/>
+                  </p:tgtEl>
+                </p:cond>
+              </p:nextCondLst>
+            </p:seq>
+          </p:childTnLst>
+        </p:cTn>
+      </p:par>
+    </p:tnLst>
+  </p:timing>
+</p:sld>
+</file>
+
+<file path=ppt/slides/slide7.xml><?xml version="1.0" encoding="utf-8"?>
+<p:sld xmlns:a="http://schemas.openxmlformats.org/drawingml/2006/main" xmlns:r="http://schemas.openxmlformats.org/officeDocument/2006/relationships" xmlns:p="http://schemas.openxmlformats.org/presentationml/2006/main">
+  <p:cSld>
+    <p:spTree>
+      <p:nvGrpSpPr>
+        <p:cNvPr id="1" name=""/>
+        <p:cNvGrpSpPr/>
+        <p:nvPr/>
+      </p:nvGrpSpPr>
+      <p:grpSpPr>
+        <a:xfrm>
+          <a:off x="0" y="0"/>
+          <a:ext cx="0" cy="0"/>
+          <a:chOff x="0" y="0"/>
+          <a:chExt cx="0" cy="0"/>
+        </a:xfrm>
+      </p:grpSpPr>
+      <p:pic>
+        <p:nvPicPr>
+          <p:cNvPr id="119" name="Imagen 118"/>
+          <p:cNvPicPr/>
+          <p:nvPr/>
+        </p:nvPicPr>
+        <p:blipFill>
+          <a:blip r:embed="rId3"/>
+          <a:stretch>
+            <a:fillRect/>
+          </a:stretch>
+        </p:blipFill>
+        <p:spPr>
+          <a:xfrm>
+            <a:off x="792000" y="386280"/>
+            <a:ext cx="7560000" cy="5013720"/>
+          </a:xfrm>
+          <a:prstGeom prst="rect">
+            <a:avLst/>
+          </a:prstGeom>
+        </p:spPr>
+      </p:pic>
+    </p:spTree>
+  </p:cSld>
+  <p:clrMapOvr>
+    <a:masterClrMapping/>
+  </p:clrMapOvr>
+  <p:timing>
+    <p:tnLst>
+      <p:par>
+        <p:cTn xmlns:p14="http://schemas.microsoft.com/office/powerpoint/2010/main" id="1" dur="indefinite" restart="never" nodeType="tmRoot">
+          <p:childTnLst>
+            <p:seq>
+              <p:cTn id="2" nodeType="mainSeq"/>
+              <p:prevCondLst>
+                <p:cond evt="onPrev" delay="0">
+                  <p:tgtEl>
+                    <p:sldTgt/>
+                  </p:tgtEl>
+                </p:cond>
+              </p:prevCondLst>
+              <p:nextCondLst>
+                <p:cond evt="onNext" delay="0">
+                  <p:tgtEl>
+                    <p:sldTgt/>
+                  </p:tgtEl>
+                </p:cond>
+              </p:nextCondLst>
+            </p:seq>
+          </p:childTnLst>
+        </p:cTn>
+      </p:par>
+    </p:tnLst>
+  </p:timing>
+</p:sld>
+</file>
+
+<file path=ppt/slides/slide8.xml><?xml version="1.0" encoding="utf-8"?>
+<p:sld xmlns:a="http://schemas.openxmlformats.org/drawingml/2006/main" xmlns:r="http://schemas.openxmlformats.org/officeDocument/2006/relationships" xmlns:p="http://schemas.openxmlformats.org/presentationml/2006/main">
   <p:cSld>
     <p:bg>
       <p:bgPr>
         <a:blipFill>
-          <a:blip r:embed="rId1"/>
+          <a:blip r:embed="rId3"/>
           <a:stretch>
             <a:fillRect/>
           </a:stretch>
         </a:blipFill>
+        <a:effectLst/>
       </p:bgPr>
     </p:bg>
     <p:spTree>
@@ -6891,22 +7506,25 @@
       </p:grpSpPr>
     </p:spTree>
   </p:cSld>
+  <p:clrMapOvr>
+    <a:masterClrMapping/>
+  </p:clrMapOvr>
   <p:timing>
     <p:tnLst>
       <p:par>
-        <p:cTn dur="indefinite" id="17" nodeType="tmRoot" restart="never">
+        <p:cTn xmlns:p14="http://schemas.microsoft.com/office/powerpoint/2010/main" id="1" dur="indefinite" restart="never" nodeType="tmRoot">
           <p:childTnLst>
             <p:seq>
-              <p:cTn id="18" nodeType="mainSeq"/>
+              <p:cTn id="2" nodeType="mainSeq"/>
               <p:prevCondLst>
-                <p:cond delay="0" evt="onPrev">
+                <p:cond evt="onPrev" delay="0">
                   <p:tgtEl>
                     <p:sldTgt/>
                   </p:tgtEl>
                 </p:cond>
               </p:prevCondLst>
               <p:nextCondLst>
-                <p:cond delay="0" evt="onNext">
+                <p:cond evt="onNext" delay="0">
                   <p:tgtEl>
                     <p:sldTgt/>
                   </p:tgtEl>
@@ -6918,6 +7536,367 @@
       </p:par>
     </p:tnLst>
   </p:timing>
+</p:sld>
+</file>
+
+<file path=ppt/slides/slide9.xml><?xml version="1.0" encoding="utf-8"?>
+<p:sld xmlns:a="http://schemas.openxmlformats.org/drawingml/2006/main" xmlns:r="http://schemas.openxmlformats.org/officeDocument/2006/relationships" xmlns:p="http://schemas.openxmlformats.org/presentationml/2006/main">
+  <p:cSld>
+    <p:spTree>
+      <p:nvGrpSpPr>
+        <p:cNvPr id="1" name=""/>
+        <p:cNvGrpSpPr/>
+        <p:nvPr/>
+      </p:nvGrpSpPr>
+      <p:grpSpPr>
+        <a:xfrm>
+          <a:off x="0" y="0"/>
+          <a:ext cx="0" cy="0"/>
+          <a:chOff x="0" y="0"/>
+          <a:chExt cx="0" cy="0"/>
+        </a:xfrm>
+      </p:grpSpPr>
+      <p:sp>
+        <p:nvSpPr>
+          <p:cNvPr id="3" name="Subtítulo 2"/>
+          <p:cNvSpPr>
+            <a:spLocks noGrp="1"/>
+          </p:cNvSpPr>
+          <p:nvPr>
+            <p:ph type="subTitle"/>
+          </p:nvPr>
+        </p:nvSpPr>
+        <p:spPr/>
+        <p:txBody>
+          <a:bodyPr/>
+          <a:lstStyle/>
+          <a:p>
+            <a:r>
+              <a:rPr lang="es-ES" dirty="0" smtClean="0"/>
+              <a:t>Complete </a:t>
+            </a:r>
+            <a:r>
+              <a:rPr lang="es-ES" dirty="0" err="1" smtClean="0"/>
+              <a:t>with</a:t>
+            </a:r>
+            <a:r>
+              <a:rPr lang="es-ES" dirty="0" smtClean="0"/>
+              <a:t> a </a:t>
+            </a:r>
+            <a:r>
+              <a:rPr lang="es-ES" dirty="0" err="1" smtClean="0"/>
+              <a:t>couple</a:t>
+            </a:r>
+            <a:r>
+              <a:rPr lang="es-ES" dirty="0" smtClean="0"/>
+              <a:t> of </a:t>
+            </a:r>
+            <a:r>
+              <a:rPr lang="es-ES" dirty="0" err="1" smtClean="0"/>
+              <a:t>graphics</a:t>
+            </a:r>
+            <a:r>
+              <a:rPr lang="es-ES" dirty="0" smtClean="0"/>
+              <a:t> of a </a:t>
+            </a:r>
+            <a:r>
+              <a:rPr lang="es-ES" dirty="0" err="1" smtClean="0"/>
+              <a:t>detailed</a:t>
+            </a:r>
+            <a:r>
+              <a:rPr lang="es-ES" dirty="0" smtClean="0"/>
+              <a:t> </a:t>
+            </a:r>
+            <a:r>
+              <a:rPr lang="es-ES" dirty="0" err="1" smtClean="0"/>
+              <a:t>view</a:t>
+            </a:r>
+            <a:r>
+              <a:rPr lang="es-ES" dirty="0" smtClean="0"/>
+              <a:t> of </a:t>
+            </a:r>
+            <a:r>
+              <a:rPr lang="es-ES" dirty="0" err="1" smtClean="0"/>
+              <a:t>the</a:t>
+            </a:r>
+            <a:r>
+              <a:rPr lang="es-ES" dirty="0" smtClean="0"/>
+              <a:t> </a:t>
+            </a:r>
+            <a:r>
+              <a:rPr lang="es-ES" dirty="0" err="1" smtClean="0"/>
+              <a:t>architecture</a:t>
+            </a:r>
+            <a:r>
+              <a:rPr lang="es-ES" dirty="0" smtClean="0"/>
+              <a:t>:</a:t>
+            </a:r>
+          </a:p>
+          <a:p>
+            <a:endParaRPr lang="es-ES" dirty="0"/>
+          </a:p>
+          <a:p>
+            <a:pPr marL="285750" indent="-285750">
+              <a:buFont typeface="Wingdings" charset="0"/>
+              <a:buChar char="à"/>
+            </a:pPr>
+            <a:r>
+              <a:rPr lang="es-ES" dirty="0" err="1" smtClean="0">
+                <a:sym typeface="Wingdings"/>
+              </a:rPr>
+              <a:t>One</a:t>
+            </a:r>
+            <a:r>
+              <a:rPr lang="es-ES" dirty="0" smtClean="0">
+                <a:sym typeface="Wingdings"/>
+              </a:rPr>
+              <a:t> </a:t>
+            </a:r>
+            <a:r>
+              <a:rPr lang="es-ES" dirty="0" err="1" smtClean="0">
+                <a:sym typeface="Wingdings"/>
+              </a:rPr>
+              <a:t>for</a:t>
+            </a:r>
+            <a:r>
+              <a:rPr lang="es-ES" dirty="0" smtClean="0">
+                <a:sym typeface="Wingdings"/>
+              </a:rPr>
+              <a:t> a </a:t>
+            </a:r>
+            <a:r>
+              <a:rPr lang="es-ES" dirty="0" err="1" smtClean="0">
+                <a:sym typeface="Wingdings"/>
+              </a:rPr>
+              <a:t>high</a:t>
+            </a:r>
+            <a:r>
+              <a:rPr lang="es-ES" dirty="0">
+                <a:sym typeface="Wingdings"/>
+              </a:rPr>
+              <a:t> </a:t>
+            </a:r>
+            <a:r>
+              <a:rPr lang="es-ES" dirty="0" err="1" smtClean="0">
+                <a:sym typeface="Wingdings"/>
+              </a:rPr>
+              <a:t>level</a:t>
+            </a:r>
+            <a:r>
+              <a:rPr lang="es-ES" dirty="0" smtClean="0">
+                <a:sym typeface="Wingdings"/>
+              </a:rPr>
+              <a:t> </a:t>
+            </a:r>
+            <a:r>
+              <a:rPr lang="es-ES" dirty="0" err="1" smtClean="0">
+                <a:sym typeface="Wingdings"/>
+              </a:rPr>
+              <a:t>overview</a:t>
+            </a:r>
+            <a:r>
+              <a:rPr lang="es-ES" dirty="0" smtClean="0">
+                <a:sym typeface="Wingdings"/>
+              </a:rPr>
+              <a:t> of </a:t>
+            </a:r>
+            <a:r>
+              <a:rPr lang="es-ES" dirty="0" err="1" smtClean="0">
+                <a:sym typeface="Wingdings"/>
+              </a:rPr>
+              <a:t>the</a:t>
+            </a:r>
+            <a:r>
+              <a:rPr lang="es-ES" dirty="0" smtClean="0">
+                <a:sym typeface="Wingdings"/>
+              </a:rPr>
+              <a:t> </a:t>
+            </a:r>
+            <a:r>
+              <a:rPr lang="es-ES" dirty="0" err="1" smtClean="0">
+                <a:sym typeface="Wingdings"/>
+              </a:rPr>
+              <a:t>approach</a:t>
+            </a:r>
+            <a:endParaRPr lang="es-ES" dirty="0" smtClean="0">
+              <a:sym typeface="Wingdings"/>
+            </a:endParaRPr>
+          </a:p>
+          <a:p>
+            <a:pPr marL="285750" indent="-285750">
+              <a:buFont typeface="Wingdings" charset="0"/>
+              <a:buChar char="à"/>
+            </a:pPr>
+            <a:r>
+              <a:rPr lang="es-ES" dirty="0" err="1" smtClean="0">
+                <a:sym typeface="Wingdings"/>
+              </a:rPr>
+              <a:t>One</a:t>
+            </a:r>
+            <a:r>
+              <a:rPr lang="es-ES" dirty="0" smtClean="0">
+                <a:sym typeface="Wingdings"/>
+              </a:rPr>
+              <a:t> </a:t>
+            </a:r>
+            <a:r>
+              <a:rPr lang="es-ES" dirty="0" err="1" smtClean="0">
+                <a:sym typeface="Wingdings"/>
+              </a:rPr>
+              <a:t>with</a:t>
+            </a:r>
+            <a:r>
+              <a:rPr lang="es-ES" dirty="0" smtClean="0">
+                <a:sym typeface="Wingdings"/>
+              </a:rPr>
+              <a:t> a more </a:t>
+            </a:r>
+            <a:r>
+              <a:rPr lang="es-ES" dirty="0" err="1" smtClean="0">
+                <a:sym typeface="Wingdings"/>
+              </a:rPr>
+              <a:t>detailed</a:t>
+            </a:r>
+            <a:r>
+              <a:rPr lang="es-ES" dirty="0" smtClean="0">
+                <a:sym typeface="Wingdings"/>
+              </a:rPr>
+              <a:t> </a:t>
+            </a:r>
+            <a:r>
+              <a:rPr lang="es-ES" dirty="0" err="1" smtClean="0">
+                <a:sym typeface="Wingdings"/>
+              </a:rPr>
+              <a:t>explanation</a:t>
+            </a:r>
+            <a:r>
+              <a:rPr lang="es-ES" dirty="0" smtClean="0">
+                <a:sym typeface="Wingdings"/>
+              </a:rPr>
+              <a:t> of </a:t>
+            </a:r>
+            <a:r>
+              <a:rPr lang="es-ES" dirty="0" err="1" smtClean="0">
+                <a:sym typeface="Wingdings"/>
+              </a:rPr>
+              <a:t>how</a:t>
+            </a:r>
+            <a:r>
+              <a:rPr lang="es-ES" dirty="0" smtClean="0">
+                <a:sym typeface="Wingdings"/>
+              </a:rPr>
+              <a:t> </a:t>
+            </a:r>
+            <a:r>
+              <a:rPr lang="es-ES" dirty="0" err="1" smtClean="0">
+                <a:sym typeface="Wingdings"/>
+              </a:rPr>
+              <a:t>it</a:t>
+            </a:r>
+            <a:r>
+              <a:rPr lang="es-ES" dirty="0" smtClean="0">
+                <a:sym typeface="Wingdings"/>
+              </a:rPr>
+              <a:t> </a:t>
+            </a:r>
+            <a:r>
+              <a:rPr lang="es-ES" dirty="0" err="1" smtClean="0">
+                <a:sym typeface="Wingdings"/>
+              </a:rPr>
+              <a:t>works</a:t>
+            </a:r>
+            <a:r>
+              <a:rPr lang="es-ES" dirty="0" smtClean="0">
+                <a:sym typeface="Wingdings"/>
+              </a:rPr>
+              <a:t> (</a:t>
+            </a:r>
+            <a:r>
+              <a:rPr lang="es-ES" dirty="0" err="1" smtClean="0">
+                <a:sym typeface="Wingdings"/>
+              </a:rPr>
+              <a:t>not</a:t>
+            </a:r>
+            <a:r>
+              <a:rPr lang="es-ES" dirty="0" smtClean="0">
+                <a:sym typeface="Wingdings"/>
+              </a:rPr>
+              <a:t> </a:t>
+            </a:r>
+            <a:r>
+              <a:rPr lang="es-ES" dirty="0" err="1" smtClean="0">
+                <a:sym typeface="Wingdings"/>
+              </a:rPr>
+              <a:t>sure</a:t>
+            </a:r>
+            <a:r>
+              <a:rPr lang="es-ES" dirty="0" smtClean="0">
+                <a:sym typeface="Wingdings"/>
+              </a:rPr>
+              <a:t> </a:t>
+            </a:r>
+            <a:r>
+              <a:rPr lang="es-ES" dirty="0" err="1" smtClean="0">
+                <a:sym typeface="Wingdings"/>
+              </a:rPr>
+              <a:t>it</a:t>
+            </a:r>
+            <a:r>
+              <a:rPr lang="es-ES" dirty="0" smtClean="0">
+                <a:sym typeface="Wingdings"/>
+              </a:rPr>
+              <a:t> </a:t>
+            </a:r>
+            <a:r>
+              <a:rPr lang="es-ES" dirty="0" err="1" smtClean="0">
+                <a:sym typeface="Wingdings"/>
+              </a:rPr>
+              <a:t>this</a:t>
+            </a:r>
+            <a:r>
+              <a:rPr lang="es-ES" dirty="0" smtClean="0">
+                <a:sym typeface="Wingdings"/>
+              </a:rPr>
+              <a:t> </a:t>
+            </a:r>
+            <a:r>
+              <a:rPr lang="es-ES" dirty="0" err="1" smtClean="0">
+                <a:sym typeface="Wingdings"/>
+              </a:rPr>
+              <a:t>is</a:t>
+            </a:r>
+            <a:r>
+              <a:rPr lang="es-ES" dirty="0" smtClean="0">
+                <a:sym typeface="Wingdings"/>
+              </a:rPr>
+              <a:t> </a:t>
+            </a:r>
+            <a:r>
+              <a:rPr lang="es-ES" dirty="0" err="1" smtClean="0">
+                <a:sym typeface="Wingdings"/>
+              </a:rPr>
+              <a:t>interesting</a:t>
+            </a:r>
+            <a:r>
+              <a:rPr lang="es-ES" dirty="0" smtClean="0">
+                <a:sym typeface="Wingdings"/>
+              </a:rPr>
+              <a:t>)</a:t>
+            </a:r>
+            <a:endParaRPr lang="es-ES" dirty="0"/>
+          </a:p>
+        </p:txBody>
+      </p:sp>
+    </p:spTree>
+    <p:extLst>
+      <p:ext uri="{BB962C8B-B14F-4D97-AF65-F5344CB8AC3E}">
+        <p14:creationId xmlns:p14="http://schemas.microsoft.com/office/powerpoint/2010/main" val="2828880071"/>
+      </p:ext>
+    </p:extLst>
+  </p:cSld>
+  <p:clrMapOvr>
+    <a:masterClrMapping/>
+  </p:clrMapOvr>
 </p:sld>
 </file>
 
@@ -7141,6 +8120,8 @@
       </a:bgFillStyleLst>
     </a:fmtScheme>
   </a:themeElements>
+  <a:objectDefaults/>
+  <a:extraClrSchemeLst/>
 </a:theme>
 </file>
 
@@ -7364,6 +8345,8 @@
       </a:bgFillStyleLst>
     </a:fmtScheme>
   </a:themeElements>
+  <a:objectDefaults/>
+  <a:extraClrSchemeLst/>
 </a:theme>
 </file>
 
@@ -7587,6 +8570,8 @@
       </a:bgFillStyleLst>
     </a:fmtScheme>
   </a:themeElements>
+  <a:objectDefaults/>
+  <a:extraClrSchemeLst/>
 </a:theme>
 </file>
 
@@ -7810,5 +8795,7 @@
       </a:bgFillStyleLst>
     </a:fmtScheme>
   </a:themeElements>
+  <a:objectDefaults/>
+  <a:extraClrSchemeLst/>
 </a:theme>
 </file>